--- a/_posts/ithome/2021/12.決策樹/12.決策樹.pptx
+++ b/_posts/ithome/2021/12.決策樹/12.決策樹.pptx
@@ -10,6 +10,12 @@
     <p:sldId id="258" r:id="rId4"/>
     <p:sldId id="259" r:id="rId5"/>
     <p:sldId id="260" r:id="rId6"/>
+    <p:sldId id="261" r:id="rId7"/>
+    <p:sldId id="262" r:id="rId8"/>
+    <p:sldId id="264" r:id="rId9"/>
+    <p:sldId id="263" r:id="rId10"/>
+    <p:sldId id="265" r:id="rId11"/>
+    <p:sldId id="266" r:id="rId12"/>
   </p:sldIdLst>
   <p:sldSz cx="12192000" cy="6858000"/>
   <p:notesSz cx="6858000" cy="9144000"/>
@@ -108,6 +114,11 @@
       </a:defRPr>
     </a:lvl9pPr>
   </p:defaultTextStyle>
+  <p:extLst>
+    <p:ext uri="{EFAFB233-063F-42B5-8137-9DF3F51BA10A}">
+      <p15:sldGuideLst xmlns:p15="http://schemas.microsoft.com/office/powerpoint/2012/main"/>
+    </p:ext>
+  </p:extLst>
 </p:presentation>
 </file>
 
@@ -260,7 +271,7 @@
           <a:p>
             <a:fld id="{1AD93E51-F8B7-A542-9D96-D5B9E727AEB1}" type="datetimeFigureOut">
               <a:rPr lang="en-TW" smtClean="0"/>
-              <a:t>2021/9/12</a:t>
+              <a:t>2021/9/13</a:t>
             </a:fld>
             <a:endParaRPr lang="en-TW"/>
           </a:p>
@@ -460,7 +471,7 @@
           <a:p>
             <a:fld id="{1AD93E51-F8B7-A542-9D96-D5B9E727AEB1}" type="datetimeFigureOut">
               <a:rPr lang="en-TW" smtClean="0"/>
-              <a:t>2021/9/12</a:t>
+              <a:t>2021/9/13</a:t>
             </a:fld>
             <a:endParaRPr lang="en-TW"/>
           </a:p>
@@ -670,7 +681,7 @@
           <a:p>
             <a:fld id="{1AD93E51-F8B7-A542-9D96-D5B9E727AEB1}" type="datetimeFigureOut">
               <a:rPr lang="en-TW" smtClean="0"/>
-              <a:t>2021/9/12</a:t>
+              <a:t>2021/9/13</a:t>
             </a:fld>
             <a:endParaRPr lang="en-TW"/>
           </a:p>
@@ -870,7 +881,7 @@
           <a:p>
             <a:fld id="{1AD93E51-F8B7-A542-9D96-D5B9E727AEB1}" type="datetimeFigureOut">
               <a:rPr lang="en-TW" smtClean="0"/>
-              <a:t>2021/9/12</a:t>
+              <a:t>2021/9/13</a:t>
             </a:fld>
             <a:endParaRPr lang="en-TW"/>
           </a:p>
@@ -1146,7 +1157,7 @@
           <a:p>
             <a:fld id="{1AD93E51-F8B7-A542-9D96-D5B9E727AEB1}" type="datetimeFigureOut">
               <a:rPr lang="en-TW" smtClean="0"/>
-              <a:t>2021/9/12</a:t>
+              <a:t>2021/9/13</a:t>
             </a:fld>
             <a:endParaRPr lang="en-TW"/>
           </a:p>
@@ -1414,7 +1425,7 @@
           <a:p>
             <a:fld id="{1AD93E51-F8B7-A542-9D96-D5B9E727AEB1}" type="datetimeFigureOut">
               <a:rPr lang="en-TW" smtClean="0"/>
-              <a:t>2021/9/12</a:t>
+              <a:t>2021/9/13</a:t>
             </a:fld>
             <a:endParaRPr lang="en-TW"/>
           </a:p>
@@ -1829,7 +1840,7 @@
           <a:p>
             <a:fld id="{1AD93E51-F8B7-A542-9D96-D5B9E727AEB1}" type="datetimeFigureOut">
               <a:rPr lang="en-TW" smtClean="0"/>
-              <a:t>2021/9/12</a:t>
+              <a:t>2021/9/13</a:t>
             </a:fld>
             <a:endParaRPr lang="en-TW"/>
           </a:p>
@@ -1971,7 +1982,7 @@
           <a:p>
             <a:fld id="{1AD93E51-F8B7-A542-9D96-D5B9E727AEB1}" type="datetimeFigureOut">
               <a:rPr lang="en-TW" smtClean="0"/>
-              <a:t>2021/9/12</a:t>
+              <a:t>2021/9/13</a:t>
             </a:fld>
             <a:endParaRPr lang="en-TW"/>
           </a:p>
@@ -2084,7 +2095,7 @@
           <a:p>
             <a:fld id="{1AD93E51-F8B7-A542-9D96-D5B9E727AEB1}" type="datetimeFigureOut">
               <a:rPr lang="en-TW" smtClean="0"/>
-              <a:t>2021/9/12</a:t>
+              <a:t>2021/9/13</a:t>
             </a:fld>
             <a:endParaRPr lang="en-TW"/>
           </a:p>
@@ -2397,7 +2408,7 @@
           <a:p>
             <a:fld id="{1AD93E51-F8B7-A542-9D96-D5B9E727AEB1}" type="datetimeFigureOut">
               <a:rPr lang="en-TW" smtClean="0"/>
-              <a:t>2021/9/12</a:t>
+              <a:t>2021/9/13</a:t>
             </a:fld>
             <a:endParaRPr lang="en-TW"/>
           </a:p>
@@ -2686,7 +2697,7 @@
           <a:p>
             <a:fld id="{1AD93E51-F8B7-A542-9D96-D5B9E727AEB1}" type="datetimeFigureOut">
               <a:rPr lang="en-TW" smtClean="0"/>
-              <a:t>2021/9/12</a:t>
+              <a:t>2021/9/13</a:t>
             </a:fld>
             <a:endParaRPr lang="en-TW"/>
           </a:p>
@@ -2929,7 +2940,7 @@
           <a:p>
             <a:fld id="{1AD93E51-F8B7-A542-9D96-D5B9E727AEB1}" type="datetimeFigureOut">
               <a:rPr lang="en-TW" smtClean="0"/>
-              <a:t>2021/9/12</a:t>
+              <a:t>2021/9/13</a:t>
             </a:fld>
             <a:endParaRPr lang="en-TW"/>
           </a:p>
@@ -6345,6 +6356,186 @@
 </p:sld>
 </file>
 
+<file path=ppt/slides/slide10.xml><?xml version="1.0" encoding="utf-8"?>
+<p:sld xmlns:a="http://schemas.openxmlformats.org/drawingml/2006/main" xmlns:r="http://schemas.openxmlformats.org/officeDocument/2006/relationships" xmlns:p="http://schemas.openxmlformats.org/presentationml/2006/main">
+  <p:cSld>
+    <p:spTree>
+      <p:nvGrpSpPr>
+        <p:cNvPr id="1" name=""/>
+        <p:cNvGrpSpPr/>
+        <p:nvPr/>
+      </p:nvGrpSpPr>
+      <p:grpSpPr>
+        <a:xfrm>
+          <a:off x="0" y="0"/>
+          <a:ext cx="0" cy="0"/>
+          <a:chOff x="0" y="0"/>
+          <a:chExt cx="0" cy="0"/>
+        </a:xfrm>
+      </p:grpSpPr>
+      <p:pic>
+        <p:nvPicPr>
+          <p:cNvPr id="3" name="Picture 2">
+            <a:extLst>
+              <a:ext uri="{FF2B5EF4-FFF2-40B4-BE49-F238E27FC236}">
+                <a16:creationId xmlns:a16="http://schemas.microsoft.com/office/drawing/2014/main" id="{06676BD3-4E0D-9741-ACCF-43DFC1F5EF3B}"/>
+              </a:ext>
+            </a:extLst>
+          </p:cNvPr>
+          <p:cNvPicPr>
+            <a:picLocks noChangeAspect="1"/>
+          </p:cNvPicPr>
+          <p:nvPr/>
+        </p:nvPicPr>
+        <p:blipFill>
+          <a:blip r:embed="rId2"/>
+          <a:stretch>
+            <a:fillRect/>
+          </a:stretch>
+        </p:blipFill>
+        <p:spPr>
+          <a:xfrm>
+            <a:off x="1552913" y="2338285"/>
+            <a:ext cx="2931538" cy="2082935"/>
+          </a:xfrm>
+          <a:prstGeom prst="rect">
+            <a:avLst/>
+          </a:prstGeom>
+        </p:spPr>
+      </p:pic>
+      <p:pic>
+        <p:nvPicPr>
+          <p:cNvPr id="5" name="Picture 4">
+            <a:extLst>
+              <a:ext uri="{FF2B5EF4-FFF2-40B4-BE49-F238E27FC236}">
+                <a16:creationId xmlns:a16="http://schemas.microsoft.com/office/drawing/2014/main" id="{69F4EC77-8823-E643-8592-4E9AE3EA38BA}"/>
+              </a:ext>
+            </a:extLst>
+          </p:cNvPr>
+          <p:cNvPicPr>
+            <a:picLocks noChangeAspect="1"/>
+          </p:cNvPicPr>
+          <p:nvPr/>
+        </p:nvPicPr>
+        <p:blipFill>
+          <a:blip r:embed="rId3"/>
+          <a:stretch>
+            <a:fillRect/>
+          </a:stretch>
+        </p:blipFill>
+        <p:spPr>
+          <a:xfrm>
+            <a:off x="5051898" y="2338285"/>
+            <a:ext cx="2931538" cy="2045969"/>
+          </a:xfrm>
+          <a:prstGeom prst="rect">
+            <a:avLst/>
+          </a:prstGeom>
+        </p:spPr>
+      </p:pic>
+    </p:spTree>
+    <p:extLst>
+      <p:ext uri="{BB962C8B-B14F-4D97-AF65-F5344CB8AC3E}">
+        <p14:creationId xmlns:p14="http://schemas.microsoft.com/office/powerpoint/2010/main" val="2124572049"/>
+      </p:ext>
+    </p:extLst>
+  </p:cSld>
+  <p:clrMapOvr>
+    <a:masterClrMapping/>
+  </p:clrMapOvr>
+</p:sld>
+</file>
+
+<file path=ppt/slides/slide11.xml><?xml version="1.0" encoding="utf-8"?>
+<p:sld xmlns:a="http://schemas.openxmlformats.org/drawingml/2006/main" xmlns:r="http://schemas.openxmlformats.org/officeDocument/2006/relationships" xmlns:p="http://schemas.openxmlformats.org/presentationml/2006/main">
+  <p:cSld>
+    <p:spTree>
+      <p:nvGrpSpPr>
+        <p:cNvPr id="1" name=""/>
+        <p:cNvGrpSpPr/>
+        <p:nvPr/>
+      </p:nvGrpSpPr>
+      <p:grpSpPr>
+        <a:xfrm>
+          <a:off x="0" y="0"/>
+          <a:ext cx="0" cy="0"/>
+          <a:chOff x="0" y="0"/>
+          <a:chExt cx="0" cy="0"/>
+        </a:xfrm>
+      </p:grpSpPr>
+      <p:pic>
+        <p:nvPicPr>
+          <p:cNvPr id="11" name="Picture 10">
+            <a:extLst>
+              <a:ext uri="{FF2B5EF4-FFF2-40B4-BE49-F238E27FC236}">
+                <a16:creationId xmlns:a16="http://schemas.microsoft.com/office/drawing/2014/main" id="{C9AC0033-5757-F74B-AC48-030D1CF13FA8}"/>
+              </a:ext>
+            </a:extLst>
+          </p:cNvPr>
+          <p:cNvPicPr>
+            <a:picLocks noChangeAspect="1"/>
+          </p:cNvPicPr>
+          <p:nvPr/>
+        </p:nvPicPr>
+        <p:blipFill>
+          <a:blip r:embed="rId2"/>
+          <a:stretch>
+            <a:fillRect/>
+          </a:stretch>
+        </p:blipFill>
+        <p:spPr>
+          <a:xfrm>
+            <a:off x="2543917" y="2627549"/>
+            <a:ext cx="3054621" cy="2117064"/>
+          </a:xfrm>
+          <a:prstGeom prst="rect">
+            <a:avLst/>
+          </a:prstGeom>
+        </p:spPr>
+      </p:pic>
+      <p:pic>
+        <p:nvPicPr>
+          <p:cNvPr id="13" name="Picture 12">
+            <a:extLst>
+              <a:ext uri="{FF2B5EF4-FFF2-40B4-BE49-F238E27FC236}">
+                <a16:creationId xmlns:a16="http://schemas.microsoft.com/office/drawing/2014/main" id="{B6F37D25-8B81-9142-B93B-D672EB7591EA}"/>
+              </a:ext>
+            </a:extLst>
+          </p:cNvPr>
+          <p:cNvPicPr>
+            <a:picLocks noChangeAspect="1"/>
+          </p:cNvPicPr>
+          <p:nvPr/>
+        </p:nvPicPr>
+        <p:blipFill>
+          <a:blip r:embed="rId3"/>
+          <a:stretch>
+            <a:fillRect/>
+          </a:stretch>
+        </p:blipFill>
+        <p:spPr>
+          <a:xfrm>
+            <a:off x="6423498" y="2627549"/>
+            <a:ext cx="2903402" cy="2117064"/>
+          </a:xfrm>
+          <a:prstGeom prst="rect">
+            <a:avLst/>
+          </a:prstGeom>
+        </p:spPr>
+      </p:pic>
+    </p:spTree>
+    <p:extLst>
+      <p:ext uri="{BB962C8B-B14F-4D97-AF65-F5344CB8AC3E}">
+        <p14:creationId xmlns:p14="http://schemas.microsoft.com/office/powerpoint/2010/main" val="1491996414"/>
+      </p:ext>
+    </p:extLst>
+  </p:cSld>
+  <p:clrMapOvr>
+    <a:masterClrMapping/>
+  </p:clrMapOvr>
+</p:sld>
+</file>
+
 <file path=ppt/slides/slide2.xml><?xml version="1.0" encoding="utf-8"?>
 <p:sld xmlns:a="http://schemas.openxmlformats.org/drawingml/2006/main" xmlns:r="http://schemas.openxmlformats.org/officeDocument/2006/relationships" xmlns:p="http://schemas.openxmlformats.org/presentationml/2006/main">
   <p:cSld>
@@ -9989,8 +10180,8 @@
           </a:p>
         </p:txBody>
       </p:sp>
-      <mc:AlternateContent xmlns:mc="http://schemas.openxmlformats.org/markup-compatibility/2006">
-        <mc:Choice xmlns:a14="http://schemas.microsoft.com/office/drawing/2010/main" Requires="a14">
+      <mc:AlternateContent xmlns:mc="http://schemas.openxmlformats.org/markup-compatibility/2006" xmlns:a14="http://schemas.microsoft.com/office/drawing/2010/main">
+        <mc:Choice Requires="a14">
           <p:sp>
             <p:nvSpPr>
               <p:cNvPr id="44" name="Rectangle 43">
@@ -10350,7 +10541,7 @@
             </p:txBody>
           </p:sp>
         </mc:Choice>
-        <mc:Fallback>
+        <mc:Fallback xmlns="">
           <p:sp>
             <p:nvSpPr>
               <p:cNvPr id="44" name="Rectangle 43">
@@ -10395,8 +10586,8 @@
           </p:sp>
         </mc:Fallback>
       </mc:AlternateContent>
-      <mc:AlternateContent xmlns:mc="http://schemas.openxmlformats.org/markup-compatibility/2006">
-        <mc:Choice xmlns:a14="http://schemas.microsoft.com/office/drawing/2010/main" Requires="a14">
+      <mc:AlternateContent xmlns:mc="http://schemas.openxmlformats.org/markup-compatibility/2006" xmlns:a14="http://schemas.microsoft.com/office/drawing/2010/main">
+        <mc:Choice Requires="a14">
           <p:sp>
             <p:nvSpPr>
               <p:cNvPr id="45" name="Rectangle 44">
@@ -10756,7 +10947,7 @@
             </p:txBody>
           </p:sp>
         </mc:Choice>
-        <mc:Fallback>
+        <mc:Fallback xmlns="">
           <p:sp>
             <p:nvSpPr>
               <p:cNvPr id="45" name="Rectangle 44">
@@ -13280,6 +13471,6829 @@
     <p:extLst>
       <p:ext uri="{BB962C8B-B14F-4D97-AF65-F5344CB8AC3E}">
         <p14:creationId xmlns:p14="http://schemas.microsoft.com/office/powerpoint/2010/main" val="379873197"/>
+      </p:ext>
+    </p:extLst>
+  </p:cSld>
+  <p:clrMapOvr>
+    <a:masterClrMapping/>
+  </p:clrMapOvr>
+</p:sld>
+</file>
+
+<file path=ppt/slides/slide6.xml><?xml version="1.0" encoding="utf-8"?>
+<p:sld xmlns:a="http://schemas.openxmlformats.org/drawingml/2006/main" xmlns:r="http://schemas.openxmlformats.org/officeDocument/2006/relationships" xmlns:p="http://schemas.openxmlformats.org/presentationml/2006/main">
+  <p:cSld>
+    <p:spTree>
+      <p:nvGrpSpPr>
+        <p:cNvPr id="1" name=""/>
+        <p:cNvGrpSpPr/>
+        <p:nvPr/>
+      </p:nvGrpSpPr>
+      <p:grpSpPr>
+        <a:xfrm>
+          <a:off x="0" y="0"/>
+          <a:ext cx="0" cy="0"/>
+          <a:chOff x="0" y="0"/>
+          <a:chExt cx="0" cy="0"/>
+        </a:xfrm>
+      </p:grpSpPr>
+      <p:pic>
+        <p:nvPicPr>
+          <p:cNvPr id="2" name="Picture 1">
+            <a:extLst>
+              <a:ext uri="{FF2B5EF4-FFF2-40B4-BE49-F238E27FC236}">
+                <a16:creationId xmlns:a16="http://schemas.microsoft.com/office/drawing/2014/main" id="{813E93B5-CB33-B349-BAEE-3597F65A90E3}"/>
+              </a:ext>
+            </a:extLst>
+          </p:cNvPr>
+          <p:cNvPicPr>
+            <a:picLocks noChangeAspect="1"/>
+          </p:cNvPicPr>
+          <p:nvPr/>
+        </p:nvPicPr>
+        <p:blipFill>
+          <a:blip r:embed="rId2"/>
+          <a:srcRect/>
+          <a:stretch/>
+        </p:blipFill>
+        <p:spPr>
+          <a:xfrm>
+            <a:off x="941185" y="3111076"/>
+            <a:ext cx="5193153" cy="3027326"/>
+          </a:xfrm>
+          <a:prstGeom prst="rect">
+            <a:avLst/>
+          </a:prstGeom>
+        </p:spPr>
+      </p:pic>
+      <p:cxnSp>
+        <p:nvCxnSpPr>
+          <p:cNvPr id="3" name="Straight Arrow Connector 2">
+            <a:extLst>
+              <a:ext uri="{FF2B5EF4-FFF2-40B4-BE49-F238E27FC236}">
+                <a16:creationId xmlns:a16="http://schemas.microsoft.com/office/drawing/2014/main" id="{6F9F20BD-B980-2949-89A6-9CBEAE297466}"/>
+              </a:ext>
+            </a:extLst>
+          </p:cNvPr>
+          <p:cNvCxnSpPr>
+            <a:cxnSpLocks/>
+          </p:cNvCxnSpPr>
+          <p:nvPr/>
+        </p:nvCxnSpPr>
+        <p:spPr>
+          <a:xfrm flipV="1">
+            <a:off x="7049293" y="3528176"/>
+            <a:ext cx="0" cy="2178122"/>
+          </a:xfrm>
+          <a:prstGeom prst="straightConnector1">
+            <a:avLst/>
+          </a:prstGeom>
+          <a:noFill/>
+          <a:ln w="6350" cap="flat" cmpd="sng" algn="ctr">
+            <a:solidFill>
+              <a:srgbClr val="000000"/>
+            </a:solidFill>
+            <a:prstDash val="solid"/>
+            <a:miter lim="800000"/>
+            <a:tailEnd type="triangle"/>
+          </a:ln>
+          <a:effectLst/>
+        </p:spPr>
+      </p:cxnSp>
+      <p:cxnSp>
+        <p:nvCxnSpPr>
+          <p:cNvPr id="4" name="Straight Arrow Connector 3">
+            <a:extLst>
+              <a:ext uri="{FF2B5EF4-FFF2-40B4-BE49-F238E27FC236}">
+                <a16:creationId xmlns:a16="http://schemas.microsoft.com/office/drawing/2014/main" id="{D636C53F-2394-A240-BCC9-2F01DD32A3CA}"/>
+              </a:ext>
+            </a:extLst>
+          </p:cNvPr>
+          <p:cNvCxnSpPr>
+            <a:cxnSpLocks/>
+          </p:cNvCxnSpPr>
+          <p:nvPr/>
+        </p:nvCxnSpPr>
+        <p:spPr>
+          <a:xfrm>
+            <a:off x="7039019" y="5704586"/>
+            <a:ext cx="3348350" cy="0"/>
+          </a:xfrm>
+          <a:prstGeom prst="straightConnector1">
+            <a:avLst/>
+          </a:prstGeom>
+          <a:noFill/>
+          <a:ln w="6350" cap="flat" cmpd="sng" algn="ctr">
+            <a:solidFill>
+              <a:srgbClr val="000000"/>
+            </a:solidFill>
+            <a:prstDash val="solid"/>
+            <a:miter lim="800000"/>
+            <a:tailEnd type="triangle"/>
+          </a:ln>
+          <a:effectLst/>
+        </p:spPr>
+      </p:cxnSp>
+      <p:sp>
+        <p:nvSpPr>
+          <p:cNvPr id="5" name="Rectangle 4">
+            <a:extLst>
+              <a:ext uri="{FF2B5EF4-FFF2-40B4-BE49-F238E27FC236}">
+                <a16:creationId xmlns:a16="http://schemas.microsoft.com/office/drawing/2014/main" id="{1DBAE3C4-F0BB-944A-B4AD-6F646549B109}"/>
+              </a:ext>
+            </a:extLst>
+          </p:cNvPr>
+          <p:cNvSpPr/>
+          <p:nvPr/>
+        </p:nvSpPr>
+        <p:spPr>
+          <a:xfrm>
+            <a:off x="10521675" y="5519920"/>
+            <a:ext cx="304892" cy="369332"/>
+          </a:xfrm>
+          <a:prstGeom prst="rect">
+            <a:avLst/>
+          </a:prstGeom>
+          <a:noFill/>
+        </p:spPr>
+        <p:txBody>
+          <a:bodyPr wrap="none" lIns="91440" tIns="45720" rIns="91440" bIns="45720">
+            <a:spAutoFit/>
+          </a:bodyPr>
+          <a:lstStyle/>
+          <a:p>
+            <a:pPr algn="ctr" defTabSz="914377"/>
+            <a:r>
+              <a:rPr lang="en-US" dirty="0">
+                <a:ln w="0"/>
+                <a:solidFill>
+                  <a:srgbClr val="000000"/>
+                </a:solidFill>
+                <a:effectLst>
+                  <a:outerShdw blurRad="38100" dist="19050" dir="2700000" algn="tl" rotWithShape="0">
+                    <a:srgbClr val="000000">
+                      <a:alpha val="40000"/>
+                    </a:srgbClr>
+                  </a:outerShdw>
+                </a:effectLst>
+                <a:latin typeface="Arial"/>
+                <a:ea typeface="微软雅黑"/>
+              </a:rPr>
+              <a:t>x</a:t>
+            </a:r>
+          </a:p>
+        </p:txBody>
+      </p:sp>
+      <p:sp>
+        <p:nvSpPr>
+          <p:cNvPr id="6" name="Rectangle 5">
+            <a:extLst>
+              <a:ext uri="{FF2B5EF4-FFF2-40B4-BE49-F238E27FC236}">
+                <a16:creationId xmlns:a16="http://schemas.microsoft.com/office/drawing/2014/main" id="{888341E8-4D98-5642-A057-80D67A2E8715}"/>
+              </a:ext>
+            </a:extLst>
+          </p:cNvPr>
+          <p:cNvSpPr/>
+          <p:nvPr/>
+        </p:nvSpPr>
+        <p:spPr>
+          <a:xfrm>
+            <a:off x="6894588" y="3029149"/>
+            <a:ext cx="288862" cy="369332"/>
+          </a:xfrm>
+          <a:prstGeom prst="rect">
+            <a:avLst/>
+          </a:prstGeom>
+          <a:noFill/>
+        </p:spPr>
+        <p:txBody>
+          <a:bodyPr wrap="none" lIns="91440" tIns="45720" rIns="91440" bIns="45720">
+            <a:spAutoFit/>
+          </a:bodyPr>
+          <a:lstStyle/>
+          <a:p>
+            <a:pPr algn="ctr" defTabSz="914377"/>
+            <a:r>
+              <a:rPr lang="en-US" dirty="0">
+                <a:ln w="0"/>
+                <a:solidFill>
+                  <a:srgbClr val="000000"/>
+                </a:solidFill>
+                <a:effectLst>
+                  <a:outerShdw blurRad="38100" dist="19050" dir="2700000" algn="tl" rotWithShape="0">
+                    <a:srgbClr val="000000">
+                      <a:alpha val="40000"/>
+                    </a:srgbClr>
+                  </a:outerShdw>
+                </a:effectLst>
+                <a:latin typeface="Arial"/>
+                <a:ea typeface="微软雅黑"/>
+              </a:rPr>
+              <a:t>y</a:t>
+            </a:r>
+          </a:p>
+        </p:txBody>
+      </p:sp>
+      <p:sp>
+        <p:nvSpPr>
+          <p:cNvPr id="7" name="Oval 6">
+            <a:extLst>
+              <a:ext uri="{FF2B5EF4-FFF2-40B4-BE49-F238E27FC236}">
+                <a16:creationId xmlns:a16="http://schemas.microsoft.com/office/drawing/2014/main" id="{F23E6CFA-C695-814E-9305-2C5132B01085}"/>
+              </a:ext>
+            </a:extLst>
+          </p:cNvPr>
+          <p:cNvSpPr/>
+          <p:nvPr/>
+        </p:nvSpPr>
+        <p:spPr>
+          <a:xfrm>
+            <a:off x="9038148" y="4361549"/>
+            <a:ext cx="90000" cy="90000"/>
+          </a:xfrm>
+          <a:prstGeom prst="ellipse">
+            <a:avLst/>
+          </a:prstGeom>
+          <a:solidFill>
+            <a:srgbClr val="0070C0"/>
+          </a:solidFill>
+          <a:ln w="12700" cap="flat" cmpd="sng" algn="ctr">
+            <a:solidFill>
+              <a:srgbClr val="D2A66C">
+                <a:shade val="50000"/>
+              </a:srgbClr>
+            </a:solidFill>
+            <a:prstDash val="solid"/>
+            <a:miter lim="800000"/>
+          </a:ln>
+          <a:effectLst/>
+        </p:spPr>
+        <p:txBody>
+          <a:bodyPr rtlCol="0" anchor="ctr"/>
+          <a:lstStyle/>
+          <a:p>
+            <a:pPr marL="0" marR="0" lvl="0" indent="0" algn="ctr" defTabSz="914377" eaLnBrk="1" fontAlgn="auto" latinLnBrk="0" hangingPunct="1">
+              <a:lnSpc>
+                <a:spcPct val="100000"/>
+              </a:lnSpc>
+              <a:spcBef>
+                <a:spcPts val="0"/>
+              </a:spcBef>
+              <a:spcAft>
+                <a:spcPts val="0"/>
+              </a:spcAft>
+              <a:buClrTx/>
+              <a:buSzTx/>
+              <a:buFontTx/>
+              <a:buNone/>
+              <a:tabLst/>
+              <a:defRPr/>
+            </a:pPr>
+            <a:endParaRPr kumimoji="0" lang="en-US" sz="1800" b="0" i="0" u="none" strike="noStrike" kern="0" cap="none" spc="0" normalizeH="0" baseline="0" noProof="0">
+              <a:ln>
+                <a:noFill/>
+              </a:ln>
+              <a:solidFill>
+                <a:srgbClr val="FFFFFF"/>
+              </a:solidFill>
+              <a:effectLst/>
+              <a:uLnTx/>
+              <a:uFillTx/>
+              <a:latin typeface="Arial"/>
+              <a:ea typeface="微软雅黑"/>
+              <a:cs typeface="+mn-cs"/>
+            </a:endParaRPr>
+          </a:p>
+        </p:txBody>
+      </p:sp>
+      <p:sp>
+        <p:nvSpPr>
+          <p:cNvPr id="8" name="Oval 7">
+            <a:extLst>
+              <a:ext uri="{FF2B5EF4-FFF2-40B4-BE49-F238E27FC236}">
+                <a16:creationId xmlns:a16="http://schemas.microsoft.com/office/drawing/2014/main" id="{E08ABC95-E0D7-B34C-AE7E-FFAE2A97F8D1}"/>
+              </a:ext>
+            </a:extLst>
+          </p:cNvPr>
+          <p:cNvSpPr/>
+          <p:nvPr/>
+        </p:nvSpPr>
+        <p:spPr>
+          <a:xfrm>
+            <a:off x="8830929" y="4507731"/>
+            <a:ext cx="90000" cy="90000"/>
+          </a:xfrm>
+          <a:prstGeom prst="ellipse">
+            <a:avLst/>
+          </a:prstGeom>
+          <a:solidFill>
+            <a:srgbClr val="0070C0"/>
+          </a:solidFill>
+          <a:ln w="12700" cap="flat" cmpd="sng" algn="ctr">
+            <a:solidFill>
+              <a:srgbClr val="D2A66C">
+                <a:shade val="50000"/>
+              </a:srgbClr>
+            </a:solidFill>
+            <a:prstDash val="solid"/>
+            <a:miter lim="800000"/>
+          </a:ln>
+          <a:effectLst/>
+        </p:spPr>
+        <p:txBody>
+          <a:bodyPr rtlCol="0" anchor="ctr"/>
+          <a:lstStyle/>
+          <a:p>
+            <a:pPr marL="0" marR="0" lvl="0" indent="0" algn="ctr" defTabSz="914377" eaLnBrk="1" fontAlgn="auto" latinLnBrk="0" hangingPunct="1">
+              <a:lnSpc>
+                <a:spcPct val="100000"/>
+              </a:lnSpc>
+              <a:spcBef>
+                <a:spcPts val="0"/>
+              </a:spcBef>
+              <a:spcAft>
+                <a:spcPts val="0"/>
+              </a:spcAft>
+              <a:buClrTx/>
+              <a:buSzTx/>
+              <a:buFontTx/>
+              <a:buNone/>
+              <a:tabLst/>
+              <a:defRPr/>
+            </a:pPr>
+            <a:endParaRPr kumimoji="0" lang="en-US" sz="1800" b="0" i="0" u="none" strike="noStrike" kern="0" cap="none" spc="0" normalizeH="0" baseline="0" noProof="0">
+              <a:ln>
+                <a:noFill/>
+              </a:ln>
+              <a:solidFill>
+                <a:srgbClr val="FFFFFF"/>
+              </a:solidFill>
+              <a:effectLst/>
+              <a:uLnTx/>
+              <a:uFillTx/>
+              <a:latin typeface="Arial"/>
+              <a:ea typeface="微软雅黑"/>
+              <a:cs typeface="+mn-cs"/>
+            </a:endParaRPr>
+          </a:p>
+        </p:txBody>
+      </p:sp>
+      <p:sp>
+        <p:nvSpPr>
+          <p:cNvPr id="9" name="Oval 8">
+            <a:extLst>
+              <a:ext uri="{FF2B5EF4-FFF2-40B4-BE49-F238E27FC236}">
+                <a16:creationId xmlns:a16="http://schemas.microsoft.com/office/drawing/2014/main" id="{658A106F-F2B5-374E-86F0-FB70A6A8694C}"/>
+              </a:ext>
+            </a:extLst>
+          </p:cNvPr>
+          <p:cNvSpPr/>
+          <p:nvPr/>
+        </p:nvSpPr>
+        <p:spPr>
+          <a:xfrm>
+            <a:off x="9251306" y="4040199"/>
+            <a:ext cx="90000" cy="90000"/>
+          </a:xfrm>
+          <a:prstGeom prst="ellipse">
+            <a:avLst/>
+          </a:prstGeom>
+          <a:solidFill>
+            <a:srgbClr val="0070C0"/>
+          </a:solidFill>
+          <a:ln w="12700" cap="flat" cmpd="sng" algn="ctr">
+            <a:solidFill>
+              <a:srgbClr val="D2A66C">
+                <a:shade val="50000"/>
+              </a:srgbClr>
+            </a:solidFill>
+            <a:prstDash val="solid"/>
+            <a:miter lim="800000"/>
+          </a:ln>
+          <a:effectLst/>
+        </p:spPr>
+        <p:txBody>
+          <a:bodyPr rtlCol="0" anchor="ctr"/>
+          <a:lstStyle/>
+          <a:p>
+            <a:pPr marL="0" marR="0" lvl="0" indent="0" algn="ctr" defTabSz="914377" eaLnBrk="1" fontAlgn="auto" latinLnBrk="0" hangingPunct="1">
+              <a:lnSpc>
+                <a:spcPct val="100000"/>
+              </a:lnSpc>
+              <a:spcBef>
+                <a:spcPts val="0"/>
+              </a:spcBef>
+              <a:spcAft>
+                <a:spcPts val="0"/>
+              </a:spcAft>
+              <a:buClrTx/>
+              <a:buSzTx/>
+              <a:buFontTx/>
+              <a:buNone/>
+              <a:tabLst/>
+              <a:defRPr/>
+            </a:pPr>
+            <a:endParaRPr kumimoji="0" lang="en-US" sz="1800" b="0" i="0" u="none" strike="noStrike" kern="0" cap="none" spc="0" normalizeH="0" baseline="0" noProof="0">
+              <a:ln>
+                <a:noFill/>
+              </a:ln>
+              <a:solidFill>
+                <a:srgbClr val="FFFFFF"/>
+              </a:solidFill>
+              <a:effectLst/>
+              <a:uLnTx/>
+              <a:uFillTx/>
+              <a:latin typeface="Arial"/>
+              <a:ea typeface="微软雅黑"/>
+              <a:cs typeface="+mn-cs"/>
+            </a:endParaRPr>
+          </a:p>
+        </p:txBody>
+      </p:sp>
+      <p:sp>
+        <p:nvSpPr>
+          <p:cNvPr id="10" name="Oval 9">
+            <a:extLst>
+              <a:ext uri="{FF2B5EF4-FFF2-40B4-BE49-F238E27FC236}">
+                <a16:creationId xmlns:a16="http://schemas.microsoft.com/office/drawing/2014/main" id="{9AF581F4-AA46-D642-AC87-8E1A9A35854E}"/>
+              </a:ext>
+            </a:extLst>
+          </p:cNvPr>
+          <p:cNvSpPr/>
+          <p:nvPr/>
+        </p:nvSpPr>
+        <p:spPr>
+          <a:xfrm>
+            <a:off x="8694563" y="4328300"/>
+            <a:ext cx="90000" cy="90000"/>
+          </a:xfrm>
+          <a:prstGeom prst="ellipse">
+            <a:avLst/>
+          </a:prstGeom>
+          <a:solidFill>
+            <a:srgbClr val="0070C0"/>
+          </a:solidFill>
+          <a:ln w="12700" cap="flat" cmpd="sng" algn="ctr">
+            <a:solidFill>
+              <a:srgbClr val="D2A66C">
+                <a:shade val="50000"/>
+              </a:srgbClr>
+            </a:solidFill>
+            <a:prstDash val="solid"/>
+            <a:miter lim="800000"/>
+          </a:ln>
+          <a:effectLst/>
+        </p:spPr>
+        <p:txBody>
+          <a:bodyPr rtlCol="0" anchor="ctr"/>
+          <a:lstStyle/>
+          <a:p>
+            <a:pPr marL="0" marR="0" lvl="0" indent="0" algn="ctr" defTabSz="914377" eaLnBrk="1" fontAlgn="auto" latinLnBrk="0" hangingPunct="1">
+              <a:lnSpc>
+                <a:spcPct val="100000"/>
+              </a:lnSpc>
+              <a:spcBef>
+                <a:spcPts val="0"/>
+              </a:spcBef>
+              <a:spcAft>
+                <a:spcPts val="0"/>
+              </a:spcAft>
+              <a:buClrTx/>
+              <a:buSzTx/>
+              <a:buFontTx/>
+              <a:buNone/>
+              <a:tabLst/>
+              <a:defRPr/>
+            </a:pPr>
+            <a:endParaRPr kumimoji="0" lang="en-US" sz="1800" b="0" i="0" u="none" strike="noStrike" kern="0" cap="none" spc="0" normalizeH="0" baseline="0" noProof="0">
+              <a:ln>
+                <a:noFill/>
+              </a:ln>
+              <a:solidFill>
+                <a:srgbClr val="FFFFFF"/>
+              </a:solidFill>
+              <a:effectLst/>
+              <a:uLnTx/>
+              <a:uFillTx/>
+              <a:latin typeface="Arial"/>
+              <a:ea typeface="微软雅黑"/>
+              <a:cs typeface="+mn-cs"/>
+            </a:endParaRPr>
+          </a:p>
+        </p:txBody>
+      </p:sp>
+      <p:sp>
+        <p:nvSpPr>
+          <p:cNvPr id="11" name="Oval 10">
+            <a:extLst>
+              <a:ext uri="{FF2B5EF4-FFF2-40B4-BE49-F238E27FC236}">
+                <a16:creationId xmlns:a16="http://schemas.microsoft.com/office/drawing/2014/main" id="{104F49E2-2F0E-0748-8486-0F7923ABE155}"/>
+              </a:ext>
+            </a:extLst>
+          </p:cNvPr>
+          <p:cNvSpPr/>
+          <p:nvPr/>
+        </p:nvSpPr>
+        <p:spPr>
+          <a:xfrm>
+            <a:off x="9546961" y="3723476"/>
+            <a:ext cx="90000" cy="90000"/>
+          </a:xfrm>
+          <a:prstGeom prst="ellipse">
+            <a:avLst/>
+          </a:prstGeom>
+          <a:solidFill>
+            <a:srgbClr val="0070C0"/>
+          </a:solidFill>
+          <a:ln w="12700" cap="flat" cmpd="sng" algn="ctr">
+            <a:solidFill>
+              <a:srgbClr val="D2A66C">
+                <a:shade val="50000"/>
+              </a:srgbClr>
+            </a:solidFill>
+            <a:prstDash val="solid"/>
+            <a:miter lim="800000"/>
+          </a:ln>
+          <a:effectLst/>
+        </p:spPr>
+        <p:txBody>
+          <a:bodyPr rtlCol="0" anchor="ctr"/>
+          <a:lstStyle/>
+          <a:p>
+            <a:pPr marL="0" marR="0" lvl="0" indent="0" algn="ctr" defTabSz="914377" eaLnBrk="1" fontAlgn="auto" latinLnBrk="0" hangingPunct="1">
+              <a:lnSpc>
+                <a:spcPct val="100000"/>
+              </a:lnSpc>
+              <a:spcBef>
+                <a:spcPts val="0"/>
+              </a:spcBef>
+              <a:spcAft>
+                <a:spcPts val="0"/>
+              </a:spcAft>
+              <a:buClrTx/>
+              <a:buSzTx/>
+              <a:buFontTx/>
+              <a:buNone/>
+              <a:tabLst/>
+              <a:defRPr/>
+            </a:pPr>
+            <a:endParaRPr kumimoji="0" lang="en-US" sz="1800" b="0" i="0" u="none" strike="noStrike" kern="0" cap="none" spc="0" normalizeH="0" baseline="0" noProof="0">
+              <a:ln>
+                <a:noFill/>
+              </a:ln>
+              <a:solidFill>
+                <a:srgbClr val="FFFFFF"/>
+              </a:solidFill>
+              <a:effectLst/>
+              <a:uLnTx/>
+              <a:uFillTx/>
+              <a:latin typeface="Arial"/>
+              <a:ea typeface="微软雅黑"/>
+              <a:cs typeface="+mn-cs"/>
+            </a:endParaRPr>
+          </a:p>
+        </p:txBody>
+      </p:sp>
+      <p:sp>
+        <p:nvSpPr>
+          <p:cNvPr id="12" name="Oval 11">
+            <a:extLst>
+              <a:ext uri="{FF2B5EF4-FFF2-40B4-BE49-F238E27FC236}">
+                <a16:creationId xmlns:a16="http://schemas.microsoft.com/office/drawing/2014/main" id="{7E2525F1-37F1-D741-A3F4-D9E59BCB2575}"/>
+              </a:ext>
+            </a:extLst>
+          </p:cNvPr>
+          <p:cNvSpPr/>
+          <p:nvPr/>
+        </p:nvSpPr>
+        <p:spPr>
+          <a:xfrm>
+            <a:off x="9726133" y="4025086"/>
+            <a:ext cx="90000" cy="90000"/>
+          </a:xfrm>
+          <a:prstGeom prst="ellipse">
+            <a:avLst/>
+          </a:prstGeom>
+          <a:solidFill>
+            <a:srgbClr val="0070C0"/>
+          </a:solidFill>
+          <a:ln w="12700" cap="flat" cmpd="sng" algn="ctr">
+            <a:solidFill>
+              <a:srgbClr val="D2A66C">
+                <a:shade val="50000"/>
+              </a:srgbClr>
+            </a:solidFill>
+            <a:prstDash val="solid"/>
+            <a:miter lim="800000"/>
+          </a:ln>
+          <a:effectLst/>
+        </p:spPr>
+        <p:txBody>
+          <a:bodyPr rtlCol="0" anchor="ctr"/>
+          <a:lstStyle/>
+          <a:p>
+            <a:pPr marL="0" marR="0" lvl="0" indent="0" algn="ctr" defTabSz="914377" eaLnBrk="1" fontAlgn="auto" latinLnBrk="0" hangingPunct="1">
+              <a:lnSpc>
+                <a:spcPct val="100000"/>
+              </a:lnSpc>
+              <a:spcBef>
+                <a:spcPts val="0"/>
+              </a:spcBef>
+              <a:spcAft>
+                <a:spcPts val="0"/>
+              </a:spcAft>
+              <a:buClrTx/>
+              <a:buSzTx/>
+              <a:buFontTx/>
+              <a:buNone/>
+              <a:tabLst/>
+              <a:defRPr/>
+            </a:pPr>
+            <a:endParaRPr kumimoji="0" lang="en-US" sz="1800" b="0" i="0" u="none" strike="noStrike" kern="0" cap="none" spc="0" normalizeH="0" baseline="0" noProof="0">
+              <a:ln>
+                <a:noFill/>
+              </a:ln>
+              <a:solidFill>
+                <a:srgbClr val="FFFFFF"/>
+              </a:solidFill>
+              <a:effectLst/>
+              <a:uLnTx/>
+              <a:uFillTx/>
+              <a:latin typeface="Arial"/>
+              <a:ea typeface="微软雅黑"/>
+              <a:cs typeface="+mn-cs"/>
+            </a:endParaRPr>
+          </a:p>
+        </p:txBody>
+      </p:sp>
+      <p:sp>
+        <p:nvSpPr>
+          <p:cNvPr id="13" name="Oval 12">
+            <a:extLst>
+              <a:ext uri="{FF2B5EF4-FFF2-40B4-BE49-F238E27FC236}">
+                <a16:creationId xmlns:a16="http://schemas.microsoft.com/office/drawing/2014/main" id="{38823488-CE2D-D940-815B-E7DF754BA874}"/>
+              </a:ext>
+            </a:extLst>
+          </p:cNvPr>
+          <p:cNvSpPr/>
+          <p:nvPr/>
+        </p:nvSpPr>
+        <p:spPr>
+          <a:xfrm>
+            <a:off x="9438961" y="4079086"/>
+            <a:ext cx="90000" cy="90000"/>
+          </a:xfrm>
+          <a:prstGeom prst="ellipse">
+            <a:avLst/>
+          </a:prstGeom>
+          <a:solidFill>
+            <a:srgbClr val="0070C0"/>
+          </a:solidFill>
+          <a:ln w="12700" cap="flat" cmpd="sng" algn="ctr">
+            <a:solidFill>
+              <a:srgbClr val="D2A66C">
+                <a:shade val="50000"/>
+              </a:srgbClr>
+            </a:solidFill>
+            <a:prstDash val="solid"/>
+            <a:miter lim="800000"/>
+          </a:ln>
+          <a:effectLst/>
+        </p:spPr>
+        <p:txBody>
+          <a:bodyPr rtlCol="0" anchor="ctr"/>
+          <a:lstStyle/>
+          <a:p>
+            <a:pPr marL="0" marR="0" lvl="0" indent="0" algn="ctr" defTabSz="914377" eaLnBrk="1" fontAlgn="auto" latinLnBrk="0" hangingPunct="1">
+              <a:lnSpc>
+                <a:spcPct val="100000"/>
+              </a:lnSpc>
+              <a:spcBef>
+                <a:spcPts val="0"/>
+              </a:spcBef>
+              <a:spcAft>
+                <a:spcPts val="0"/>
+              </a:spcAft>
+              <a:buClrTx/>
+              <a:buSzTx/>
+              <a:buFontTx/>
+              <a:buNone/>
+              <a:tabLst/>
+              <a:defRPr/>
+            </a:pPr>
+            <a:endParaRPr kumimoji="0" lang="en-US" sz="1800" b="0" i="0" u="none" strike="noStrike" kern="0" cap="none" spc="0" normalizeH="0" baseline="0" noProof="0">
+              <a:ln>
+                <a:noFill/>
+              </a:ln>
+              <a:solidFill>
+                <a:srgbClr val="FFFFFF"/>
+              </a:solidFill>
+              <a:effectLst/>
+              <a:uLnTx/>
+              <a:uFillTx/>
+              <a:latin typeface="Arial"/>
+              <a:ea typeface="微软雅黑"/>
+              <a:cs typeface="+mn-cs"/>
+            </a:endParaRPr>
+          </a:p>
+        </p:txBody>
+      </p:sp>
+      <p:sp>
+        <p:nvSpPr>
+          <p:cNvPr id="14" name="Oval 13">
+            <a:extLst>
+              <a:ext uri="{FF2B5EF4-FFF2-40B4-BE49-F238E27FC236}">
+                <a16:creationId xmlns:a16="http://schemas.microsoft.com/office/drawing/2014/main" id="{7A5654B6-64F7-604A-A021-82BB5D4000EC}"/>
+              </a:ext>
+            </a:extLst>
+          </p:cNvPr>
+          <p:cNvSpPr/>
+          <p:nvPr/>
+        </p:nvSpPr>
+        <p:spPr>
+          <a:xfrm>
+            <a:off x="9086303" y="4634160"/>
+            <a:ext cx="90000" cy="90000"/>
+          </a:xfrm>
+          <a:prstGeom prst="ellipse">
+            <a:avLst/>
+          </a:prstGeom>
+          <a:solidFill>
+            <a:srgbClr val="0070C0"/>
+          </a:solidFill>
+          <a:ln w="12700" cap="flat" cmpd="sng" algn="ctr">
+            <a:solidFill>
+              <a:srgbClr val="D2A66C">
+                <a:shade val="50000"/>
+              </a:srgbClr>
+            </a:solidFill>
+            <a:prstDash val="solid"/>
+            <a:miter lim="800000"/>
+          </a:ln>
+          <a:effectLst/>
+        </p:spPr>
+        <p:txBody>
+          <a:bodyPr rtlCol="0" anchor="ctr"/>
+          <a:lstStyle/>
+          <a:p>
+            <a:pPr marL="0" marR="0" lvl="0" indent="0" algn="ctr" defTabSz="914377" eaLnBrk="1" fontAlgn="auto" latinLnBrk="0" hangingPunct="1">
+              <a:lnSpc>
+                <a:spcPct val="100000"/>
+              </a:lnSpc>
+              <a:spcBef>
+                <a:spcPts val="0"/>
+              </a:spcBef>
+              <a:spcAft>
+                <a:spcPts val="0"/>
+              </a:spcAft>
+              <a:buClrTx/>
+              <a:buSzTx/>
+              <a:buFontTx/>
+              <a:buNone/>
+              <a:tabLst/>
+              <a:defRPr/>
+            </a:pPr>
+            <a:endParaRPr kumimoji="0" lang="en-US" sz="1800" b="0" i="0" u="none" strike="noStrike" kern="0" cap="none" spc="0" normalizeH="0" baseline="0" noProof="0">
+              <a:ln>
+                <a:noFill/>
+              </a:ln>
+              <a:solidFill>
+                <a:srgbClr val="FFFFFF"/>
+              </a:solidFill>
+              <a:effectLst/>
+              <a:uLnTx/>
+              <a:uFillTx/>
+              <a:latin typeface="Arial"/>
+              <a:ea typeface="微软雅黑"/>
+              <a:cs typeface="+mn-cs"/>
+            </a:endParaRPr>
+          </a:p>
+        </p:txBody>
+      </p:sp>
+      <p:sp>
+        <p:nvSpPr>
+          <p:cNvPr id="15" name="Oval 14">
+            <a:extLst>
+              <a:ext uri="{FF2B5EF4-FFF2-40B4-BE49-F238E27FC236}">
+                <a16:creationId xmlns:a16="http://schemas.microsoft.com/office/drawing/2014/main" id="{E09EF874-EAB8-A749-8708-C8E231009097}"/>
+              </a:ext>
+            </a:extLst>
+          </p:cNvPr>
+          <p:cNvSpPr/>
+          <p:nvPr/>
+        </p:nvSpPr>
+        <p:spPr>
+          <a:xfrm>
+            <a:off x="7603682" y="5075741"/>
+            <a:ext cx="90000" cy="90000"/>
+          </a:xfrm>
+          <a:prstGeom prst="ellipse">
+            <a:avLst/>
+          </a:prstGeom>
+          <a:solidFill>
+            <a:srgbClr val="0070C0"/>
+          </a:solidFill>
+          <a:ln w="12700" cap="flat" cmpd="sng" algn="ctr">
+            <a:solidFill>
+              <a:srgbClr val="D2A66C">
+                <a:shade val="50000"/>
+              </a:srgbClr>
+            </a:solidFill>
+            <a:prstDash val="solid"/>
+            <a:miter lim="800000"/>
+          </a:ln>
+          <a:effectLst/>
+        </p:spPr>
+        <p:txBody>
+          <a:bodyPr rtlCol="0" anchor="ctr"/>
+          <a:lstStyle/>
+          <a:p>
+            <a:pPr marL="0" marR="0" lvl="0" indent="0" algn="ctr" defTabSz="914377" eaLnBrk="1" fontAlgn="auto" latinLnBrk="0" hangingPunct="1">
+              <a:lnSpc>
+                <a:spcPct val="100000"/>
+              </a:lnSpc>
+              <a:spcBef>
+                <a:spcPts val="0"/>
+              </a:spcBef>
+              <a:spcAft>
+                <a:spcPts val="0"/>
+              </a:spcAft>
+              <a:buClrTx/>
+              <a:buSzTx/>
+              <a:buFontTx/>
+              <a:buNone/>
+              <a:tabLst/>
+              <a:defRPr/>
+            </a:pPr>
+            <a:endParaRPr kumimoji="0" lang="en-US" sz="1800" b="0" i="0" u="none" strike="noStrike" kern="0" cap="none" spc="0" normalizeH="0" baseline="0" noProof="0">
+              <a:ln>
+                <a:noFill/>
+              </a:ln>
+              <a:solidFill>
+                <a:srgbClr val="E73A1C"/>
+              </a:solidFill>
+              <a:effectLst/>
+              <a:uLnTx/>
+              <a:uFillTx/>
+              <a:latin typeface="Arial"/>
+              <a:ea typeface="微软雅黑"/>
+              <a:cs typeface="+mn-cs"/>
+            </a:endParaRPr>
+          </a:p>
+        </p:txBody>
+      </p:sp>
+      <p:sp>
+        <p:nvSpPr>
+          <p:cNvPr id="16" name="Oval 15">
+            <a:extLst>
+              <a:ext uri="{FF2B5EF4-FFF2-40B4-BE49-F238E27FC236}">
+                <a16:creationId xmlns:a16="http://schemas.microsoft.com/office/drawing/2014/main" id="{7C408DDA-3862-4E48-B5D0-944AC472B5F2}"/>
+              </a:ext>
+            </a:extLst>
+          </p:cNvPr>
+          <p:cNvSpPr/>
+          <p:nvPr/>
+        </p:nvSpPr>
+        <p:spPr>
+          <a:xfrm>
+            <a:off x="7821365" y="4938088"/>
+            <a:ext cx="90000" cy="90000"/>
+          </a:xfrm>
+          <a:prstGeom prst="ellipse">
+            <a:avLst/>
+          </a:prstGeom>
+          <a:solidFill>
+            <a:srgbClr val="0070C0"/>
+          </a:solidFill>
+          <a:ln w="12700" cap="flat" cmpd="sng" algn="ctr">
+            <a:solidFill>
+              <a:srgbClr val="D2A66C">
+                <a:shade val="50000"/>
+              </a:srgbClr>
+            </a:solidFill>
+            <a:prstDash val="solid"/>
+            <a:miter lim="800000"/>
+          </a:ln>
+          <a:effectLst/>
+        </p:spPr>
+        <p:txBody>
+          <a:bodyPr rtlCol="0" anchor="ctr"/>
+          <a:lstStyle/>
+          <a:p>
+            <a:pPr marL="0" marR="0" lvl="0" indent="0" algn="ctr" defTabSz="914377" eaLnBrk="1" fontAlgn="auto" latinLnBrk="0" hangingPunct="1">
+              <a:lnSpc>
+                <a:spcPct val="100000"/>
+              </a:lnSpc>
+              <a:spcBef>
+                <a:spcPts val="0"/>
+              </a:spcBef>
+              <a:spcAft>
+                <a:spcPts val="0"/>
+              </a:spcAft>
+              <a:buClrTx/>
+              <a:buSzTx/>
+              <a:buFontTx/>
+              <a:buNone/>
+              <a:tabLst/>
+              <a:defRPr/>
+            </a:pPr>
+            <a:endParaRPr kumimoji="0" lang="en-US" sz="1800" b="0" i="0" u="none" strike="noStrike" kern="0" cap="none" spc="0" normalizeH="0" baseline="0" noProof="0">
+              <a:ln>
+                <a:noFill/>
+              </a:ln>
+              <a:solidFill>
+                <a:srgbClr val="E73A1C"/>
+              </a:solidFill>
+              <a:effectLst/>
+              <a:uLnTx/>
+              <a:uFillTx/>
+              <a:latin typeface="Arial"/>
+              <a:ea typeface="微软雅黑"/>
+              <a:cs typeface="+mn-cs"/>
+            </a:endParaRPr>
+          </a:p>
+        </p:txBody>
+      </p:sp>
+      <p:sp>
+        <p:nvSpPr>
+          <p:cNvPr id="17" name="Oval 16">
+            <a:extLst>
+              <a:ext uri="{FF2B5EF4-FFF2-40B4-BE49-F238E27FC236}">
+                <a16:creationId xmlns:a16="http://schemas.microsoft.com/office/drawing/2014/main" id="{54666FB2-B6BF-7349-A477-FA121E8245F9}"/>
+              </a:ext>
+            </a:extLst>
+          </p:cNvPr>
+          <p:cNvSpPr/>
+          <p:nvPr/>
+        </p:nvSpPr>
+        <p:spPr>
+          <a:xfrm>
+            <a:off x="7657682" y="5322412"/>
+            <a:ext cx="90000" cy="90000"/>
+          </a:xfrm>
+          <a:prstGeom prst="ellipse">
+            <a:avLst/>
+          </a:prstGeom>
+          <a:solidFill>
+            <a:srgbClr val="0070C0"/>
+          </a:solidFill>
+          <a:ln w="12700" cap="flat" cmpd="sng" algn="ctr">
+            <a:solidFill>
+              <a:srgbClr val="D2A66C">
+                <a:shade val="50000"/>
+              </a:srgbClr>
+            </a:solidFill>
+            <a:prstDash val="solid"/>
+            <a:miter lim="800000"/>
+          </a:ln>
+          <a:effectLst/>
+        </p:spPr>
+        <p:txBody>
+          <a:bodyPr rtlCol="0" anchor="ctr"/>
+          <a:lstStyle/>
+          <a:p>
+            <a:pPr marL="0" marR="0" lvl="0" indent="0" algn="ctr" defTabSz="914377" eaLnBrk="1" fontAlgn="auto" latinLnBrk="0" hangingPunct="1">
+              <a:lnSpc>
+                <a:spcPct val="100000"/>
+              </a:lnSpc>
+              <a:spcBef>
+                <a:spcPts val="0"/>
+              </a:spcBef>
+              <a:spcAft>
+                <a:spcPts val="0"/>
+              </a:spcAft>
+              <a:buClrTx/>
+              <a:buSzTx/>
+              <a:buFontTx/>
+              <a:buNone/>
+              <a:tabLst/>
+              <a:defRPr/>
+            </a:pPr>
+            <a:endParaRPr kumimoji="0" lang="en-US" sz="1800" b="0" i="0" u="none" strike="noStrike" kern="0" cap="none" spc="0" normalizeH="0" baseline="0" noProof="0">
+              <a:ln>
+                <a:noFill/>
+              </a:ln>
+              <a:solidFill>
+                <a:srgbClr val="E73A1C"/>
+              </a:solidFill>
+              <a:effectLst/>
+              <a:uLnTx/>
+              <a:uFillTx/>
+              <a:latin typeface="Arial"/>
+              <a:ea typeface="微软雅黑"/>
+              <a:cs typeface="+mn-cs"/>
+            </a:endParaRPr>
+          </a:p>
+        </p:txBody>
+      </p:sp>
+      <p:sp>
+        <p:nvSpPr>
+          <p:cNvPr id="18" name="Oval 17">
+            <a:extLst>
+              <a:ext uri="{FF2B5EF4-FFF2-40B4-BE49-F238E27FC236}">
+                <a16:creationId xmlns:a16="http://schemas.microsoft.com/office/drawing/2014/main" id="{543D1F8C-2CC1-4A4C-81A3-00B46CD82027}"/>
+              </a:ext>
+            </a:extLst>
+          </p:cNvPr>
+          <p:cNvSpPr/>
+          <p:nvPr/>
+        </p:nvSpPr>
+        <p:spPr>
+          <a:xfrm>
+            <a:off x="8367485" y="4826859"/>
+            <a:ext cx="90000" cy="90000"/>
+          </a:xfrm>
+          <a:prstGeom prst="ellipse">
+            <a:avLst/>
+          </a:prstGeom>
+          <a:solidFill>
+            <a:srgbClr val="0070C0"/>
+          </a:solidFill>
+          <a:ln w="12700" cap="flat" cmpd="sng" algn="ctr">
+            <a:solidFill>
+              <a:srgbClr val="D2A66C">
+                <a:shade val="50000"/>
+              </a:srgbClr>
+            </a:solidFill>
+            <a:prstDash val="solid"/>
+            <a:miter lim="800000"/>
+          </a:ln>
+          <a:effectLst/>
+        </p:spPr>
+        <p:txBody>
+          <a:bodyPr rtlCol="0" anchor="ctr"/>
+          <a:lstStyle/>
+          <a:p>
+            <a:pPr marL="0" marR="0" lvl="0" indent="0" algn="ctr" defTabSz="914377" eaLnBrk="1" fontAlgn="auto" latinLnBrk="0" hangingPunct="1">
+              <a:lnSpc>
+                <a:spcPct val="100000"/>
+              </a:lnSpc>
+              <a:spcBef>
+                <a:spcPts val="0"/>
+              </a:spcBef>
+              <a:spcAft>
+                <a:spcPts val="0"/>
+              </a:spcAft>
+              <a:buClrTx/>
+              <a:buSzTx/>
+              <a:buFontTx/>
+              <a:buNone/>
+              <a:tabLst/>
+              <a:defRPr/>
+            </a:pPr>
+            <a:endParaRPr kumimoji="0" lang="en-US" sz="1800" b="0" i="0" u="none" strike="noStrike" kern="0" cap="none" spc="0" normalizeH="0" baseline="0" noProof="0">
+              <a:ln>
+                <a:noFill/>
+              </a:ln>
+              <a:solidFill>
+                <a:srgbClr val="E73A1C"/>
+              </a:solidFill>
+              <a:effectLst/>
+              <a:uLnTx/>
+              <a:uFillTx/>
+              <a:latin typeface="Arial"/>
+              <a:ea typeface="微软雅黑"/>
+              <a:cs typeface="+mn-cs"/>
+            </a:endParaRPr>
+          </a:p>
+        </p:txBody>
+      </p:sp>
+      <p:sp>
+        <p:nvSpPr>
+          <p:cNvPr id="19" name="Oval 18">
+            <a:extLst>
+              <a:ext uri="{FF2B5EF4-FFF2-40B4-BE49-F238E27FC236}">
+                <a16:creationId xmlns:a16="http://schemas.microsoft.com/office/drawing/2014/main" id="{836BF45A-B40F-EE41-AD39-ADECCF7CA9DE}"/>
+              </a:ext>
+            </a:extLst>
+          </p:cNvPr>
+          <p:cNvSpPr/>
+          <p:nvPr/>
+        </p:nvSpPr>
+        <p:spPr>
+          <a:xfrm>
+            <a:off x="8600686" y="4885563"/>
+            <a:ext cx="90000" cy="90000"/>
+          </a:xfrm>
+          <a:prstGeom prst="ellipse">
+            <a:avLst/>
+          </a:prstGeom>
+          <a:solidFill>
+            <a:srgbClr val="0070C0"/>
+          </a:solidFill>
+          <a:ln w="12700" cap="flat" cmpd="sng" algn="ctr">
+            <a:solidFill>
+              <a:srgbClr val="D2A66C">
+                <a:shade val="50000"/>
+              </a:srgbClr>
+            </a:solidFill>
+            <a:prstDash val="solid"/>
+            <a:miter lim="800000"/>
+          </a:ln>
+          <a:effectLst/>
+        </p:spPr>
+        <p:txBody>
+          <a:bodyPr rtlCol="0" anchor="ctr"/>
+          <a:lstStyle/>
+          <a:p>
+            <a:pPr marL="0" marR="0" lvl="0" indent="0" algn="ctr" defTabSz="914377" eaLnBrk="1" fontAlgn="auto" latinLnBrk="0" hangingPunct="1">
+              <a:lnSpc>
+                <a:spcPct val="100000"/>
+              </a:lnSpc>
+              <a:spcBef>
+                <a:spcPts val="0"/>
+              </a:spcBef>
+              <a:spcAft>
+                <a:spcPts val="0"/>
+              </a:spcAft>
+              <a:buClrTx/>
+              <a:buSzTx/>
+              <a:buFontTx/>
+              <a:buNone/>
+              <a:tabLst/>
+              <a:defRPr/>
+            </a:pPr>
+            <a:endParaRPr kumimoji="0" lang="en-US" sz="1800" b="0" i="0" u="none" strike="noStrike" kern="0" cap="none" spc="0" normalizeH="0" baseline="0" noProof="0">
+              <a:ln>
+                <a:noFill/>
+              </a:ln>
+              <a:solidFill>
+                <a:srgbClr val="E73A1C"/>
+              </a:solidFill>
+              <a:effectLst/>
+              <a:uLnTx/>
+              <a:uFillTx/>
+              <a:latin typeface="Arial"/>
+              <a:ea typeface="微软雅黑"/>
+              <a:cs typeface="+mn-cs"/>
+            </a:endParaRPr>
+          </a:p>
+        </p:txBody>
+      </p:sp>
+      <p:sp>
+        <p:nvSpPr>
+          <p:cNvPr id="20" name="Oval 19">
+            <a:extLst>
+              <a:ext uri="{FF2B5EF4-FFF2-40B4-BE49-F238E27FC236}">
+                <a16:creationId xmlns:a16="http://schemas.microsoft.com/office/drawing/2014/main" id="{31EB08BE-6636-2849-98A4-E67043689741}"/>
+              </a:ext>
+            </a:extLst>
+          </p:cNvPr>
+          <p:cNvSpPr/>
+          <p:nvPr/>
+        </p:nvSpPr>
+        <p:spPr>
+          <a:xfrm>
+            <a:off x="8182053" y="4695406"/>
+            <a:ext cx="90000" cy="90000"/>
+          </a:xfrm>
+          <a:prstGeom prst="ellipse">
+            <a:avLst/>
+          </a:prstGeom>
+          <a:solidFill>
+            <a:srgbClr val="0070C0"/>
+          </a:solidFill>
+          <a:ln w="12700" cap="flat" cmpd="sng" algn="ctr">
+            <a:solidFill>
+              <a:srgbClr val="D2A66C">
+                <a:shade val="50000"/>
+              </a:srgbClr>
+            </a:solidFill>
+            <a:prstDash val="solid"/>
+            <a:miter lim="800000"/>
+          </a:ln>
+          <a:effectLst/>
+        </p:spPr>
+        <p:txBody>
+          <a:bodyPr rtlCol="0" anchor="ctr"/>
+          <a:lstStyle/>
+          <a:p>
+            <a:pPr marL="0" marR="0" lvl="0" indent="0" algn="ctr" defTabSz="914377" eaLnBrk="1" fontAlgn="auto" latinLnBrk="0" hangingPunct="1">
+              <a:lnSpc>
+                <a:spcPct val="100000"/>
+              </a:lnSpc>
+              <a:spcBef>
+                <a:spcPts val="0"/>
+              </a:spcBef>
+              <a:spcAft>
+                <a:spcPts val="0"/>
+              </a:spcAft>
+              <a:buClrTx/>
+              <a:buSzTx/>
+              <a:buFontTx/>
+              <a:buNone/>
+              <a:tabLst/>
+              <a:defRPr/>
+            </a:pPr>
+            <a:endParaRPr kumimoji="0" lang="en-US" sz="1800" b="0" i="0" u="none" strike="noStrike" kern="0" cap="none" spc="0" normalizeH="0" baseline="0" noProof="0">
+              <a:ln>
+                <a:noFill/>
+              </a:ln>
+              <a:solidFill>
+                <a:srgbClr val="E73A1C"/>
+              </a:solidFill>
+              <a:effectLst/>
+              <a:uLnTx/>
+              <a:uFillTx/>
+              <a:latin typeface="Arial"/>
+              <a:ea typeface="微软雅黑"/>
+              <a:cs typeface="+mn-cs"/>
+            </a:endParaRPr>
+          </a:p>
+        </p:txBody>
+      </p:sp>
+      <p:sp>
+        <p:nvSpPr>
+          <p:cNvPr id="21" name="Oval 20">
+            <a:extLst>
+              <a:ext uri="{FF2B5EF4-FFF2-40B4-BE49-F238E27FC236}">
+                <a16:creationId xmlns:a16="http://schemas.microsoft.com/office/drawing/2014/main" id="{B31452A0-6EEE-BF48-BF5B-3390E1B1E4F0}"/>
+              </a:ext>
+            </a:extLst>
+          </p:cNvPr>
+          <p:cNvSpPr/>
+          <p:nvPr/>
+        </p:nvSpPr>
+        <p:spPr>
+          <a:xfrm>
+            <a:off x="8111941" y="5075741"/>
+            <a:ext cx="90000" cy="90000"/>
+          </a:xfrm>
+          <a:prstGeom prst="ellipse">
+            <a:avLst/>
+          </a:prstGeom>
+          <a:solidFill>
+            <a:srgbClr val="0070C0"/>
+          </a:solidFill>
+          <a:ln w="12700" cap="flat" cmpd="sng" algn="ctr">
+            <a:solidFill>
+              <a:srgbClr val="D2A66C">
+                <a:shade val="50000"/>
+              </a:srgbClr>
+            </a:solidFill>
+            <a:prstDash val="solid"/>
+            <a:miter lim="800000"/>
+          </a:ln>
+          <a:effectLst/>
+        </p:spPr>
+        <p:txBody>
+          <a:bodyPr rtlCol="0" anchor="ctr"/>
+          <a:lstStyle/>
+          <a:p>
+            <a:pPr marL="0" marR="0" lvl="0" indent="0" algn="ctr" defTabSz="914377" eaLnBrk="1" fontAlgn="auto" latinLnBrk="0" hangingPunct="1">
+              <a:lnSpc>
+                <a:spcPct val="100000"/>
+              </a:lnSpc>
+              <a:spcBef>
+                <a:spcPts val="0"/>
+              </a:spcBef>
+              <a:spcAft>
+                <a:spcPts val="0"/>
+              </a:spcAft>
+              <a:buClrTx/>
+              <a:buSzTx/>
+              <a:buFontTx/>
+              <a:buNone/>
+              <a:tabLst/>
+              <a:defRPr/>
+            </a:pPr>
+            <a:endParaRPr kumimoji="0" lang="en-US" sz="1800" b="0" i="0" u="none" strike="noStrike" kern="0" cap="none" spc="0" normalizeH="0" baseline="0" noProof="0">
+              <a:ln>
+                <a:noFill/>
+              </a:ln>
+              <a:solidFill>
+                <a:srgbClr val="E73A1C"/>
+              </a:solidFill>
+              <a:effectLst/>
+              <a:uLnTx/>
+              <a:uFillTx/>
+              <a:latin typeface="Arial"/>
+              <a:ea typeface="微软雅黑"/>
+              <a:cs typeface="+mn-cs"/>
+            </a:endParaRPr>
+          </a:p>
+        </p:txBody>
+      </p:sp>
+      <p:sp>
+        <p:nvSpPr>
+          <p:cNvPr id="22" name="Oval 21">
+            <a:extLst>
+              <a:ext uri="{FF2B5EF4-FFF2-40B4-BE49-F238E27FC236}">
+                <a16:creationId xmlns:a16="http://schemas.microsoft.com/office/drawing/2014/main" id="{EF4EB2F3-451D-C74C-88DF-00A641430991}"/>
+              </a:ext>
+            </a:extLst>
+          </p:cNvPr>
+          <p:cNvSpPr/>
+          <p:nvPr/>
+        </p:nvSpPr>
+        <p:spPr>
+          <a:xfrm>
+            <a:off x="7878741" y="5136819"/>
+            <a:ext cx="90000" cy="90000"/>
+          </a:xfrm>
+          <a:prstGeom prst="ellipse">
+            <a:avLst/>
+          </a:prstGeom>
+          <a:solidFill>
+            <a:srgbClr val="0070C0"/>
+          </a:solidFill>
+          <a:ln w="12700" cap="flat" cmpd="sng" algn="ctr">
+            <a:solidFill>
+              <a:srgbClr val="D2A66C">
+                <a:shade val="50000"/>
+              </a:srgbClr>
+            </a:solidFill>
+            <a:prstDash val="solid"/>
+            <a:miter lim="800000"/>
+          </a:ln>
+          <a:effectLst/>
+        </p:spPr>
+        <p:txBody>
+          <a:bodyPr rtlCol="0" anchor="ctr"/>
+          <a:lstStyle/>
+          <a:p>
+            <a:pPr marL="0" marR="0" lvl="0" indent="0" algn="ctr" defTabSz="914377" eaLnBrk="1" fontAlgn="auto" latinLnBrk="0" hangingPunct="1">
+              <a:lnSpc>
+                <a:spcPct val="100000"/>
+              </a:lnSpc>
+              <a:spcBef>
+                <a:spcPts val="0"/>
+              </a:spcBef>
+              <a:spcAft>
+                <a:spcPts val="0"/>
+              </a:spcAft>
+              <a:buClrTx/>
+              <a:buSzTx/>
+              <a:buFontTx/>
+              <a:buNone/>
+              <a:tabLst/>
+              <a:defRPr/>
+            </a:pPr>
+            <a:endParaRPr kumimoji="0" lang="en-US" sz="1800" b="0" i="0" u="none" strike="noStrike" kern="0" cap="none" spc="0" normalizeH="0" baseline="0" noProof="0">
+              <a:ln>
+                <a:noFill/>
+              </a:ln>
+              <a:solidFill>
+                <a:srgbClr val="E73A1C"/>
+              </a:solidFill>
+              <a:effectLst/>
+              <a:uLnTx/>
+              <a:uFillTx/>
+              <a:latin typeface="Arial"/>
+              <a:ea typeface="微软雅黑"/>
+              <a:cs typeface="+mn-cs"/>
+            </a:endParaRPr>
+          </a:p>
+        </p:txBody>
+      </p:sp>
+      <p:sp>
+        <p:nvSpPr>
+          <p:cNvPr id="23" name="Oval 22">
+            <a:extLst>
+              <a:ext uri="{FF2B5EF4-FFF2-40B4-BE49-F238E27FC236}">
+                <a16:creationId xmlns:a16="http://schemas.microsoft.com/office/drawing/2014/main" id="{E45133D9-D91F-C146-A55A-5CF5CBEB06DA}"/>
+              </a:ext>
+            </a:extLst>
+          </p:cNvPr>
+          <p:cNvSpPr/>
+          <p:nvPr/>
+        </p:nvSpPr>
+        <p:spPr>
+          <a:xfrm>
+            <a:off x="8467674" y="4653200"/>
+            <a:ext cx="90000" cy="90000"/>
+          </a:xfrm>
+          <a:prstGeom prst="ellipse">
+            <a:avLst/>
+          </a:prstGeom>
+          <a:solidFill>
+            <a:srgbClr val="0070C0"/>
+          </a:solidFill>
+          <a:ln w="12700" cap="flat" cmpd="sng" algn="ctr">
+            <a:solidFill>
+              <a:srgbClr val="D2A66C">
+                <a:shade val="50000"/>
+              </a:srgbClr>
+            </a:solidFill>
+            <a:prstDash val="solid"/>
+            <a:miter lim="800000"/>
+          </a:ln>
+          <a:effectLst/>
+        </p:spPr>
+        <p:txBody>
+          <a:bodyPr rtlCol="0" anchor="ctr"/>
+          <a:lstStyle/>
+          <a:p>
+            <a:pPr marL="0" marR="0" lvl="0" indent="0" algn="ctr" defTabSz="914377" eaLnBrk="1" fontAlgn="auto" latinLnBrk="0" hangingPunct="1">
+              <a:lnSpc>
+                <a:spcPct val="100000"/>
+              </a:lnSpc>
+              <a:spcBef>
+                <a:spcPts val="0"/>
+              </a:spcBef>
+              <a:spcAft>
+                <a:spcPts val="0"/>
+              </a:spcAft>
+              <a:buClrTx/>
+              <a:buSzTx/>
+              <a:buFontTx/>
+              <a:buNone/>
+              <a:tabLst/>
+              <a:defRPr/>
+            </a:pPr>
+            <a:endParaRPr kumimoji="0" lang="en-US" sz="1800" b="0" i="0" u="none" strike="noStrike" kern="0" cap="none" spc="0" normalizeH="0" baseline="0" noProof="0">
+              <a:ln>
+                <a:noFill/>
+              </a:ln>
+              <a:solidFill>
+                <a:srgbClr val="E73A1C"/>
+              </a:solidFill>
+              <a:effectLst/>
+              <a:uLnTx/>
+              <a:uFillTx/>
+              <a:latin typeface="Arial"/>
+              <a:ea typeface="微软雅黑"/>
+              <a:cs typeface="+mn-cs"/>
+            </a:endParaRPr>
+          </a:p>
+        </p:txBody>
+      </p:sp>
+      <p:cxnSp>
+        <p:nvCxnSpPr>
+          <p:cNvPr id="24" name="Straight Connector 23">
+            <a:extLst>
+              <a:ext uri="{FF2B5EF4-FFF2-40B4-BE49-F238E27FC236}">
+                <a16:creationId xmlns:a16="http://schemas.microsoft.com/office/drawing/2014/main" id="{76C3E403-47EC-3943-92B1-01FFA5BAD067}"/>
+              </a:ext>
+            </a:extLst>
+          </p:cNvPr>
+          <p:cNvCxnSpPr>
+            <a:cxnSpLocks/>
+          </p:cNvCxnSpPr>
+          <p:nvPr/>
+        </p:nvCxnSpPr>
+        <p:spPr>
+          <a:xfrm>
+            <a:off x="8054459" y="4507731"/>
+            <a:ext cx="0" cy="1102497"/>
+          </a:xfrm>
+          <a:prstGeom prst="line">
+            <a:avLst/>
+          </a:prstGeom>
+          <a:noFill/>
+          <a:ln w="6350" cap="flat" cmpd="sng" algn="ctr">
+            <a:solidFill>
+              <a:srgbClr val="000000"/>
+            </a:solidFill>
+            <a:prstDash val="lgDash"/>
+            <a:miter lim="800000"/>
+          </a:ln>
+          <a:effectLst/>
+        </p:spPr>
+      </p:cxnSp>
+      <p:cxnSp>
+        <p:nvCxnSpPr>
+          <p:cNvPr id="25" name="Straight Connector 24">
+            <a:extLst>
+              <a:ext uri="{FF2B5EF4-FFF2-40B4-BE49-F238E27FC236}">
+                <a16:creationId xmlns:a16="http://schemas.microsoft.com/office/drawing/2014/main" id="{15BCF14D-9D19-6A47-8612-019D582CEB52}"/>
+              </a:ext>
+            </a:extLst>
+          </p:cNvPr>
+          <p:cNvCxnSpPr>
+            <a:cxnSpLocks/>
+          </p:cNvCxnSpPr>
+          <p:nvPr/>
+        </p:nvCxnSpPr>
+        <p:spPr>
+          <a:xfrm>
+            <a:off x="8690686" y="4233193"/>
+            <a:ext cx="0" cy="1102497"/>
+          </a:xfrm>
+          <a:prstGeom prst="line">
+            <a:avLst/>
+          </a:prstGeom>
+          <a:noFill/>
+          <a:ln w="6350" cap="flat" cmpd="sng" algn="ctr">
+            <a:solidFill>
+              <a:srgbClr val="000000"/>
+            </a:solidFill>
+            <a:prstDash val="lgDash"/>
+            <a:miter lim="800000"/>
+          </a:ln>
+          <a:effectLst/>
+        </p:spPr>
+      </p:cxnSp>
+      <p:cxnSp>
+        <p:nvCxnSpPr>
+          <p:cNvPr id="26" name="Straight Connector 25">
+            <a:extLst>
+              <a:ext uri="{FF2B5EF4-FFF2-40B4-BE49-F238E27FC236}">
+                <a16:creationId xmlns:a16="http://schemas.microsoft.com/office/drawing/2014/main" id="{7F6FEE1D-7952-C247-AD11-86226E0B69A1}"/>
+              </a:ext>
+            </a:extLst>
+          </p:cNvPr>
+          <p:cNvCxnSpPr>
+            <a:cxnSpLocks/>
+          </p:cNvCxnSpPr>
+          <p:nvPr/>
+        </p:nvCxnSpPr>
+        <p:spPr>
+          <a:xfrm>
+            <a:off x="9251306" y="3850891"/>
+            <a:ext cx="0" cy="1102497"/>
+          </a:xfrm>
+          <a:prstGeom prst="line">
+            <a:avLst/>
+          </a:prstGeom>
+          <a:noFill/>
+          <a:ln w="6350" cap="flat" cmpd="sng" algn="ctr">
+            <a:solidFill>
+              <a:srgbClr val="000000"/>
+            </a:solidFill>
+            <a:prstDash val="lgDash"/>
+            <a:miter lim="800000"/>
+          </a:ln>
+          <a:effectLst/>
+        </p:spPr>
+      </p:cxnSp>
+      <p:sp>
+        <p:nvSpPr>
+          <p:cNvPr id="27" name="Rectangle 26">
+            <a:extLst>
+              <a:ext uri="{FF2B5EF4-FFF2-40B4-BE49-F238E27FC236}">
+                <a16:creationId xmlns:a16="http://schemas.microsoft.com/office/drawing/2014/main" id="{A4FEF6B5-458E-1944-A066-9A6AE8E7206C}"/>
+              </a:ext>
+            </a:extLst>
+          </p:cNvPr>
+          <p:cNvSpPr/>
+          <p:nvPr/>
+        </p:nvSpPr>
+        <p:spPr>
+          <a:xfrm>
+            <a:off x="43032" y="3421733"/>
+            <a:ext cx="1289135" cy="308995"/>
+          </a:xfrm>
+          <a:prstGeom prst="rect">
+            <a:avLst/>
+          </a:prstGeom>
+        </p:spPr>
+        <p:txBody>
+          <a:bodyPr wrap="none">
+            <a:spAutoFit/>
+          </a:bodyPr>
+          <a:lstStyle/>
+          <a:p>
+            <a:pPr algn="ctr" defTabSz="914377">
+              <a:lnSpc>
+                <a:spcPct val="130000"/>
+              </a:lnSpc>
+            </a:pPr>
+            <a:r>
+              <a:rPr lang="en-US" sz="1200" dirty="0">
+                <a:solidFill>
+                  <a:srgbClr val="000000"/>
+                </a:solidFill>
+                <a:latin typeface="微软雅黑" panose="020B0503020204020204" pitchFamily="34" charset="-122"/>
+                <a:ea typeface="微软雅黑" panose="020B0503020204020204" pitchFamily="34" charset="-122"/>
+              </a:rPr>
+              <a:t>max_depth = 2</a:t>
+            </a:r>
+            <a:endParaRPr lang="en-TW" sz="1200" dirty="0">
+              <a:solidFill>
+                <a:srgbClr val="000000"/>
+              </a:solidFill>
+              <a:latin typeface="微软雅黑" panose="020B0503020204020204" pitchFamily="34" charset="-122"/>
+              <a:ea typeface="微软雅黑" panose="020B0503020204020204" pitchFamily="34" charset="-122"/>
+            </a:endParaRPr>
+          </a:p>
+        </p:txBody>
+      </p:sp>
+      <p:cxnSp>
+        <p:nvCxnSpPr>
+          <p:cNvPr id="28" name="Straight Arrow Connector 27">
+            <a:extLst>
+              <a:ext uri="{FF2B5EF4-FFF2-40B4-BE49-F238E27FC236}">
+                <a16:creationId xmlns:a16="http://schemas.microsoft.com/office/drawing/2014/main" id="{E43B3F4F-2B33-1D4C-947A-5ABE0537F049}"/>
+              </a:ext>
+            </a:extLst>
+          </p:cNvPr>
+          <p:cNvCxnSpPr>
+            <a:cxnSpLocks/>
+          </p:cNvCxnSpPr>
+          <p:nvPr/>
+        </p:nvCxnSpPr>
+        <p:spPr>
+          <a:xfrm>
+            <a:off x="1300016" y="3608829"/>
+            <a:ext cx="771467" cy="90000"/>
+          </a:xfrm>
+          <a:prstGeom prst="straightConnector1">
+            <a:avLst/>
+          </a:prstGeom>
+          <a:noFill/>
+          <a:ln w="12700" cap="flat" cmpd="sng" algn="ctr">
+            <a:solidFill>
+              <a:srgbClr val="000000"/>
+            </a:solidFill>
+            <a:prstDash val="sysDash"/>
+            <a:miter lim="800000"/>
+            <a:tailEnd type="triangle"/>
+          </a:ln>
+          <a:effectLst/>
+        </p:spPr>
+      </p:cxnSp>
+      <p:sp>
+        <p:nvSpPr>
+          <p:cNvPr id="29" name="Rectangle 28">
+            <a:extLst>
+              <a:ext uri="{FF2B5EF4-FFF2-40B4-BE49-F238E27FC236}">
+                <a16:creationId xmlns:a16="http://schemas.microsoft.com/office/drawing/2014/main" id="{24045592-172E-1A44-999E-30A25587AC04}"/>
+              </a:ext>
+            </a:extLst>
+          </p:cNvPr>
+          <p:cNvSpPr/>
+          <p:nvPr/>
+        </p:nvSpPr>
+        <p:spPr>
+          <a:xfrm>
+            <a:off x="8456953" y="5732860"/>
+            <a:ext cx="481222" cy="254813"/>
+          </a:xfrm>
+          <a:prstGeom prst="rect">
+            <a:avLst/>
+          </a:prstGeom>
+        </p:spPr>
+        <p:txBody>
+          <a:bodyPr wrap="none">
+            <a:spAutoFit/>
+          </a:bodyPr>
+          <a:lstStyle/>
+          <a:p>
+            <a:pPr algn="ctr" defTabSz="914377">
+              <a:lnSpc>
+                <a:spcPct val="130000"/>
+              </a:lnSpc>
+            </a:pPr>
+            <a:r>
+              <a:rPr lang="en-US" sz="900" dirty="0">
+                <a:solidFill>
+                  <a:srgbClr val="000000"/>
+                </a:solidFill>
+                <a:latin typeface="微软雅黑" panose="020B0503020204020204" pitchFamily="34" charset="-122"/>
+                <a:ea typeface="微软雅黑" panose="020B0503020204020204" pitchFamily="34" charset="-122"/>
+              </a:rPr>
+              <a:t>0.496</a:t>
+            </a:r>
+            <a:endParaRPr lang="en-TW" sz="900" dirty="0">
+              <a:solidFill>
+                <a:srgbClr val="000000"/>
+              </a:solidFill>
+              <a:latin typeface="微软雅黑" panose="020B0503020204020204" pitchFamily="34" charset="-122"/>
+              <a:ea typeface="微软雅黑" panose="020B0503020204020204" pitchFamily="34" charset="-122"/>
+            </a:endParaRPr>
+          </a:p>
+        </p:txBody>
+      </p:sp>
+      <p:sp>
+        <p:nvSpPr>
+          <p:cNvPr id="30" name="Rectangle 29">
+            <a:extLst>
+              <a:ext uri="{FF2B5EF4-FFF2-40B4-BE49-F238E27FC236}">
+                <a16:creationId xmlns:a16="http://schemas.microsoft.com/office/drawing/2014/main" id="{9FFBDFDE-C39E-0D42-AED5-66014402340C}"/>
+              </a:ext>
+            </a:extLst>
+          </p:cNvPr>
+          <p:cNvSpPr/>
+          <p:nvPr/>
+        </p:nvSpPr>
+        <p:spPr>
+          <a:xfrm>
+            <a:off x="7820024" y="5738036"/>
+            <a:ext cx="481222" cy="254813"/>
+          </a:xfrm>
+          <a:prstGeom prst="rect">
+            <a:avLst/>
+          </a:prstGeom>
+        </p:spPr>
+        <p:txBody>
+          <a:bodyPr wrap="none">
+            <a:spAutoFit/>
+          </a:bodyPr>
+          <a:lstStyle/>
+          <a:p>
+            <a:pPr algn="ctr" defTabSz="914377">
+              <a:lnSpc>
+                <a:spcPct val="130000"/>
+              </a:lnSpc>
+            </a:pPr>
+            <a:r>
+              <a:rPr lang="en-US" sz="900" dirty="0">
+                <a:solidFill>
+                  <a:srgbClr val="000000"/>
+                </a:solidFill>
+                <a:latin typeface="微软雅黑" panose="020B0503020204020204" pitchFamily="34" charset="-122"/>
+                <a:ea typeface="微软雅黑" panose="020B0503020204020204" pitchFamily="34" charset="-122"/>
+              </a:rPr>
+              <a:t>0.193</a:t>
+            </a:r>
+            <a:endParaRPr lang="en-TW" sz="900" dirty="0">
+              <a:solidFill>
+                <a:srgbClr val="000000"/>
+              </a:solidFill>
+              <a:latin typeface="微软雅黑" panose="020B0503020204020204" pitchFamily="34" charset="-122"/>
+              <a:ea typeface="微软雅黑" panose="020B0503020204020204" pitchFamily="34" charset="-122"/>
+            </a:endParaRPr>
+          </a:p>
+        </p:txBody>
+      </p:sp>
+      <p:sp>
+        <p:nvSpPr>
+          <p:cNvPr id="31" name="Rectangle 30">
+            <a:extLst>
+              <a:ext uri="{FF2B5EF4-FFF2-40B4-BE49-F238E27FC236}">
+                <a16:creationId xmlns:a16="http://schemas.microsoft.com/office/drawing/2014/main" id="{AAB6491F-1C54-CE46-B039-599424A4D5A2}"/>
+              </a:ext>
+            </a:extLst>
+          </p:cNvPr>
+          <p:cNvSpPr/>
+          <p:nvPr/>
+        </p:nvSpPr>
+        <p:spPr>
+          <a:xfrm>
+            <a:off x="9000062" y="5739360"/>
+            <a:ext cx="481222" cy="254813"/>
+          </a:xfrm>
+          <a:prstGeom prst="rect">
+            <a:avLst/>
+          </a:prstGeom>
+        </p:spPr>
+        <p:txBody>
+          <a:bodyPr wrap="none">
+            <a:spAutoFit/>
+          </a:bodyPr>
+          <a:lstStyle/>
+          <a:p>
+            <a:pPr algn="ctr" defTabSz="914377">
+              <a:lnSpc>
+                <a:spcPct val="130000"/>
+              </a:lnSpc>
+            </a:pPr>
+            <a:r>
+              <a:rPr lang="en-US" sz="900" dirty="0">
+                <a:solidFill>
+                  <a:srgbClr val="000000"/>
+                </a:solidFill>
+                <a:latin typeface="微软雅黑" panose="020B0503020204020204" pitchFamily="34" charset="-122"/>
+                <a:ea typeface="微软雅黑" panose="020B0503020204020204" pitchFamily="34" charset="-122"/>
+              </a:rPr>
+              <a:t>0.718</a:t>
+            </a:r>
+            <a:endParaRPr lang="en-TW" sz="900" dirty="0">
+              <a:solidFill>
+                <a:srgbClr val="000000"/>
+              </a:solidFill>
+              <a:latin typeface="微软雅黑" panose="020B0503020204020204" pitchFamily="34" charset="-122"/>
+              <a:ea typeface="微软雅黑" panose="020B0503020204020204" pitchFamily="34" charset="-122"/>
+            </a:endParaRPr>
+          </a:p>
+        </p:txBody>
+      </p:sp>
+      <p:cxnSp>
+        <p:nvCxnSpPr>
+          <p:cNvPr id="32" name="Straight Connector 31">
+            <a:extLst>
+              <a:ext uri="{FF2B5EF4-FFF2-40B4-BE49-F238E27FC236}">
+                <a16:creationId xmlns:a16="http://schemas.microsoft.com/office/drawing/2014/main" id="{FC2C57AB-76E7-8B4E-BD5A-21BB073EA15C}"/>
+              </a:ext>
+            </a:extLst>
+          </p:cNvPr>
+          <p:cNvCxnSpPr/>
+          <p:nvPr/>
+        </p:nvCxnSpPr>
+        <p:spPr>
+          <a:xfrm>
+            <a:off x="9255230" y="3977855"/>
+            <a:ext cx="547461" cy="0"/>
+          </a:xfrm>
+          <a:prstGeom prst="line">
+            <a:avLst/>
+          </a:prstGeom>
+          <a:noFill/>
+          <a:ln w="31750" cap="flat" cmpd="sng" algn="ctr">
+            <a:solidFill>
+              <a:srgbClr val="E73A1C"/>
+            </a:solidFill>
+            <a:prstDash val="sysDash"/>
+            <a:miter lim="800000"/>
+          </a:ln>
+          <a:effectLst/>
+        </p:spPr>
+      </p:cxnSp>
+      <p:cxnSp>
+        <p:nvCxnSpPr>
+          <p:cNvPr id="33" name="Straight Connector 32">
+            <a:extLst>
+              <a:ext uri="{FF2B5EF4-FFF2-40B4-BE49-F238E27FC236}">
+                <a16:creationId xmlns:a16="http://schemas.microsoft.com/office/drawing/2014/main" id="{8514F122-C827-8A41-986D-6546248DEB59}"/>
+              </a:ext>
+            </a:extLst>
+          </p:cNvPr>
+          <p:cNvCxnSpPr/>
+          <p:nvPr/>
+        </p:nvCxnSpPr>
+        <p:spPr>
+          <a:xfrm>
+            <a:off x="7481888" y="5181819"/>
+            <a:ext cx="547461" cy="0"/>
+          </a:xfrm>
+          <a:prstGeom prst="line">
+            <a:avLst/>
+          </a:prstGeom>
+          <a:noFill/>
+          <a:ln w="31750" cap="flat" cmpd="sng" algn="ctr">
+            <a:solidFill>
+              <a:srgbClr val="E73A1C"/>
+            </a:solidFill>
+            <a:prstDash val="sysDash"/>
+            <a:miter lim="800000"/>
+          </a:ln>
+          <a:effectLst/>
+        </p:spPr>
+      </p:cxnSp>
+      <p:cxnSp>
+        <p:nvCxnSpPr>
+          <p:cNvPr id="34" name="Straight Connector 33">
+            <a:extLst>
+              <a:ext uri="{FF2B5EF4-FFF2-40B4-BE49-F238E27FC236}">
+                <a16:creationId xmlns:a16="http://schemas.microsoft.com/office/drawing/2014/main" id="{562132ED-F2DC-C242-98D3-559AE296F512}"/>
+              </a:ext>
+            </a:extLst>
+          </p:cNvPr>
+          <p:cNvCxnSpPr>
+            <a:cxnSpLocks/>
+            <a:endCxn id="19" idx="7"/>
+          </p:cNvCxnSpPr>
+          <p:nvPr/>
+        </p:nvCxnSpPr>
+        <p:spPr>
+          <a:xfrm flipV="1">
+            <a:off x="8054459" y="4898743"/>
+            <a:ext cx="623047" cy="18116"/>
+          </a:xfrm>
+          <a:prstGeom prst="line">
+            <a:avLst/>
+          </a:prstGeom>
+          <a:noFill/>
+          <a:ln w="31750" cap="flat" cmpd="sng" algn="ctr">
+            <a:solidFill>
+              <a:srgbClr val="E73A1C"/>
+            </a:solidFill>
+            <a:prstDash val="sysDash"/>
+            <a:miter lim="800000"/>
+          </a:ln>
+          <a:effectLst/>
+        </p:spPr>
+      </p:cxnSp>
+      <p:cxnSp>
+        <p:nvCxnSpPr>
+          <p:cNvPr id="35" name="Straight Connector 34">
+            <a:extLst>
+              <a:ext uri="{FF2B5EF4-FFF2-40B4-BE49-F238E27FC236}">
+                <a16:creationId xmlns:a16="http://schemas.microsoft.com/office/drawing/2014/main" id="{446EF2B7-478D-7243-8150-6E42BA6E2011}"/>
+              </a:ext>
+            </a:extLst>
+          </p:cNvPr>
+          <p:cNvCxnSpPr>
+            <a:cxnSpLocks/>
+          </p:cNvCxnSpPr>
+          <p:nvPr/>
+        </p:nvCxnSpPr>
+        <p:spPr>
+          <a:xfrm>
+            <a:off x="8697564" y="4531910"/>
+            <a:ext cx="547461" cy="0"/>
+          </a:xfrm>
+          <a:prstGeom prst="line">
+            <a:avLst/>
+          </a:prstGeom>
+          <a:noFill/>
+          <a:ln w="31750" cap="flat" cmpd="sng" algn="ctr">
+            <a:solidFill>
+              <a:srgbClr val="E73A1C"/>
+            </a:solidFill>
+            <a:prstDash val="sysDash"/>
+            <a:miter lim="800000"/>
+          </a:ln>
+          <a:effectLst/>
+        </p:spPr>
+      </p:cxnSp>
+    </p:spTree>
+    <p:extLst>
+      <p:ext uri="{BB962C8B-B14F-4D97-AF65-F5344CB8AC3E}">
+        <p14:creationId xmlns:p14="http://schemas.microsoft.com/office/powerpoint/2010/main" val="1666539148"/>
+      </p:ext>
+    </p:extLst>
+  </p:cSld>
+  <p:clrMapOvr>
+    <a:masterClrMapping/>
+  </p:clrMapOvr>
+  <p:timing>
+    <p:tnLst>
+      <p:par>
+        <p:cTn id="1" dur="indefinite" restart="never" nodeType="tmRoot">
+          <p:childTnLst>
+            <p:seq concurrent="1" nextAc="seek">
+              <p:cTn id="2" dur="indefinite" nodeType="mainSeq">
+                <p:childTnLst>
+                  <p:par>
+                    <p:cTn id="3" fill="hold">
+                      <p:stCondLst>
+                        <p:cond delay="indefinite"/>
+                      </p:stCondLst>
+                      <p:childTnLst>
+                        <p:par>
+                          <p:cTn id="4" fill="hold">
+                            <p:stCondLst>
+                              <p:cond delay="0"/>
+                            </p:stCondLst>
+                            <p:childTnLst>
+                              <p:par>
+                                <p:cTn id="5" presetID="10" presetClass="entr" presetSubtype="0" fill="hold" grpId="0" nodeType="clickEffect">
+                                  <p:stCondLst>
+                                    <p:cond delay="0"/>
+                                  </p:stCondLst>
+                                  <p:childTnLst>
+                                    <p:set>
+                                      <p:cBhvr>
+                                        <p:cTn id="6" dur="1" fill="hold">
+                                          <p:stCondLst>
+                                            <p:cond delay="0"/>
+                                          </p:stCondLst>
+                                        </p:cTn>
+                                        <p:tgtEl>
+                                          <p:spTgt spid="27"/>
+                                        </p:tgtEl>
+                                        <p:attrNameLst>
+                                          <p:attrName>style.visibility</p:attrName>
+                                        </p:attrNameLst>
+                                      </p:cBhvr>
+                                      <p:to>
+                                        <p:strVal val="visible"/>
+                                      </p:to>
+                                    </p:set>
+                                    <p:animEffect transition="in" filter="fade">
+                                      <p:cBhvr>
+                                        <p:cTn id="7" dur="500"/>
+                                        <p:tgtEl>
+                                          <p:spTgt spid="27"/>
+                                        </p:tgtEl>
+                                      </p:cBhvr>
+                                    </p:animEffect>
+                                  </p:childTnLst>
+                                </p:cTn>
+                              </p:par>
+                              <p:par>
+                                <p:cTn id="8" presetID="10" presetClass="entr" presetSubtype="0" fill="hold" nodeType="withEffect">
+                                  <p:stCondLst>
+                                    <p:cond delay="0"/>
+                                  </p:stCondLst>
+                                  <p:childTnLst>
+                                    <p:set>
+                                      <p:cBhvr>
+                                        <p:cTn id="9" dur="1" fill="hold">
+                                          <p:stCondLst>
+                                            <p:cond delay="0"/>
+                                          </p:stCondLst>
+                                        </p:cTn>
+                                        <p:tgtEl>
+                                          <p:spTgt spid="28"/>
+                                        </p:tgtEl>
+                                        <p:attrNameLst>
+                                          <p:attrName>style.visibility</p:attrName>
+                                        </p:attrNameLst>
+                                      </p:cBhvr>
+                                      <p:to>
+                                        <p:strVal val="visible"/>
+                                      </p:to>
+                                    </p:set>
+                                    <p:animEffect transition="in" filter="fade">
+                                      <p:cBhvr>
+                                        <p:cTn id="10" dur="500"/>
+                                        <p:tgtEl>
+                                          <p:spTgt spid="28"/>
+                                        </p:tgtEl>
+                                      </p:cBhvr>
+                                    </p:animEffect>
+                                  </p:childTnLst>
+                                </p:cTn>
+                              </p:par>
+                            </p:childTnLst>
+                          </p:cTn>
+                        </p:par>
+                      </p:childTnLst>
+                    </p:cTn>
+                  </p:par>
+                  <p:par>
+                    <p:cTn id="11" fill="hold">
+                      <p:stCondLst>
+                        <p:cond delay="indefinite"/>
+                      </p:stCondLst>
+                      <p:childTnLst>
+                        <p:par>
+                          <p:cTn id="12" fill="hold">
+                            <p:stCondLst>
+                              <p:cond delay="0"/>
+                            </p:stCondLst>
+                            <p:childTnLst>
+                              <p:par>
+                                <p:cTn id="13" presetID="10" presetClass="entr" presetSubtype="0" fill="hold" grpId="0" nodeType="clickEffect">
+                                  <p:stCondLst>
+                                    <p:cond delay="0"/>
+                                  </p:stCondLst>
+                                  <p:childTnLst>
+                                    <p:set>
+                                      <p:cBhvr>
+                                        <p:cTn id="14" dur="1" fill="hold">
+                                          <p:stCondLst>
+                                            <p:cond delay="0"/>
+                                          </p:stCondLst>
+                                        </p:cTn>
+                                        <p:tgtEl>
+                                          <p:spTgt spid="29"/>
+                                        </p:tgtEl>
+                                        <p:attrNameLst>
+                                          <p:attrName>style.visibility</p:attrName>
+                                        </p:attrNameLst>
+                                      </p:cBhvr>
+                                      <p:to>
+                                        <p:strVal val="visible"/>
+                                      </p:to>
+                                    </p:set>
+                                    <p:animEffect transition="in" filter="fade">
+                                      <p:cBhvr>
+                                        <p:cTn id="15" dur="500"/>
+                                        <p:tgtEl>
+                                          <p:spTgt spid="29"/>
+                                        </p:tgtEl>
+                                      </p:cBhvr>
+                                    </p:animEffect>
+                                  </p:childTnLst>
+                                </p:cTn>
+                              </p:par>
+                              <p:par>
+                                <p:cTn id="16" presetID="10" presetClass="entr" presetSubtype="0" fill="hold" nodeType="withEffect">
+                                  <p:stCondLst>
+                                    <p:cond delay="0"/>
+                                  </p:stCondLst>
+                                  <p:childTnLst>
+                                    <p:set>
+                                      <p:cBhvr>
+                                        <p:cTn id="17" dur="1" fill="hold">
+                                          <p:stCondLst>
+                                            <p:cond delay="0"/>
+                                          </p:stCondLst>
+                                        </p:cTn>
+                                        <p:tgtEl>
+                                          <p:spTgt spid="25"/>
+                                        </p:tgtEl>
+                                        <p:attrNameLst>
+                                          <p:attrName>style.visibility</p:attrName>
+                                        </p:attrNameLst>
+                                      </p:cBhvr>
+                                      <p:to>
+                                        <p:strVal val="visible"/>
+                                      </p:to>
+                                    </p:set>
+                                    <p:animEffect transition="in" filter="fade">
+                                      <p:cBhvr>
+                                        <p:cTn id="18" dur="500"/>
+                                        <p:tgtEl>
+                                          <p:spTgt spid="25"/>
+                                        </p:tgtEl>
+                                      </p:cBhvr>
+                                    </p:animEffect>
+                                  </p:childTnLst>
+                                </p:cTn>
+                              </p:par>
+                            </p:childTnLst>
+                          </p:cTn>
+                        </p:par>
+                      </p:childTnLst>
+                    </p:cTn>
+                  </p:par>
+                  <p:par>
+                    <p:cTn id="19" fill="hold">
+                      <p:stCondLst>
+                        <p:cond delay="indefinite"/>
+                      </p:stCondLst>
+                      <p:childTnLst>
+                        <p:par>
+                          <p:cTn id="20" fill="hold">
+                            <p:stCondLst>
+                              <p:cond delay="0"/>
+                            </p:stCondLst>
+                            <p:childTnLst>
+                              <p:par>
+                                <p:cTn id="21" presetID="10" presetClass="entr" presetSubtype="0" fill="hold" nodeType="clickEffect">
+                                  <p:stCondLst>
+                                    <p:cond delay="0"/>
+                                  </p:stCondLst>
+                                  <p:childTnLst>
+                                    <p:set>
+                                      <p:cBhvr>
+                                        <p:cTn id="22" dur="1" fill="hold">
+                                          <p:stCondLst>
+                                            <p:cond delay="0"/>
+                                          </p:stCondLst>
+                                        </p:cTn>
+                                        <p:tgtEl>
+                                          <p:spTgt spid="24"/>
+                                        </p:tgtEl>
+                                        <p:attrNameLst>
+                                          <p:attrName>style.visibility</p:attrName>
+                                        </p:attrNameLst>
+                                      </p:cBhvr>
+                                      <p:to>
+                                        <p:strVal val="visible"/>
+                                      </p:to>
+                                    </p:set>
+                                    <p:animEffect transition="in" filter="fade">
+                                      <p:cBhvr>
+                                        <p:cTn id="23" dur="500"/>
+                                        <p:tgtEl>
+                                          <p:spTgt spid="24"/>
+                                        </p:tgtEl>
+                                      </p:cBhvr>
+                                    </p:animEffect>
+                                  </p:childTnLst>
+                                </p:cTn>
+                              </p:par>
+                              <p:par>
+                                <p:cTn id="24" presetID="10" presetClass="entr" presetSubtype="0" fill="hold" grpId="0" nodeType="withEffect">
+                                  <p:stCondLst>
+                                    <p:cond delay="0"/>
+                                  </p:stCondLst>
+                                  <p:childTnLst>
+                                    <p:set>
+                                      <p:cBhvr>
+                                        <p:cTn id="25" dur="1" fill="hold">
+                                          <p:stCondLst>
+                                            <p:cond delay="0"/>
+                                          </p:stCondLst>
+                                        </p:cTn>
+                                        <p:tgtEl>
+                                          <p:spTgt spid="30"/>
+                                        </p:tgtEl>
+                                        <p:attrNameLst>
+                                          <p:attrName>style.visibility</p:attrName>
+                                        </p:attrNameLst>
+                                      </p:cBhvr>
+                                      <p:to>
+                                        <p:strVal val="visible"/>
+                                      </p:to>
+                                    </p:set>
+                                    <p:animEffect transition="in" filter="fade">
+                                      <p:cBhvr>
+                                        <p:cTn id="26" dur="500"/>
+                                        <p:tgtEl>
+                                          <p:spTgt spid="30"/>
+                                        </p:tgtEl>
+                                      </p:cBhvr>
+                                    </p:animEffect>
+                                  </p:childTnLst>
+                                </p:cTn>
+                              </p:par>
+                            </p:childTnLst>
+                          </p:cTn>
+                        </p:par>
+                      </p:childTnLst>
+                    </p:cTn>
+                  </p:par>
+                  <p:par>
+                    <p:cTn id="27" fill="hold">
+                      <p:stCondLst>
+                        <p:cond delay="indefinite"/>
+                      </p:stCondLst>
+                      <p:childTnLst>
+                        <p:par>
+                          <p:cTn id="28" fill="hold">
+                            <p:stCondLst>
+                              <p:cond delay="0"/>
+                            </p:stCondLst>
+                            <p:childTnLst>
+                              <p:par>
+                                <p:cTn id="29" presetID="10" presetClass="entr" presetSubtype="0" fill="hold" nodeType="clickEffect">
+                                  <p:stCondLst>
+                                    <p:cond delay="0"/>
+                                  </p:stCondLst>
+                                  <p:childTnLst>
+                                    <p:set>
+                                      <p:cBhvr>
+                                        <p:cTn id="30" dur="1" fill="hold">
+                                          <p:stCondLst>
+                                            <p:cond delay="0"/>
+                                          </p:stCondLst>
+                                        </p:cTn>
+                                        <p:tgtEl>
+                                          <p:spTgt spid="26"/>
+                                        </p:tgtEl>
+                                        <p:attrNameLst>
+                                          <p:attrName>style.visibility</p:attrName>
+                                        </p:attrNameLst>
+                                      </p:cBhvr>
+                                      <p:to>
+                                        <p:strVal val="visible"/>
+                                      </p:to>
+                                    </p:set>
+                                    <p:animEffect transition="in" filter="fade">
+                                      <p:cBhvr>
+                                        <p:cTn id="31" dur="500"/>
+                                        <p:tgtEl>
+                                          <p:spTgt spid="26"/>
+                                        </p:tgtEl>
+                                      </p:cBhvr>
+                                    </p:animEffect>
+                                  </p:childTnLst>
+                                </p:cTn>
+                              </p:par>
+                              <p:par>
+                                <p:cTn id="32" presetID="10" presetClass="entr" presetSubtype="0" fill="hold" grpId="0" nodeType="withEffect">
+                                  <p:stCondLst>
+                                    <p:cond delay="0"/>
+                                  </p:stCondLst>
+                                  <p:childTnLst>
+                                    <p:set>
+                                      <p:cBhvr>
+                                        <p:cTn id="33" dur="1" fill="hold">
+                                          <p:stCondLst>
+                                            <p:cond delay="0"/>
+                                          </p:stCondLst>
+                                        </p:cTn>
+                                        <p:tgtEl>
+                                          <p:spTgt spid="31"/>
+                                        </p:tgtEl>
+                                        <p:attrNameLst>
+                                          <p:attrName>style.visibility</p:attrName>
+                                        </p:attrNameLst>
+                                      </p:cBhvr>
+                                      <p:to>
+                                        <p:strVal val="visible"/>
+                                      </p:to>
+                                    </p:set>
+                                    <p:animEffect transition="in" filter="fade">
+                                      <p:cBhvr>
+                                        <p:cTn id="34" dur="500"/>
+                                        <p:tgtEl>
+                                          <p:spTgt spid="31"/>
+                                        </p:tgtEl>
+                                      </p:cBhvr>
+                                    </p:animEffect>
+                                  </p:childTnLst>
+                                </p:cTn>
+                              </p:par>
+                            </p:childTnLst>
+                          </p:cTn>
+                        </p:par>
+                      </p:childTnLst>
+                    </p:cTn>
+                  </p:par>
+                  <p:par>
+                    <p:cTn id="35" fill="hold">
+                      <p:stCondLst>
+                        <p:cond delay="indefinite"/>
+                      </p:stCondLst>
+                      <p:childTnLst>
+                        <p:par>
+                          <p:cTn id="36" fill="hold">
+                            <p:stCondLst>
+                              <p:cond delay="0"/>
+                            </p:stCondLst>
+                            <p:childTnLst>
+                              <p:par>
+                                <p:cTn id="37" presetID="55" presetClass="entr" presetSubtype="0" fill="hold" nodeType="clickEffect">
+                                  <p:stCondLst>
+                                    <p:cond delay="0"/>
+                                  </p:stCondLst>
+                                  <p:childTnLst>
+                                    <p:set>
+                                      <p:cBhvr>
+                                        <p:cTn id="38" dur="1" fill="hold">
+                                          <p:stCondLst>
+                                            <p:cond delay="0"/>
+                                          </p:stCondLst>
+                                        </p:cTn>
+                                        <p:tgtEl>
+                                          <p:spTgt spid="33"/>
+                                        </p:tgtEl>
+                                        <p:attrNameLst>
+                                          <p:attrName>style.visibility</p:attrName>
+                                        </p:attrNameLst>
+                                      </p:cBhvr>
+                                      <p:to>
+                                        <p:strVal val="visible"/>
+                                      </p:to>
+                                    </p:set>
+                                    <p:anim calcmode="lin" valueType="num">
+                                      <p:cBhvr>
+                                        <p:cTn id="39" dur="1000" fill="hold"/>
+                                        <p:tgtEl>
+                                          <p:spTgt spid="33"/>
+                                        </p:tgtEl>
+                                        <p:attrNameLst>
+                                          <p:attrName>ppt_w</p:attrName>
+                                        </p:attrNameLst>
+                                      </p:cBhvr>
+                                      <p:tavLst>
+                                        <p:tav tm="0">
+                                          <p:val>
+                                            <p:strVal val="#ppt_w*0.70"/>
+                                          </p:val>
+                                        </p:tav>
+                                        <p:tav tm="100000">
+                                          <p:val>
+                                            <p:strVal val="#ppt_w"/>
+                                          </p:val>
+                                        </p:tav>
+                                      </p:tavLst>
+                                    </p:anim>
+                                    <p:anim calcmode="lin" valueType="num">
+                                      <p:cBhvr>
+                                        <p:cTn id="40" dur="1000" fill="hold"/>
+                                        <p:tgtEl>
+                                          <p:spTgt spid="33"/>
+                                        </p:tgtEl>
+                                        <p:attrNameLst>
+                                          <p:attrName>ppt_h</p:attrName>
+                                        </p:attrNameLst>
+                                      </p:cBhvr>
+                                      <p:tavLst>
+                                        <p:tav tm="0">
+                                          <p:val>
+                                            <p:strVal val="#ppt_h"/>
+                                          </p:val>
+                                        </p:tav>
+                                        <p:tav tm="100000">
+                                          <p:val>
+                                            <p:strVal val="#ppt_h"/>
+                                          </p:val>
+                                        </p:tav>
+                                      </p:tavLst>
+                                    </p:anim>
+                                    <p:animEffect transition="in" filter="fade">
+                                      <p:cBhvr>
+                                        <p:cTn id="41" dur="1000"/>
+                                        <p:tgtEl>
+                                          <p:spTgt spid="33"/>
+                                        </p:tgtEl>
+                                      </p:cBhvr>
+                                    </p:animEffect>
+                                  </p:childTnLst>
+                                </p:cTn>
+                              </p:par>
+                              <p:par>
+                                <p:cTn id="42" presetID="55" presetClass="entr" presetSubtype="0" fill="hold" nodeType="withEffect">
+                                  <p:stCondLst>
+                                    <p:cond delay="0"/>
+                                  </p:stCondLst>
+                                  <p:childTnLst>
+                                    <p:set>
+                                      <p:cBhvr>
+                                        <p:cTn id="43" dur="1" fill="hold">
+                                          <p:stCondLst>
+                                            <p:cond delay="0"/>
+                                          </p:stCondLst>
+                                        </p:cTn>
+                                        <p:tgtEl>
+                                          <p:spTgt spid="34"/>
+                                        </p:tgtEl>
+                                        <p:attrNameLst>
+                                          <p:attrName>style.visibility</p:attrName>
+                                        </p:attrNameLst>
+                                      </p:cBhvr>
+                                      <p:to>
+                                        <p:strVal val="visible"/>
+                                      </p:to>
+                                    </p:set>
+                                    <p:anim calcmode="lin" valueType="num">
+                                      <p:cBhvr>
+                                        <p:cTn id="44" dur="1000" fill="hold"/>
+                                        <p:tgtEl>
+                                          <p:spTgt spid="34"/>
+                                        </p:tgtEl>
+                                        <p:attrNameLst>
+                                          <p:attrName>ppt_w</p:attrName>
+                                        </p:attrNameLst>
+                                      </p:cBhvr>
+                                      <p:tavLst>
+                                        <p:tav tm="0">
+                                          <p:val>
+                                            <p:strVal val="#ppt_w*0.70"/>
+                                          </p:val>
+                                        </p:tav>
+                                        <p:tav tm="100000">
+                                          <p:val>
+                                            <p:strVal val="#ppt_w"/>
+                                          </p:val>
+                                        </p:tav>
+                                      </p:tavLst>
+                                    </p:anim>
+                                    <p:anim calcmode="lin" valueType="num">
+                                      <p:cBhvr>
+                                        <p:cTn id="45" dur="1000" fill="hold"/>
+                                        <p:tgtEl>
+                                          <p:spTgt spid="34"/>
+                                        </p:tgtEl>
+                                        <p:attrNameLst>
+                                          <p:attrName>ppt_h</p:attrName>
+                                        </p:attrNameLst>
+                                      </p:cBhvr>
+                                      <p:tavLst>
+                                        <p:tav tm="0">
+                                          <p:val>
+                                            <p:strVal val="#ppt_h"/>
+                                          </p:val>
+                                        </p:tav>
+                                        <p:tav tm="100000">
+                                          <p:val>
+                                            <p:strVal val="#ppt_h"/>
+                                          </p:val>
+                                        </p:tav>
+                                      </p:tavLst>
+                                    </p:anim>
+                                    <p:animEffect transition="in" filter="fade">
+                                      <p:cBhvr>
+                                        <p:cTn id="46" dur="1000"/>
+                                        <p:tgtEl>
+                                          <p:spTgt spid="34"/>
+                                        </p:tgtEl>
+                                      </p:cBhvr>
+                                    </p:animEffect>
+                                  </p:childTnLst>
+                                </p:cTn>
+                              </p:par>
+                              <p:par>
+                                <p:cTn id="47" presetID="55" presetClass="entr" presetSubtype="0" fill="hold" nodeType="withEffect">
+                                  <p:stCondLst>
+                                    <p:cond delay="0"/>
+                                  </p:stCondLst>
+                                  <p:childTnLst>
+                                    <p:set>
+                                      <p:cBhvr>
+                                        <p:cTn id="48" dur="1" fill="hold">
+                                          <p:stCondLst>
+                                            <p:cond delay="0"/>
+                                          </p:stCondLst>
+                                        </p:cTn>
+                                        <p:tgtEl>
+                                          <p:spTgt spid="35"/>
+                                        </p:tgtEl>
+                                        <p:attrNameLst>
+                                          <p:attrName>style.visibility</p:attrName>
+                                        </p:attrNameLst>
+                                      </p:cBhvr>
+                                      <p:to>
+                                        <p:strVal val="visible"/>
+                                      </p:to>
+                                    </p:set>
+                                    <p:anim calcmode="lin" valueType="num">
+                                      <p:cBhvr>
+                                        <p:cTn id="49" dur="1000" fill="hold"/>
+                                        <p:tgtEl>
+                                          <p:spTgt spid="35"/>
+                                        </p:tgtEl>
+                                        <p:attrNameLst>
+                                          <p:attrName>ppt_w</p:attrName>
+                                        </p:attrNameLst>
+                                      </p:cBhvr>
+                                      <p:tavLst>
+                                        <p:tav tm="0">
+                                          <p:val>
+                                            <p:strVal val="#ppt_w*0.70"/>
+                                          </p:val>
+                                        </p:tav>
+                                        <p:tav tm="100000">
+                                          <p:val>
+                                            <p:strVal val="#ppt_w"/>
+                                          </p:val>
+                                        </p:tav>
+                                      </p:tavLst>
+                                    </p:anim>
+                                    <p:anim calcmode="lin" valueType="num">
+                                      <p:cBhvr>
+                                        <p:cTn id="50" dur="1000" fill="hold"/>
+                                        <p:tgtEl>
+                                          <p:spTgt spid="35"/>
+                                        </p:tgtEl>
+                                        <p:attrNameLst>
+                                          <p:attrName>ppt_h</p:attrName>
+                                        </p:attrNameLst>
+                                      </p:cBhvr>
+                                      <p:tavLst>
+                                        <p:tav tm="0">
+                                          <p:val>
+                                            <p:strVal val="#ppt_h"/>
+                                          </p:val>
+                                        </p:tav>
+                                        <p:tav tm="100000">
+                                          <p:val>
+                                            <p:strVal val="#ppt_h"/>
+                                          </p:val>
+                                        </p:tav>
+                                      </p:tavLst>
+                                    </p:anim>
+                                    <p:animEffect transition="in" filter="fade">
+                                      <p:cBhvr>
+                                        <p:cTn id="51" dur="1000"/>
+                                        <p:tgtEl>
+                                          <p:spTgt spid="35"/>
+                                        </p:tgtEl>
+                                      </p:cBhvr>
+                                    </p:animEffect>
+                                  </p:childTnLst>
+                                </p:cTn>
+                              </p:par>
+                              <p:par>
+                                <p:cTn id="52" presetID="55" presetClass="entr" presetSubtype="0" fill="hold" nodeType="withEffect">
+                                  <p:stCondLst>
+                                    <p:cond delay="0"/>
+                                  </p:stCondLst>
+                                  <p:childTnLst>
+                                    <p:set>
+                                      <p:cBhvr>
+                                        <p:cTn id="53" dur="1" fill="hold">
+                                          <p:stCondLst>
+                                            <p:cond delay="0"/>
+                                          </p:stCondLst>
+                                        </p:cTn>
+                                        <p:tgtEl>
+                                          <p:spTgt spid="32"/>
+                                        </p:tgtEl>
+                                        <p:attrNameLst>
+                                          <p:attrName>style.visibility</p:attrName>
+                                        </p:attrNameLst>
+                                      </p:cBhvr>
+                                      <p:to>
+                                        <p:strVal val="visible"/>
+                                      </p:to>
+                                    </p:set>
+                                    <p:anim calcmode="lin" valueType="num">
+                                      <p:cBhvr>
+                                        <p:cTn id="54" dur="1000" fill="hold"/>
+                                        <p:tgtEl>
+                                          <p:spTgt spid="32"/>
+                                        </p:tgtEl>
+                                        <p:attrNameLst>
+                                          <p:attrName>ppt_w</p:attrName>
+                                        </p:attrNameLst>
+                                      </p:cBhvr>
+                                      <p:tavLst>
+                                        <p:tav tm="0">
+                                          <p:val>
+                                            <p:strVal val="#ppt_w*0.70"/>
+                                          </p:val>
+                                        </p:tav>
+                                        <p:tav tm="100000">
+                                          <p:val>
+                                            <p:strVal val="#ppt_w"/>
+                                          </p:val>
+                                        </p:tav>
+                                      </p:tavLst>
+                                    </p:anim>
+                                    <p:anim calcmode="lin" valueType="num">
+                                      <p:cBhvr>
+                                        <p:cTn id="55" dur="1000" fill="hold"/>
+                                        <p:tgtEl>
+                                          <p:spTgt spid="32"/>
+                                        </p:tgtEl>
+                                        <p:attrNameLst>
+                                          <p:attrName>ppt_h</p:attrName>
+                                        </p:attrNameLst>
+                                      </p:cBhvr>
+                                      <p:tavLst>
+                                        <p:tav tm="0">
+                                          <p:val>
+                                            <p:strVal val="#ppt_h"/>
+                                          </p:val>
+                                        </p:tav>
+                                        <p:tav tm="100000">
+                                          <p:val>
+                                            <p:strVal val="#ppt_h"/>
+                                          </p:val>
+                                        </p:tav>
+                                      </p:tavLst>
+                                    </p:anim>
+                                    <p:animEffect transition="in" filter="fade">
+                                      <p:cBhvr>
+                                        <p:cTn id="56" dur="1000"/>
+                                        <p:tgtEl>
+                                          <p:spTgt spid="32"/>
+                                        </p:tgtEl>
+                                      </p:cBhvr>
+                                    </p:animEffect>
+                                  </p:childTnLst>
+                                </p:cTn>
+                              </p:par>
+                            </p:childTnLst>
+                          </p:cTn>
+                        </p:par>
+                      </p:childTnLst>
+                    </p:cTn>
+                  </p:par>
+                </p:childTnLst>
+              </p:cTn>
+              <p:prevCondLst>
+                <p:cond evt="onPrev" delay="0">
+                  <p:tgtEl>
+                    <p:sldTgt/>
+                  </p:tgtEl>
+                </p:cond>
+              </p:prevCondLst>
+              <p:nextCondLst>
+                <p:cond evt="onNext" delay="0">
+                  <p:tgtEl>
+                    <p:sldTgt/>
+                  </p:tgtEl>
+                </p:cond>
+              </p:nextCondLst>
+            </p:seq>
+          </p:childTnLst>
+        </p:cTn>
+      </p:par>
+    </p:tnLst>
+    <p:bldLst>
+      <p:bldP spid="27" grpId="0"/>
+      <p:bldP spid="29" grpId="0"/>
+      <p:bldP spid="30" grpId="0"/>
+      <p:bldP spid="31" grpId="0"/>
+    </p:bldLst>
+  </p:timing>
+</p:sld>
+</file>
+
+<file path=ppt/slides/slide7.xml><?xml version="1.0" encoding="utf-8"?>
+<p:sld xmlns:a="http://schemas.openxmlformats.org/drawingml/2006/main" xmlns:r="http://schemas.openxmlformats.org/officeDocument/2006/relationships" xmlns:p="http://schemas.openxmlformats.org/presentationml/2006/main">
+  <p:cSld>
+    <p:spTree>
+      <p:nvGrpSpPr>
+        <p:cNvPr id="1" name=""/>
+        <p:cNvGrpSpPr/>
+        <p:nvPr/>
+      </p:nvGrpSpPr>
+      <p:grpSpPr>
+        <a:xfrm>
+          <a:off x="0" y="0"/>
+          <a:ext cx="0" cy="0"/>
+          <a:chOff x="0" y="0"/>
+          <a:chExt cx="0" cy="0"/>
+        </a:xfrm>
+      </p:grpSpPr>
+      <p:sp>
+        <p:nvSpPr>
+          <p:cNvPr id="2" name="Text Placeholder 1">
+            <a:extLst>
+              <a:ext uri="{FF2B5EF4-FFF2-40B4-BE49-F238E27FC236}">
+                <a16:creationId xmlns:a16="http://schemas.microsoft.com/office/drawing/2014/main" id="{5A440AEF-62E2-9B4A-8399-F2A44AD9A7DB}"/>
+              </a:ext>
+            </a:extLst>
+          </p:cNvPr>
+          <p:cNvSpPr txBox="1">
+            <a:spLocks/>
+          </p:cNvSpPr>
+          <p:nvPr/>
+        </p:nvSpPr>
+        <p:spPr>
+          <a:xfrm>
+            <a:off x="992875" y="245402"/>
+            <a:ext cx="9315782" cy="590931"/>
+          </a:xfrm>
+          <a:prstGeom prst="rect">
+            <a:avLst/>
+          </a:prstGeom>
+        </p:spPr>
+        <p:txBody>
+          <a:bodyPr wrap="square">
+            <a:spAutoFit/>
+          </a:bodyPr>
+          <a:lstStyle>
+            <a:lvl1pPr marL="0" marR="0" indent="0" algn="l" defTabSz="914400" rtl="0" eaLnBrk="1" fontAlgn="auto" latinLnBrk="0" hangingPunct="1">
+              <a:lnSpc>
+                <a:spcPct val="90000"/>
+              </a:lnSpc>
+              <a:spcBef>
+                <a:spcPts val="1000"/>
+              </a:spcBef>
+              <a:spcAft>
+                <a:spcPts val="0"/>
+              </a:spcAft>
+              <a:buClrTx/>
+              <a:buSzTx/>
+              <a:buFont typeface="Arial" panose="020B0604020202020204" pitchFamily="34" charset="0"/>
+              <a:buNone/>
+              <a:tabLst/>
+              <a:defRPr sz="3600" b="1" kern="1200">
+                <a:solidFill>
+                  <a:schemeClr val="accent3">
+                    <a:lumMod val="25000"/>
+                  </a:schemeClr>
+                </a:solidFill>
+                <a:latin typeface="+mn-lt"/>
+                <a:ea typeface="+mn-ea"/>
+                <a:cs typeface="+mn-cs"/>
+              </a:defRPr>
+            </a:lvl1pPr>
+            <a:lvl2pPr marL="685800" indent="-228600" algn="l" defTabSz="914400" rtl="0" eaLnBrk="1" latinLnBrk="0" hangingPunct="1">
+              <a:lnSpc>
+                <a:spcPct val="90000"/>
+              </a:lnSpc>
+              <a:spcBef>
+                <a:spcPts val="500"/>
+              </a:spcBef>
+              <a:buFont typeface="Arial" panose="020B0604020202020204" pitchFamily="34" charset="0"/>
+              <a:buChar char="•"/>
+              <a:defRPr sz="2400" kern="1200">
+                <a:solidFill>
+                  <a:schemeClr val="tx1"/>
+                </a:solidFill>
+                <a:latin typeface="+mn-lt"/>
+                <a:ea typeface="+mn-ea"/>
+                <a:cs typeface="+mn-cs"/>
+              </a:defRPr>
+            </a:lvl2pPr>
+            <a:lvl3pPr marL="1143000" indent="-228600" algn="l" defTabSz="914400" rtl="0" eaLnBrk="1" latinLnBrk="0" hangingPunct="1">
+              <a:lnSpc>
+                <a:spcPct val="90000"/>
+              </a:lnSpc>
+              <a:spcBef>
+                <a:spcPts val="500"/>
+              </a:spcBef>
+              <a:buFont typeface="Arial" panose="020B0604020202020204" pitchFamily="34" charset="0"/>
+              <a:buChar char="•"/>
+              <a:defRPr sz="2000" kern="1200">
+                <a:solidFill>
+                  <a:schemeClr val="tx1"/>
+                </a:solidFill>
+                <a:latin typeface="+mn-lt"/>
+                <a:ea typeface="+mn-ea"/>
+                <a:cs typeface="+mn-cs"/>
+              </a:defRPr>
+            </a:lvl3pPr>
+            <a:lvl4pPr marL="1600200" indent="-228600" algn="l" defTabSz="914400" rtl="0" eaLnBrk="1" latinLnBrk="0" hangingPunct="1">
+              <a:lnSpc>
+                <a:spcPct val="90000"/>
+              </a:lnSpc>
+              <a:spcBef>
+                <a:spcPts val="500"/>
+              </a:spcBef>
+              <a:buFont typeface="Arial" panose="020B0604020202020204" pitchFamily="34" charset="0"/>
+              <a:buChar char="•"/>
+              <a:defRPr sz="1800" kern="1200">
+                <a:solidFill>
+                  <a:schemeClr val="tx1"/>
+                </a:solidFill>
+                <a:latin typeface="+mn-lt"/>
+                <a:ea typeface="+mn-ea"/>
+                <a:cs typeface="+mn-cs"/>
+              </a:defRPr>
+            </a:lvl4pPr>
+            <a:lvl5pPr marL="2057400" indent="-228600" algn="l" defTabSz="914400" rtl="0" eaLnBrk="1" latinLnBrk="0" hangingPunct="1">
+              <a:lnSpc>
+                <a:spcPct val="90000"/>
+              </a:lnSpc>
+              <a:spcBef>
+                <a:spcPts val="500"/>
+              </a:spcBef>
+              <a:buFont typeface="Arial" panose="020B0604020202020204" pitchFamily="34" charset="0"/>
+              <a:buChar char="•"/>
+              <a:defRPr sz="1800" kern="1200">
+                <a:solidFill>
+                  <a:schemeClr val="tx1"/>
+                </a:solidFill>
+                <a:latin typeface="+mn-lt"/>
+                <a:ea typeface="+mn-ea"/>
+                <a:cs typeface="+mn-cs"/>
+              </a:defRPr>
+            </a:lvl5pPr>
+            <a:lvl6pPr marL="2514600" indent="-228600" algn="l" defTabSz="914400" rtl="0" eaLnBrk="1" latinLnBrk="0" hangingPunct="1">
+              <a:lnSpc>
+                <a:spcPct val="90000"/>
+              </a:lnSpc>
+              <a:spcBef>
+                <a:spcPts val="500"/>
+              </a:spcBef>
+              <a:buFont typeface="Arial" panose="020B0604020202020204" pitchFamily="34" charset="0"/>
+              <a:buChar char="•"/>
+              <a:defRPr sz="1800" kern="1200">
+                <a:solidFill>
+                  <a:schemeClr val="tx1"/>
+                </a:solidFill>
+                <a:latin typeface="+mn-lt"/>
+                <a:ea typeface="+mn-ea"/>
+                <a:cs typeface="+mn-cs"/>
+              </a:defRPr>
+            </a:lvl6pPr>
+            <a:lvl7pPr marL="2971800" indent="-228600" algn="l" defTabSz="914400" rtl="0" eaLnBrk="1" latinLnBrk="0" hangingPunct="1">
+              <a:lnSpc>
+                <a:spcPct val="90000"/>
+              </a:lnSpc>
+              <a:spcBef>
+                <a:spcPts val="500"/>
+              </a:spcBef>
+              <a:buFont typeface="Arial" panose="020B0604020202020204" pitchFamily="34" charset="0"/>
+              <a:buChar char="•"/>
+              <a:defRPr sz="1800" kern="1200">
+                <a:solidFill>
+                  <a:schemeClr val="tx1"/>
+                </a:solidFill>
+                <a:latin typeface="+mn-lt"/>
+                <a:ea typeface="+mn-ea"/>
+                <a:cs typeface="+mn-cs"/>
+              </a:defRPr>
+            </a:lvl7pPr>
+            <a:lvl8pPr marL="3429000" indent="-228600" algn="l" defTabSz="914400" rtl="0" eaLnBrk="1" latinLnBrk="0" hangingPunct="1">
+              <a:lnSpc>
+                <a:spcPct val="90000"/>
+              </a:lnSpc>
+              <a:spcBef>
+                <a:spcPts val="500"/>
+              </a:spcBef>
+              <a:buFont typeface="Arial" panose="020B0604020202020204" pitchFamily="34" charset="0"/>
+              <a:buChar char="•"/>
+              <a:defRPr sz="1800" kern="1200">
+                <a:solidFill>
+                  <a:schemeClr val="tx1"/>
+                </a:solidFill>
+                <a:latin typeface="+mn-lt"/>
+                <a:ea typeface="+mn-ea"/>
+                <a:cs typeface="+mn-cs"/>
+              </a:defRPr>
+            </a:lvl8pPr>
+            <a:lvl9pPr marL="3886200" indent="-228600" algn="l" defTabSz="914400" rtl="0" eaLnBrk="1" latinLnBrk="0" hangingPunct="1">
+              <a:lnSpc>
+                <a:spcPct val="90000"/>
+              </a:lnSpc>
+              <a:spcBef>
+                <a:spcPts val="500"/>
+              </a:spcBef>
+              <a:buFont typeface="Arial" panose="020B0604020202020204" pitchFamily="34" charset="0"/>
+              <a:buChar char="•"/>
+              <a:defRPr sz="1800" kern="1200">
+                <a:solidFill>
+                  <a:schemeClr val="tx1"/>
+                </a:solidFill>
+                <a:latin typeface="+mn-lt"/>
+                <a:ea typeface="+mn-ea"/>
+                <a:cs typeface="+mn-cs"/>
+              </a:defRPr>
+            </a:lvl9pPr>
+          </a:lstStyle>
+          <a:p>
+            <a:pPr marL="0" marR="0" lvl="0" indent="0" algn="l" defTabSz="914400" rtl="0" eaLnBrk="1" fontAlgn="auto" latinLnBrk="0" hangingPunct="1">
+              <a:lnSpc>
+                <a:spcPct val="90000"/>
+              </a:lnSpc>
+              <a:spcBef>
+                <a:spcPts val="1000"/>
+              </a:spcBef>
+              <a:spcAft>
+                <a:spcPts val="0"/>
+              </a:spcAft>
+              <a:buClrTx/>
+              <a:buSzTx/>
+              <a:buFont typeface="Arial" panose="020B0604020202020204" pitchFamily="34" charset="0"/>
+              <a:buNone/>
+              <a:tabLst/>
+              <a:defRPr/>
+            </a:pPr>
+            <a:r>
+              <a:rPr kumimoji="0" lang="en-TW" sz="3600" b="1" i="0" u="none" strike="noStrike" kern="1200" cap="none" spc="0" normalizeH="0" baseline="0" noProof="0">
+                <a:ln>
+                  <a:noFill/>
+                </a:ln>
+                <a:solidFill>
+                  <a:srgbClr val="F2ECE1">
+                    <a:lumMod val="25000"/>
+                  </a:srgbClr>
+                </a:solidFill>
+                <a:effectLst/>
+                <a:uLnTx/>
+                <a:uFillTx/>
+                <a:latin typeface="Arial"/>
+                <a:ea typeface="微软雅黑"/>
+                <a:cs typeface="+mn-cs"/>
+              </a:rPr>
+              <a:t>樹越深模型越複雜</a:t>
+            </a:r>
+            <a:endParaRPr kumimoji="0" lang="en-TW" sz="3600" b="1" i="0" u="none" strike="noStrike" kern="1200" cap="none" spc="0" normalizeH="0" baseline="0" noProof="0" dirty="0">
+              <a:ln>
+                <a:noFill/>
+              </a:ln>
+              <a:solidFill>
+                <a:srgbClr val="F2ECE1">
+                  <a:lumMod val="25000"/>
+                </a:srgbClr>
+              </a:solidFill>
+              <a:effectLst/>
+              <a:uLnTx/>
+              <a:uFillTx/>
+              <a:latin typeface="Arial"/>
+              <a:ea typeface="微软雅黑"/>
+              <a:cs typeface="+mn-cs"/>
+            </a:endParaRPr>
+          </a:p>
+        </p:txBody>
+      </p:sp>
+      <p:pic>
+        <p:nvPicPr>
+          <p:cNvPr id="3" name="Picture 2">
+            <a:extLst>
+              <a:ext uri="{FF2B5EF4-FFF2-40B4-BE49-F238E27FC236}">
+                <a16:creationId xmlns:a16="http://schemas.microsoft.com/office/drawing/2014/main" id="{7516E0F7-F9D6-D646-AD17-223DB044B7DB}"/>
+              </a:ext>
+            </a:extLst>
+          </p:cNvPr>
+          <p:cNvPicPr>
+            <a:picLocks noChangeAspect="1"/>
+          </p:cNvPicPr>
+          <p:nvPr/>
+        </p:nvPicPr>
+        <p:blipFill>
+          <a:blip r:embed="rId2"/>
+          <a:stretch>
+            <a:fillRect/>
+          </a:stretch>
+        </p:blipFill>
+        <p:spPr>
+          <a:xfrm>
+            <a:off x="1151937" y="1002075"/>
+            <a:ext cx="4000685" cy="2633362"/>
+          </a:xfrm>
+          <a:prstGeom prst="rect">
+            <a:avLst/>
+          </a:prstGeom>
+        </p:spPr>
+      </p:pic>
+      <p:pic>
+        <p:nvPicPr>
+          <p:cNvPr id="4" name="Picture 3">
+            <a:extLst>
+              <a:ext uri="{FF2B5EF4-FFF2-40B4-BE49-F238E27FC236}">
+                <a16:creationId xmlns:a16="http://schemas.microsoft.com/office/drawing/2014/main" id="{2BAB37CC-DBD8-E048-9755-B208110C77C4}"/>
+              </a:ext>
+            </a:extLst>
+          </p:cNvPr>
+          <p:cNvPicPr>
+            <a:picLocks noChangeAspect="1"/>
+          </p:cNvPicPr>
+          <p:nvPr/>
+        </p:nvPicPr>
+        <p:blipFill>
+          <a:blip r:embed="rId3"/>
+          <a:stretch>
+            <a:fillRect/>
+          </a:stretch>
+        </p:blipFill>
+        <p:spPr>
+          <a:xfrm>
+            <a:off x="6096000" y="961458"/>
+            <a:ext cx="4000685" cy="2673979"/>
+          </a:xfrm>
+          <a:prstGeom prst="rect">
+            <a:avLst/>
+          </a:prstGeom>
+        </p:spPr>
+      </p:pic>
+      <p:pic>
+        <p:nvPicPr>
+          <p:cNvPr id="5" name="Picture 4">
+            <a:extLst>
+              <a:ext uri="{FF2B5EF4-FFF2-40B4-BE49-F238E27FC236}">
+                <a16:creationId xmlns:a16="http://schemas.microsoft.com/office/drawing/2014/main" id="{616C0314-C5D2-4C4F-AD8D-4D8F14BFC295}"/>
+              </a:ext>
+            </a:extLst>
+          </p:cNvPr>
+          <p:cNvPicPr>
+            <a:picLocks noChangeAspect="1"/>
+          </p:cNvPicPr>
+          <p:nvPr/>
+        </p:nvPicPr>
+        <p:blipFill>
+          <a:blip r:embed="rId4"/>
+          <a:stretch>
+            <a:fillRect/>
+          </a:stretch>
+        </p:blipFill>
+        <p:spPr>
+          <a:xfrm>
+            <a:off x="1151937" y="3635437"/>
+            <a:ext cx="3939915" cy="2726051"/>
+          </a:xfrm>
+          <a:prstGeom prst="rect">
+            <a:avLst/>
+          </a:prstGeom>
+        </p:spPr>
+      </p:pic>
+      <p:pic>
+        <p:nvPicPr>
+          <p:cNvPr id="6" name="Picture 5">
+            <a:extLst>
+              <a:ext uri="{FF2B5EF4-FFF2-40B4-BE49-F238E27FC236}">
+                <a16:creationId xmlns:a16="http://schemas.microsoft.com/office/drawing/2014/main" id="{401EE255-5A44-C54A-8405-DFE7179A7C44}"/>
+              </a:ext>
+            </a:extLst>
+          </p:cNvPr>
+          <p:cNvPicPr>
+            <a:picLocks noChangeAspect="1"/>
+          </p:cNvPicPr>
+          <p:nvPr/>
+        </p:nvPicPr>
+        <p:blipFill>
+          <a:blip r:embed="rId5"/>
+          <a:stretch>
+            <a:fillRect/>
+          </a:stretch>
+        </p:blipFill>
+        <p:spPr>
+          <a:xfrm>
+            <a:off x="6096001" y="3644993"/>
+            <a:ext cx="4000684" cy="2677381"/>
+          </a:xfrm>
+          <a:prstGeom prst="rect">
+            <a:avLst/>
+          </a:prstGeom>
+        </p:spPr>
+      </p:pic>
+      <p:sp>
+        <p:nvSpPr>
+          <p:cNvPr id="7" name="Rectangle 6">
+            <a:extLst>
+              <a:ext uri="{FF2B5EF4-FFF2-40B4-BE49-F238E27FC236}">
+                <a16:creationId xmlns:a16="http://schemas.microsoft.com/office/drawing/2014/main" id="{BFA4E4BA-1E89-2048-8737-525C2806483C}"/>
+              </a:ext>
+            </a:extLst>
+          </p:cNvPr>
+          <p:cNvSpPr/>
+          <p:nvPr/>
+        </p:nvSpPr>
+        <p:spPr>
+          <a:xfrm>
+            <a:off x="1621711" y="1393856"/>
+            <a:ext cx="1107996" cy="272895"/>
+          </a:xfrm>
+          <a:prstGeom prst="rect">
+            <a:avLst/>
+          </a:prstGeom>
+        </p:spPr>
+        <p:txBody>
+          <a:bodyPr wrap="none">
+            <a:spAutoFit/>
+          </a:bodyPr>
+          <a:lstStyle/>
+          <a:p>
+            <a:pPr algn="ctr" defTabSz="914377">
+              <a:lnSpc>
+                <a:spcPct val="130000"/>
+              </a:lnSpc>
+            </a:pPr>
+            <a:r>
+              <a:rPr lang="en-US" sz="1000" dirty="0" err="1">
+                <a:solidFill>
+                  <a:srgbClr val="000000"/>
+                </a:solidFill>
+                <a:latin typeface="微软雅黑" panose="020B0503020204020204" pitchFamily="34" charset="-122"/>
+                <a:ea typeface="微软雅黑" panose="020B0503020204020204" pitchFamily="34" charset="-122"/>
+              </a:rPr>
+              <a:t>max_depth</a:t>
+            </a:r>
+            <a:r>
+              <a:rPr lang="en-US" sz="1000" dirty="0">
+                <a:solidFill>
+                  <a:srgbClr val="000000"/>
+                </a:solidFill>
+                <a:latin typeface="微软雅黑" panose="020B0503020204020204" pitchFamily="34" charset="-122"/>
+                <a:ea typeface="微软雅黑" panose="020B0503020204020204" pitchFamily="34" charset="-122"/>
+              </a:rPr>
+              <a:t> = 1</a:t>
+            </a:r>
+            <a:endParaRPr lang="en-TW" sz="1000" dirty="0">
+              <a:solidFill>
+                <a:srgbClr val="000000"/>
+              </a:solidFill>
+              <a:latin typeface="微软雅黑" panose="020B0503020204020204" pitchFamily="34" charset="-122"/>
+              <a:ea typeface="微软雅黑" panose="020B0503020204020204" pitchFamily="34" charset="-122"/>
+            </a:endParaRPr>
+          </a:p>
+        </p:txBody>
+      </p:sp>
+      <p:sp>
+        <p:nvSpPr>
+          <p:cNvPr id="8" name="Rectangle 7">
+            <a:extLst>
+              <a:ext uri="{FF2B5EF4-FFF2-40B4-BE49-F238E27FC236}">
+                <a16:creationId xmlns:a16="http://schemas.microsoft.com/office/drawing/2014/main" id="{0189A88D-7A4D-B74F-A1E2-0EE59E1BC695}"/>
+              </a:ext>
+            </a:extLst>
+          </p:cNvPr>
+          <p:cNvSpPr/>
+          <p:nvPr/>
+        </p:nvSpPr>
+        <p:spPr>
+          <a:xfrm>
+            <a:off x="6591438" y="1403341"/>
+            <a:ext cx="1107996" cy="272895"/>
+          </a:xfrm>
+          <a:prstGeom prst="rect">
+            <a:avLst/>
+          </a:prstGeom>
+        </p:spPr>
+        <p:txBody>
+          <a:bodyPr wrap="none">
+            <a:spAutoFit/>
+          </a:bodyPr>
+          <a:lstStyle/>
+          <a:p>
+            <a:pPr algn="ctr" defTabSz="914377">
+              <a:lnSpc>
+                <a:spcPct val="130000"/>
+              </a:lnSpc>
+            </a:pPr>
+            <a:r>
+              <a:rPr lang="en-US" sz="1000" dirty="0" err="1">
+                <a:solidFill>
+                  <a:srgbClr val="000000"/>
+                </a:solidFill>
+                <a:latin typeface="微软雅黑" panose="020B0503020204020204" pitchFamily="34" charset="-122"/>
+                <a:ea typeface="微软雅黑" panose="020B0503020204020204" pitchFamily="34" charset="-122"/>
+              </a:rPr>
+              <a:t>max_depth</a:t>
+            </a:r>
+            <a:r>
+              <a:rPr lang="en-US" sz="1000" dirty="0">
+                <a:solidFill>
+                  <a:srgbClr val="000000"/>
+                </a:solidFill>
+                <a:latin typeface="微软雅黑" panose="020B0503020204020204" pitchFamily="34" charset="-122"/>
+                <a:ea typeface="微软雅黑" panose="020B0503020204020204" pitchFamily="34" charset="-122"/>
+              </a:rPr>
+              <a:t> = 2</a:t>
+            </a:r>
+            <a:endParaRPr lang="en-TW" sz="1000" dirty="0">
+              <a:solidFill>
+                <a:srgbClr val="000000"/>
+              </a:solidFill>
+              <a:latin typeface="微软雅黑" panose="020B0503020204020204" pitchFamily="34" charset="-122"/>
+              <a:ea typeface="微软雅黑" panose="020B0503020204020204" pitchFamily="34" charset="-122"/>
+            </a:endParaRPr>
+          </a:p>
+        </p:txBody>
+      </p:sp>
+      <p:sp>
+        <p:nvSpPr>
+          <p:cNvPr id="9" name="Rectangle 8">
+            <a:extLst>
+              <a:ext uri="{FF2B5EF4-FFF2-40B4-BE49-F238E27FC236}">
+                <a16:creationId xmlns:a16="http://schemas.microsoft.com/office/drawing/2014/main" id="{EEDAF12E-4711-BD44-867F-86F4C3A04506}"/>
+              </a:ext>
+            </a:extLst>
+          </p:cNvPr>
+          <p:cNvSpPr/>
+          <p:nvPr/>
+        </p:nvSpPr>
+        <p:spPr>
+          <a:xfrm>
+            <a:off x="1621711" y="4071331"/>
+            <a:ext cx="1107996" cy="272895"/>
+          </a:xfrm>
+          <a:prstGeom prst="rect">
+            <a:avLst/>
+          </a:prstGeom>
+        </p:spPr>
+        <p:txBody>
+          <a:bodyPr wrap="none">
+            <a:spAutoFit/>
+          </a:bodyPr>
+          <a:lstStyle/>
+          <a:p>
+            <a:pPr algn="ctr" defTabSz="914377">
+              <a:lnSpc>
+                <a:spcPct val="130000"/>
+              </a:lnSpc>
+            </a:pPr>
+            <a:r>
+              <a:rPr lang="en-US" sz="1000" dirty="0" err="1">
+                <a:solidFill>
+                  <a:srgbClr val="000000"/>
+                </a:solidFill>
+                <a:latin typeface="微软雅黑" panose="020B0503020204020204" pitchFamily="34" charset="-122"/>
+                <a:ea typeface="微软雅黑" panose="020B0503020204020204" pitchFamily="34" charset="-122"/>
+              </a:rPr>
+              <a:t>max_depth</a:t>
+            </a:r>
+            <a:r>
+              <a:rPr lang="en-US" sz="1000" dirty="0">
+                <a:solidFill>
+                  <a:srgbClr val="000000"/>
+                </a:solidFill>
+                <a:latin typeface="微软雅黑" panose="020B0503020204020204" pitchFamily="34" charset="-122"/>
+                <a:ea typeface="微软雅黑" panose="020B0503020204020204" pitchFamily="34" charset="-122"/>
+              </a:rPr>
+              <a:t> = 4</a:t>
+            </a:r>
+            <a:endParaRPr lang="en-TW" sz="1000" dirty="0">
+              <a:solidFill>
+                <a:srgbClr val="000000"/>
+              </a:solidFill>
+              <a:latin typeface="微软雅黑" panose="020B0503020204020204" pitchFamily="34" charset="-122"/>
+              <a:ea typeface="微软雅黑" panose="020B0503020204020204" pitchFamily="34" charset="-122"/>
+            </a:endParaRPr>
+          </a:p>
+        </p:txBody>
+      </p:sp>
+      <p:sp>
+        <p:nvSpPr>
+          <p:cNvPr id="10" name="Rectangle 9">
+            <a:extLst>
+              <a:ext uri="{FF2B5EF4-FFF2-40B4-BE49-F238E27FC236}">
+                <a16:creationId xmlns:a16="http://schemas.microsoft.com/office/drawing/2014/main" id="{1C8DC1D9-DB02-A148-B579-AB79ADE04168}"/>
+              </a:ext>
+            </a:extLst>
+          </p:cNvPr>
+          <p:cNvSpPr/>
+          <p:nvPr/>
+        </p:nvSpPr>
+        <p:spPr>
+          <a:xfrm>
+            <a:off x="6569136" y="4066589"/>
+            <a:ext cx="1107996" cy="272895"/>
+          </a:xfrm>
+          <a:prstGeom prst="rect">
+            <a:avLst/>
+          </a:prstGeom>
+        </p:spPr>
+        <p:txBody>
+          <a:bodyPr wrap="none">
+            <a:spAutoFit/>
+          </a:bodyPr>
+          <a:lstStyle/>
+          <a:p>
+            <a:pPr algn="ctr" defTabSz="914377">
+              <a:lnSpc>
+                <a:spcPct val="130000"/>
+              </a:lnSpc>
+            </a:pPr>
+            <a:r>
+              <a:rPr lang="en-US" sz="1000" dirty="0" err="1">
+                <a:solidFill>
+                  <a:srgbClr val="000000"/>
+                </a:solidFill>
+                <a:latin typeface="微软雅黑" panose="020B0503020204020204" pitchFamily="34" charset="-122"/>
+                <a:ea typeface="微软雅黑" panose="020B0503020204020204" pitchFamily="34" charset="-122"/>
+              </a:rPr>
+              <a:t>max_depth</a:t>
+            </a:r>
+            <a:r>
+              <a:rPr lang="en-US" sz="1000" dirty="0">
+                <a:solidFill>
+                  <a:srgbClr val="000000"/>
+                </a:solidFill>
+                <a:latin typeface="微软雅黑" panose="020B0503020204020204" pitchFamily="34" charset="-122"/>
+                <a:ea typeface="微软雅黑" panose="020B0503020204020204" pitchFamily="34" charset="-122"/>
+              </a:rPr>
+              <a:t> = 6</a:t>
+            </a:r>
+            <a:endParaRPr lang="en-TW" sz="1000" dirty="0">
+              <a:solidFill>
+                <a:srgbClr val="000000"/>
+              </a:solidFill>
+              <a:latin typeface="微软雅黑" panose="020B0503020204020204" pitchFamily="34" charset="-122"/>
+              <a:ea typeface="微软雅黑" panose="020B0503020204020204" pitchFamily="34" charset="-122"/>
+            </a:endParaRPr>
+          </a:p>
+        </p:txBody>
+      </p:sp>
+      <p:sp>
+        <p:nvSpPr>
+          <p:cNvPr id="11" name="Rectangle 10">
+            <a:extLst>
+              <a:ext uri="{FF2B5EF4-FFF2-40B4-BE49-F238E27FC236}">
+                <a16:creationId xmlns:a16="http://schemas.microsoft.com/office/drawing/2014/main" id="{910FB7EE-2FD5-2644-8A7A-3D340E4BE56D}"/>
+              </a:ext>
+            </a:extLst>
+          </p:cNvPr>
+          <p:cNvSpPr/>
+          <p:nvPr/>
+        </p:nvSpPr>
+        <p:spPr>
+          <a:xfrm>
+            <a:off x="4823505" y="6322374"/>
+            <a:ext cx="2042547" cy="369332"/>
+          </a:xfrm>
+          <a:prstGeom prst="rect">
+            <a:avLst/>
+          </a:prstGeom>
+        </p:spPr>
+        <p:txBody>
+          <a:bodyPr wrap="none">
+            <a:spAutoFit/>
+          </a:bodyPr>
+          <a:lstStyle/>
+          <a:p>
+            <a:pPr defTabSz="914377"/>
+            <a:r>
+              <a:rPr lang="en-US" altLang="zh-TW" i="1" dirty="0">
+                <a:solidFill>
+                  <a:srgbClr val="000000"/>
+                </a:solidFill>
+                <a:latin typeface="Arial"/>
+                <a:ea typeface="微软雅黑"/>
+              </a:rPr>
+              <a:t>f</a:t>
+            </a:r>
+            <a:r>
+              <a:rPr lang="en-US" altLang="zh-TW" dirty="0">
+                <a:solidFill>
+                  <a:srgbClr val="000000"/>
+                </a:solidFill>
+                <a:latin typeface="Arial"/>
+                <a:ea typeface="微软雅黑"/>
+              </a:rPr>
+              <a:t>(</a:t>
+            </a:r>
+            <a:r>
+              <a:rPr lang="en-US" altLang="zh-TW" i="1" dirty="0">
+                <a:solidFill>
+                  <a:srgbClr val="000000"/>
+                </a:solidFill>
+                <a:latin typeface="Arial"/>
+                <a:ea typeface="微软雅黑"/>
+              </a:rPr>
+              <a:t>x</a:t>
+            </a:r>
+            <a:r>
+              <a:rPr lang="en-US" altLang="zh-TW" dirty="0">
+                <a:solidFill>
+                  <a:srgbClr val="000000"/>
+                </a:solidFill>
+                <a:latin typeface="Arial"/>
+                <a:ea typeface="微软雅黑"/>
+              </a:rPr>
+              <a:t>)= 3</a:t>
+            </a:r>
+            <a:r>
+              <a:rPr lang="en-US" altLang="zh-TW" i="1" dirty="0">
+                <a:solidFill>
+                  <a:srgbClr val="000000"/>
+                </a:solidFill>
+                <a:latin typeface="Arial"/>
+                <a:ea typeface="微软雅黑"/>
+              </a:rPr>
+              <a:t>x</a:t>
+            </a:r>
+            <a:r>
+              <a:rPr lang="en-US" altLang="zh-TW" dirty="0">
+                <a:solidFill>
+                  <a:srgbClr val="000000"/>
+                </a:solidFill>
+                <a:latin typeface="Arial"/>
+                <a:ea typeface="微软雅黑"/>
+              </a:rPr>
+              <a:t>+15 + </a:t>
+            </a:r>
+            <a:r>
+              <a:rPr lang="en-US" altLang="zh-TW" sz="1400" dirty="0">
+                <a:solidFill>
+                  <a:srgbClr val="000000"/>
+                </a:solidFill>
+                <a:latin typeface="Arial"/>
+                <a:ea typeface="微软雅黑"/>
+              </a:rPr>
+              <a:t>noise</a:t>
+            </a:r>
+            <a:endParaRPr lang="en-TW" dirty="0">
+              <a:solidFill>
+                <a:srgbClr val="000000"/>
+              </a:solidFill>
+              <a:latin typeface="Arial"/>
+              <a:ea typeface="微软雅黑"/>
+            </a:endParaRPr>
+          </a:p>
+        </p:txBody>
+      </p:sp>
+    </p:spTree>
+    <p:extLst>
+      <p:ext uri="{BB962C8B-B14F-4D97-AF65-F5344CB8AC3E}">
+        <p14:creationId xmlns:p14="http://schemas.microsoft.com/office/powerpoint/2010/main" val="2624085013"/>
+      </p:ext>
+    </p:extLst>
+  </p:cSld>
+  <p:clrMapOvr>
+    <a:masterClrMapping/>
+  </p:clrMapOvr>
+</p:sld>
+</file>
+
+<file path=ppt/slides/slide8.xml><?xml version="1.0" encoding="utf-8"?>
+<p:sld xmlns:a="http://schemas.openxmlformats.org/drawingml/2006/main" xmlns:r="http://schemas.openxmlformats.org/officeDocument/2006/relationships" xmlns:p="http://schemas.openxmlformats.org/presentationml/2006/main">
+  <p:cSld>
+    <p:spTree>
+      <p:nvGrpSpPr>
+        <p:cNvPr id="1" name=""/>
+        <p:cNvGrpSpPr/>
+        <p:nvPr/>
+      </p:nvGrpSpPr>
+      <p:grpSpPr>
+        <a:xfrm>
+          <a:off x="0" y="0"/>
+          <a:ext cx="0" cy="0"/>
+          <a:chOff x="0" y="0"/>
+          <a:chExt cx="0" cy="0"/>
+        </a:xfrm>
+      </p:grpSpPr>
+      <p:pic>
+        <p:nvPicPr>
+          <p:cNvPr id="2" name="Picture 1">
+            <a:extLst>
+              <a:ext uri="{FF2B5EF4-FFF2-40B4-BE49-F238E27FC236}">
+                <a16:creationId xmlns:a16="http://schemas.microsoft.com/office/drawing/2014/main" id="{8ED8F51A-F81C-5C49-AE61-0D690FEBA54A}"/>
+              </a:ext>
+            </a:extLst>
+          </p:cNvPr>
+          <p:cNvPicPr>
+            <a:picLocks noChangeAspect="1"/>
+          </p:cNvPicPr>
+          <p:nvPr/>
+        </p:nvPicPr>
+        <p:blipFill>
+          <a:blip r:embed="rId2"/>
+          <a:stretch>
+            <a:fillRect/>
+          </a:stretch>
+        </p:blipFill>
+        <p:spPr>
+          <a:xfrm>
+            <a:off x="1571123" y="3742938"/>
+            <a:ext cx="4524877" cy="1422377"/>
+          </a:xfrm>
+          <a:prstGeom prst="rect">
+            <a:avLst/>
+          </a:prstGeom>
+        </p:spPr>
+      </p:pic>
+      <p:cxnSp>
+        <p:nvCxnSpPr>
+          <p:cNvPr id="3" name="Straight Arrow Connector 2">
+            <a:extLst>
+              <a:ext uri="{FF2B5EF4-FFF2-40B4-BE49-F238E27FC236}">
+                <a16:creationId xmlns:a16="http://schemas.microsoft.com/office/drawing/2014/main" id="{951898A4-75A4-BF48-8906-B9E20BF7243C}"/>
+              </a:ext>
+            </a:extLst>
+          </p:cNvPr>
+          <p:cNvCxnSpPr>
+            <a:cxnSpLocks/>
+          </p:cNvCxnSpPr>
+          <p:nvPr/>
+        </p:nvCxnSpPr>
+        <p:spPr>
+          <a:xfrm flipV="1">
+            <a:off x="7049293" y="3528176"/>
+            <a:ext cx="0" cy="2178122"/>
+          </a:xfrm>
+          <a:prstGeom prst="straightConnector1">
+            <a:avLst/>
+          </a:prstGeom>
+          <a:noFill/>
+          <a:ln w="6350" cap="flat" cmpd="sng" algn="ctr">
+            <a:solidFill>
+              <a:srgbClr val="000000"/>
+            </a:solidFill>
+            <a:prstDash val="solid"/>
+            <a:miter lim="800000"/>
+            <a:tailEnd type="triangle"/>
+          </a:ln>
+          <a:effectLst/>
+        </p:spPr>
+      </p:cxnSp>
+      <p:cxnSp>
+        <p:nvCxnSpPr>
+          <p:cNvPr id="4" name="Straight Arrow Connector 3">
+            <a:extLst>
+              <a:ext uri="{FF2B5EF4-FFF2-40B4-BE49-F238E27FC236}">
+                <a16:creationId xmlns:a16="http://schemas.microsoft.com/office/drawing/2014/main" id="{E0B44B31-7AE4-1C40-A2C9-FF8B2DD3EB7C}"/>
+              </a:ext>
+            </a:extLst>
+          </p:cNvPr>
+          <p:cNvCxnSpPr>
+            <a:cxnSpLocks/>
+          </p:cNvCxnSpPr>
+          <p:nvPr/>
+        </p:nvCxnSpPr>
+        <p:spPr>
+          <a:xfrm>
+            <a:off x="7039019" y="5704586"/>
+            <a:ext cx="3348350" cy="0"/>
+          </a:xfrm>
+          <a:prstGeom prst="straightConnector1">
+            <a:avLst/>
+          </a:prstGeom>
+          <a:noFill/>
+          <a:ln w="6350" cap="flat" cmpd="sng" algn="ctr">
+            <a:solidFill>
+              <a:srgbClr val="000000"/>
+            </a:solidFill>
+            <a:prstDash val="solid"/>
+            <a:miter lim="800000"/>
+            <a:tailEnd type="triangle"/>
+          </a:ln>
+          <a:effectLst/>
+        </p:spPr>
+      </p:cxnSp>
+      <p:sp>
+        <p:nvSpPr>
+          <p:cNvPr id="5" name="Rectangle 4">
+            <a:extLst>
+              <a:ext uri="{FF2B5EF4-FFF2-40B4-BE49-F238E27FC236}">
+                <a16:creationId xmlns:a16="http://schemas.microsoft.com/office/drawing/2014/main" id="{54858CBD-4B05-7B49-A06B-841B2A50127B}"/>
+              </a:ext>
+            </a:extLst>
+          </p:cNvPr>
+          <p:cNvSpPr/>
+          <p:nvPr/>
+        </p:nvSpPr>
+        <p:spPr>
+          <a:xfrm>
+            <a:off x="10481600" y="5519920"/>
+            <a:ext cx="385042" cy="369332"/>
+          </a:xfrm>
+          <a:prstGeom prst="rect">
+            <a:avLst/>
+          </a:prstGeom>
+          <a:noFill/>
+        </p:spPr>
+        <p:txBody>
+          <a:bodyPr wrap="none" lIns="91440" tIns="45720" rIns="91440" bIns="45720">
+            <a:spAutoFit/>
+          </a:bodyPr>
+          <a:lstStyle/>
+          <a:p>
+            <a:pPr algn="ctr" defTabSz="914377"/>
+            <a:r>
+              <a:rPr lang="en-US" dirty="0">
+                <a:ln w="0"/>
+                <a:solidFill>
+                  <a:srgbClr val="000000"/>
+                </a:solidFill>
+                <a:effectLst>
+                  <a:outerShdw blurRad="38100" dist="19050" dir="2700000" algn="tl" rotWithShape="0">
+                    <a:srgbClr val="000000">
+                      <a:alpha val="40000"/>
+                    </a:srgbClr>
+                  </a:outerShdw>
+                </a:effectLst>
+                <a:latin typeface="Arial"/>
+                <a:ea typeface="微软雅黑"/>
+              </a:rPr>
+              <a:t>x</a:t>
+            </a:r>
+            <a:r>
+              <a:rPr lang="en-US" baseline="-25000" dirty="0">
+                <a:ln w="0"/>
+                <a:solidFill>
+                  <a:srgbClr val="000000"/>
+                </a:solidFill>
+                <a:effectLst>
+                  <a:outerShdw blurRad="38100" dist="19050" dir="2700000" algn="tl" rotWithShape="0">
+                    <a:srgbClr val="000000">
+                      <a:alpha val="40000"/>
+                    </a:srgbClr>
+                  </a:outerShdw>
+                </a:effectLst>
+                <a:latin typeface="Arial"/>
+                <a:ea typeface="微软雅黑"/>
+              </a:rPr>
+              <a:t>1</a:t>
+            </a:r>
+            <a:endParaRPr lang="en-US" dirty="0">
+              <a:ln w="0"/>
+              <a:solidFill>
+                <a:srgbClr val="000000"/>
+              </a:solidFill>
+              <a:effectLst>
+                <a:outerShdw blurRad="38100" dist="19050" dir="2700000" algn="tl" rotWithShape="0">
+                  <a:srgbClr val="000000">
+                    <a:alpha val="40000"/>
+                  </a:srgbClr>
+                </a:outerShdw>
+              </a:effectLst>
+              <a:latin typeface="Arial"/>
+              <a:ea typeface="微软雅黑"/>
+            </a:endParaRPr>
+          </a:p>
+        </p:txBody>
+      </p:sp>
+      <p:sp>
+        <p:nvSpPr>
+          <p:cNvPr id="6" name="Oval 5">
+            <a:extLst>
+              <a:ext uri="{FF2B5EF4-FFF2-40B4-BE49-F238E27FC236}">
+                <a16:creationId xmlns:a16="http://schemas.microsoft.com/office/drawing/2014/main" id="{BA441C44-A426-2342-863A-3202C854ADDF}"/>
+              </a:ext>
+            </a:extLst>
+          </p:cNvPr>
+          <p:cNvSpPr/>
+          <p:nvPr/>
+        </p:nvSpPr>
+        <p:spPr>
+          <a:xfrm>
+            <a:off x="9038148" y="4361549"/>
+            <a:ext cx="90000" cy="90000"/>
+          </a:xfrm>
+          <a:prstGeom prst="ellipse">
+            <a:avLst/>
+          </a:prstGeom>
+          <a:solidFill>
+            <a:srgbClr val="0070C0"/>
+          </a:solidFill>
+          <a:ln w="12700" cap="flat" cmpd="sng" algn="ctr">
+            <a:solidFill>
+              <a:srgbClr val="D2A66C">
+                <a:shade val="50000"/>
+              </a:srgbClr>
+            </a:solidFill>
+            <a:prstDash val="solid"/>
+            <a:miter lim="800000"/>
+          </a:ln>
+          <a:effectLst/>
+        </p:spPr>
+        <p:txBody>
+          <a:bodyPr rtlCol="0" anchor="ctr"/>
+          <a:lstStyle/>
+          <a:p>
+            <a:pPr marL="0" marR="0" lvl="0" indent="0" algn="ctr" defTabSz="914377" eaLnBrk="1" fontAlgn="auto" latinLnBrk="0" hangingPunct="1">
+              <a:lnSpc>
+                <a:spcPct val="100000"/>
+              </a:lnSpc>
+              <a:spcBef>
+                <a:spcPts val="0"/>
+              </a:spcBef>
+              <a:spcAft>
+                <a:spcPts val="0"/>
+              </a:spcAft>
+              <a:buClrTx/>
+              <a:buSzTx/>
+              <a:buFontTx/>
+              <a:buNone/>
+              <a:tabLst/>
+              <a:defRPr/>
+            </a:pPr>
+            <a:endParaRPr kumimoji="0" lang="en-US" sz="1800" b="0" i="0" u="none" strike="noStrike" kern="0" cap="none" spc="0" normalizeH="0" baseline="0" noProof="0">
+              <a:ln>
+                <a:noFill/>
+              </a:ln>
+              <a:solidFill>
+                <a:srgbClr val="FFFFFF"/>
+              </a:solidFill>
+              <a:effectLst/>
+              <a:uLnTx/>
+              <a:uFillTx/>
+              <a:latin typeface="Arial"/>
+              <a:ea typeface="微软雅黑"/>
+              <a:cs typeface="+mn-cs"/>
+            </a:endParaRPr>
+          </a:p>
+        </p:txBody>
+      </p:sp>
+      <p:sp>
+        <p:nvSpPr>
+          <p:cNvPr id="7" name="Oval 6">
+            <a:extLst>
+              <a:ext uri="{FF2B5EF4-FFF2-40B4-BE49-F238E27FC236}">
+                <a16:creationId xmlns:a16="http://schemas.microsoft.com/office/drawing/2014/main" id="{9998802E-9184-BB40-916E-0CA76CF01950}"/>
+              </a:ext>
+            </a:extLst>
+          </p:cNvPr>
+          <p:cNvSpPr/>
+          <p:nvPr/>
+        </p:nvSpPr>
+        <p:spPr>
+          <a:xfrm>
+            <a:off x="8830929" y="4463127"/>
+            <a:ext cx="90000" cy="90000"/>
+          </a:xfrm>
+          <a:prstGeom prst="ellipse">
+            <a:avLst/>
+          </a:prstGeom>
+          <a:solidFill>
+            <a:srgbClr val="0070C0"/>
+          </a:solidFill>
+          <a:ln w="12700" cap="flat" cmpd="sng" algn="ctr">
+            <a:solidFill>
+              <a:srgbClr val="D2A66C">
+                <a:shade val="50000"/>
+              </a:srgbClr>
+            </a:solidFill>
+            <a:prstDash val="solid"/>
+            <a:miter lim="800000"/>
+          </a:ln>
+          <a:effectLst/>
+        </p:spPr>
+        <p:txBody>
+          <a:bodyPr rtlCol="0" anchor="ctr"/>
+          <a:lstStyle/>
+          <a:p>
+            <a:pPr marL="0" marR="0" lvl="0" indent="0" algn="ctr" defTabSz="914377" eaLnBrk="1" fontAlgn="auto" latinLnBrk="0" hangingPunct="1">
+              <a:lnSpc>
+                <a:spcPct val="100000"/>
+              </a:lnSpc>
+              <a:spcBef>
+                <a:spcPts val="0"/>
+              </a:spcBef>
+              <a:spcAft>
+                <a:spcPts val="0"/>
+              </a:spcAft>
+              <a:buClrTx/>
+              <a:buSzTx/>
+              <a:buFontTx/>
+              <a:buNone/>
+              <a:tabLst/>
+              <a:defRPr/>
+            </a:pPr>
+            <a:endParaRPr kumimoji="0" lang="en-US" sz="1800" b="0" i="0" u="none" strike="noStrike" kern="0" cap="none" spc="0" normalizeH="0" baseline="0" noProof="0">
+              <a:ln>
+                <a:noFill/>
+              </a:ln>
+              <a:solidFill>
+                <a:srgbClr val="FFFFFF"/>
+              </a:solidFill>
+              <a:effectLst/>
+              <a:uLnTx/>
+              <a:uFillTx/>
+              <a:latin typeface="Arial"/>
+              <a:ea typeface="微软雅黑"/>
+              <a:cs typeface="+mn-cs"/>
+            </a:endParaRPr>
+          </a:p>
+        </p:txBody>
+      </p:sp>
+      <p:sp>
+        <p:nvSpPr>
+          <p:cNvPr id="8" name="Oval 7">
+            <a:extLst>
+              <a:ext uri="{FF2B5EF4-FFF2-40B4-BE49-F238E27FC236}">
+                <a16:creationId xmlns:a16="http://schemas.microsoft.com/office/drawing/2014/main" id="{64E77E96-D101-9A46-8B1F-FB6954859274}"/>
+              </a:ext>
+            </a:extLst>
+          </p:cNvPr>
+          <p:cNvSpPr/>
+          <p:nvPr/>
+        </p:nvSpPr>
+        <p:spPr>
+          <a:xfrm>
+            <a:off x="9251306" y="4040199"/>
+            <a:ext cx="90000" cy="90000"/>
+          </a:xfrm>
+          <a:prstGeom prst="ellipse">
+            <a:avLst/>
+          </a:prstGeom>
+          <a:solidFill>
+            <a:srgbClr val="0070C0"/>
+          </a:solidFill>
+          <a:ln w="12700" cap="flat" cmpd="sng" algn="ctr">
+            <a:solidFill>
+              <a:srgbClr val="D2A66C">
+                <a:shade val="50000"/>
+              </a:srgbClr>
+            </a:solidFill>
+            <a:prstDash val="solid"/>
+            <a:miter lim="800000"/>
+          </a:ln>
+          <a:effectLst/>
+        </p:spPr>
+        <p:txBody>
+          <a:bodyPr rtlCol="0" anchor="ctr"/>
+          <a:lstStyle/>
+          <a:p>
+            <a:pPr marL="0" marR="0" lvl="0" indent="0" algn="ctr" defTabSz="914377" eaLnBrk="1" fontAlgn="auto" latinLnBrk="0" hangingPunct="1">
+              <a:lnSpc>
+                <a:spcPct val="100000"/>
+              </a:lnSpc>
+              <a:spcBef>
+                <a:spcPts val="0"/>
+              </a:spcBef>
+              <a:spcAft>
+                <a:spcPts val="0"/>
+              </a:spcAft>
+              <a:buClrTx/>
+              <a:buSzTx/>
+              <a:buFontTx/>
+              <a:buNone/>
+              <a:tabLst/>
+              <a:defRPr/>
+            </a:pPr>
+            <a:endParaRPr kumimoji="0" lang="en-US" sz="1800" b="0" i="0" u="none" strike="noStrike" kern="0" cap="none" spc="0" normalizeH="0" baseline="0" noProof="0">
+              <a:ln>
+                <a:noFill/>
+              </a:ln>
+              <a:solidFill>
+                <a:srgbClr val="FFFFFF"/>
+              </a:solidFill>
+              <a:effectLst/>
+              <a:uLnTx/>
+              <a:uFillTx/>
+              <a:latin typeface="Arial"/>
+              <a:ea typeface="微软雅黑"/>
+              <a:cs typeface="+mn-cs"/>
+            </a:endParaRPr>
+          </a:p>
+        </p:txBody>
+      </p:sp>
+      <p:sp>
+        <p:nvSpPr>
+          <p:cNvPr id="9" name="Oval 8">
+            <a:extLst>
+              <a:ext uri="{FF2B5EF4-FFF2-40B4-BE49-F238E27FC236}">
+                <a16:creationId xmlns:a16="http://schemas.microsoft.com/office/drawing/2014/main" id="{87F401E2-662F-7241-9AE2-2FF8D864CE0B}"/>
+              </a:ext>
+            </a:extLst>
+          </p:cNvPr>
+          <p:cNvSpPr/>
+          <p:nvPr/>
+        </p:nvSpPr>
+        <p:spPr>
+          <a:xfrm>
+            <a:off x="8694563" y="4328300"/>
+            <a:ext cx="90000" cy="90000"/>
+          </a:xfrm>
+          <a:prstGeom prst="ellipse">
+            <a:avLst/>
+          </a:prstGeom>
+          <a:solidFill>
+            <a:srgbClr val="0070C0"/>
+          </a:solidFill>
+          <a:ln w="12700" cap="flat" cmpd="sng" algn="ctr">
+            <a:solidFill>
+              <a:srgbClr val="D2A66C">
+                <a:shade val="50000"/>
+              </a:srgbClr>
+            </a:solidFill>
+            <a:prstDash val="solid"/>
+            <a:miter lim="800000"/>
+          </a:ln>
+          <a:effectLst/>
+        </p:spPr>
+        <p:txBody>
+          <a:bodyPr rtlCol="0" anchor="ctr"/>
+          <a:lstStyle/>
+          <a:p>
+            <a:pPr marL="0" marR="0" lvl="0" indent="0" algn="ctr" defTabSz="914377" eaLnBrk="1" fontAlgn="auto" latinLnBrk="0" hangingPunct="1">
+              <a:lnSpc>
+                <a:spcPct val="100000"/>
+              </a:lnSpc>
+              <a:spcBef>
+                <a:spcPts val="0"/>
+              </a:spcBef>
+              <a:spcAft>
+                <a:spcPts val="0"/>
+              </a:spcAft>
+              <a:buClrTx/>
+              <a:buSzTx/>
+              <a:buFontTx/>
+              <a:buNone/>
+              <a:tabLst/>
+              <a:defRPr/>
+            </a:pPr>
+            <a:endParaRPr kumimoji="0" lang="en-US" sz="1800" b="0" i="0" u="none" strike="noStrike" kern="0" cap="none" spc="0" normalizeH="0" baseline="0" noProof="0">
+              <a:ln>
+                <a:noFill/>
+              </a:ln>
+              <a:solidFill>
+                <a:srgbClr val="FFFFFF"/>
+              </a:solidFill>
+              <a:effectLst/>
+              <a:uLnTx/>
+              <a:uFillTx/>
+              <a:latin typeface="Arial"/>
+              <a:ea typeface="微软雅黑"/>
+              <a:cs typeface="+mn-cs"/>
+            </a:endParaRPr>
+          </a:p>
+        </p:txBody>
+      </p:sp>
+      <p:sp>
+        <p:nvSpPr>
+          <p:cNvPr id="10" name="Oval 9">
+            <a:extLst>
+              <a:ext uri="{FF2B5EF4-FFF2-40B4-BE49-F238E27FC236}">
+                <a16:creationId xmlns:a16="http://schemas.microsoft.com/office/drawing/2014/main" id="{06256F68-9F2F-8648-9CD9-A9B096D1C559}"/>
+              </a:ext>
+            </a:extLst>
+          </p:cNvPr>
+          <p:cNvSpPr/>
+          <p:nvPr/>
+        </p:nvSpPr>
+        <p:spPr>
+          <a:xfrm>
+            <a:off x="9546961" y="3723476"/>
+            <a:ext cx="90000" cy="90000"/>
+          </a:xfrm>
+          <a:prstGeom prst="ellipse">
+            <a:avLst/>
+          </a:prstGeom>
+          <a:solidFill>
+            <a:srgbClr val="0070C0"/>
+          </a:solidFill>
+          <a:ln w="12700" cap="flat" cmpd="sng" algn="ctr">
+            <a:solidFill>
+              <a:srgbClr val="D2A66C">
+                <a:shade val="50000"/>
+              </a:srgbClr>
+            </a:solidFill>
+            <a:prstDash val="solid"/>
+            <a:miter lim="800000"/>
+          </a:ln>
+          <a:effectLst/>
+        </p:spPr>
+        <p:txBody>
+          <a:bodyPr rtlCol="0" anchor="ctr"/>
+          <a:lstStyle/>
+          <a:p>
+            <a:pPr marL="0" marR="0" lvl="0" indent="0" algn="ctr" defTabSz="914377" eaLnBrk="1" fontAlgn="auto" latinLnBrk="0" hangingPunct="1">
+              <a:lnSpc>
+                <a:spcPct val="100000"/>
+              </a:lnSpc>
+              <a:spcBef>
+                <a:spcPts val="0"/>
+              </a:spcBef>
+              <a:spcAft>
+                <a:spcPts val="0"/>
+              </a:spcAft>
+              <a:buClrTx/>
+              <a:buSzTx/>
+              <a:buFontTx/>
+              <a:buNone/>
+              <a:tabLst/>
+              <a:defRPr/>
+            </a:pPr>
+            <a:endParaRPr kumimoji="0" lang="en-US" sz="1800" b="0" i="0" u="none" strike="noStrike" kern="0" cap="none" spc="0" normalizeH="0" baseline="0" noProof="0">
+              <a:ln>
+                <a:noFill/>
+              </a:ln>
+              <a:solidFill>
+                <a:srgbClr val="FFFFFF"/>
+              </a:solidFill>
+              <a:effectLst/>
+              <a:uLnTx/>
+              <a:uFillTx/>
+              <a:latin typeface="Arial"/>
+              <a:ea typeface="微软雅黑"/>
+              <a:cs typeface="+mn-cs"/>
+            </a:endParaRPr>
+          </a:p>
+        </p:txBody>
+      </p:sp>
+      <p:sp>
+        <p:nvSpPr>
+          <p:cNvPr id="11" name="Oval 10">
+            <a:extLst>
+              <a:ext uri="{FF2B5EF4-FFF2-40B4-BE49-F238E27FC236}">
+                <a16:creationId xmlns:a16="http://schemas.microsoft.com/office/drawing/2014/main" id="{7A54CAA0-10F6-4547-833E-913C29F15F27}"/>
+              </a:ext>
+            </a:extLst>
+          </p:cNvPr>
+          <p:cNvSpPr/>
+          <p:nvPr/>
+        </p:nvSpPr>
+        <p:spPr>
+          <a:xfrm>
+            <a:off x="9726133" y="4025086"/>
+            <a:ext cx="90000" cy="90000"/>
+          </a:xfrm>
+          <a:prstGeom prst="ellipse">
+            <a:avLst/>
+          </a:prstGeom>
+          <a:solidFill>
+            <a:srgbClr val="0070C0"/>
+          </a:solidFill>
+          <a:ln w="12700" cap="flat" cmpd="sng" algn="ctr">
+            <a:solidFill>
+              <a:srgbClr val="D2A66C">
+                <a:shade val="50000"/>
+              </a:srgbClr>
+            </a:solidFill>
+            <a:prstDash val="solid"/>
+            <a:miter lim="800000"/>
+          </a:ln>
+          <a:effectLst/>
+        </p:spPr>
+        <p:txBody>
+          <a:bodyPr rtlCol="0" anchor="ctr"/>
+          <a:lstStyle/>
+          <a:p>
+            <a:pPr marL="0" marR="0" lvl="0" indent="0" algn="ctr" defTabSz="914377" eaLnBrk="1" fontAlgn="auto" latinLnBrk="0" hangingPunct="1">
+              <a:lnSpc>
+                <a:spcPct val="100000"/>
+              </a:lnSpc>
+              <a:spcBef>
+                <a:spcPts val="0"/>
+              </a:spcBef>
+              <a:spcAft>
+                <a:spcPts val="0"/>
+              </a:spcAft>
+              <a:buClrTx/>
+              <a:buSzTx/>
+              <a:buFontTx/>
+              <a:buNone/>
+              <a:tabLst/>
+              <a:defRPr/>
+            </a:pPr>
+            <a:endParaRPr kumimoji="0" lang="en-US" sz="1800" b="0" i="0" u="none" strike="noStrike" kern="0" cap="none" spc="0" normalizeH="0" baseline="0" noProof="0">
+              <a:ln>
+                <a:noFill/>
+              </a:ln>
+              <a:solidFill>
+                <a:srgbClr val="FFFFFF"/>
+              </a:solidFill>
+              <a:effectLst/>
+              <a:uLnTx/>
+              <a:uFillTx/>
+              <a:latin typeface="Arial"/>
+              <a:ea typeface="微软雅黑"/>
+              <a:cs typeface="+mn-cs"/>
+            </a:endParaRPr>
+          </a:p>
+        </p:txBody>
+      </p:sp>
+      <p:sp>
+        <p:nvSpPr>
+          <p:cNvPr id="12" name="Oval 11">
+            <a:extLst>
+              <a:ext uri="{FF2B5EF4-FFF2-40B4-BE49-F238E27FC236}">
+                <a16:creationId xmlns:a16="http://schemas.microsoft.com/office/drawing/2014/main" id="{A1AE4466-92FE-9D4B-910E-DC7B0672A0F0}"/>
+              </a:ext>
+            </a:extLst>
+          </p:cNvPr>
+          <p:cNvSpPr/>
+          <p:nvPr/>
+        </p:nvSpPr>
+        <p:spPr>
+          <a:xfrm>
+            <a:off x="9438961" y="4079086"/>
+            <a:ext cx="90000" cy="90000"/>
+          </a:xfrm>
+          <a:prstGeom prst="ellipse">
+            <a:avLst/>
+          </a:prstGeom>
+          <a:solidFill>
+            <a:srgbClr val="0070C0"/>
+          </a:solidFill>
+          <a:ln w="12700" cap="flat" cmpd="sng" algn="ctr">
+            <a:solidFill>
+              <a:srgbClr val="D2A66C">
+                <a:shade val="50000"/>
+              </a:srgbClr>
+            </a:solidFill>
+            <a:prstDash val="solid"/>
+            <a:miter lim="800000"/>
+          </a:ln>
+          <a:effectLst/>
+        </p:spPr>
+        <p:txBody>
+          <a:bodyPr rtlCol="0" anchor="ctr"/>
+          <a:lstStyle/>
+          <a:p>
+            <a:pPr marL="0" marR="0" lvl="0" indent="0" algn="ctr" defTabSz="914377" eaLnBrk="1" fontAlgn="auto" latinLnBrk="0" hangingPunct="1">
+              <a:lnSpc>
+                <a:spcPct val="100000"/>
+              </a:lnSpc>
+              <a:spcBef>
+                <a:spcPts val="0"/>
+              </a:spcBef>
+              <a:spcAft>
+                <a:spcPts val="0"/>
+              </a:spcAft>
+              <a:buClrTx/>
+              <a:buSzTx/>
+              <a:buFontTx/>
+              <a:buNone/>
+              <a:tabLst/>
+              <a:defRPr/>
+            </a:pPr>
+            <a:endParaRPr kumimoji="0" lang="en-US" sz="1800" b="0" i="0" u="none" strike="noStrike" kern="0" cap="none" spc="0" normalizeH="0" baseline="0" noProof="0">
+              <a:ln>
+                <a:noFill/>
+              </a:ln>
+              <a:solidFill>
+                <a:srgbClr val="FFFFFF"/>
+              </a:solidFill>
+              <a:effectLst/>
+              <a:uLnTx/>
+              <a:uFillTx/>
+              <a:latin typeface="Arial"/>
+              <a:ea typeface="微软雅黑"/>
+              <a:cs typeface="+mn-cs"/>
+            </a:endParaRPr>
+          </a:p>
+        </p:txBody>
+      </p:sp>
+      <p:sp>
+        <p:nvSpPr>
+          <p:cNvPr id="13" name="Oval 12">
+            <a:extLst>
+              <a:ext uri="{FF2B5EF4-FFF2-40B4-BE49-F238E27FC236}">
+                <a16:creationId xmlns:a16="http://schemas.microsoft.com/office/drawing/2014/main" id="{7D2889A7-9044-0D47-BEDA-C5DE0C22D8C7}"/>
+              </a:ext>
+            </a:extLst>
+          </p:cNvPr>
+          <p:cNvSpPr/>
+          <p:nvPr/>
+        </p:nvSpPr>
+        <p:spPr>
+          <a:xfrm>
+            <a:off x="9086303" y="4634160"/>
+            <a:ext cx="90000" cy="90000"/>
+          </a:xfrm>
+          <a:prstGeom prst="ellipse">
+            <a:avLst/>
+          </a:prstGeom>
+          <a:solidFill>
+            <a:srgbClr val="0070C0"/>
+          </a:solidFill>
+          <a:ln w="12700" cap="flat" cmpd="sng" algn="ctr">
+            <a:solidFill>
+              <a:srgbClr val="D2A66C">
+                <a:shade val="50000"/>
+              </a:srgbClr>
+            </a:solidFill>
+            <a:prstDash val="solid"/>
+            <a:miter lim="800000"/>
+          </a:ln>
+          <a:effectLst/>
+        </p:spPr>
+        <p:txBody>
+          <a:bodyPr rtlCol="0" anchor="ctr"/>
+          <a:lstStyle/>
+          <a:p>
+            <a:pPr marL="0" marR="0" lvl="0" indent="0" algn="ctr" defTabSz="914377" eaLnBrk="1" fontAlgn="auto" latinLnBrk="0" hangingPunct="1">
+              <a:lnSpc>
+                <a:spcPct val="100000"/>
+              </a:lnSpc>
+              <a:spcBef>
+                <a:spcPts val="0"/>
+              </a:spcBef>
+              <a:spcAft>
+                <a:spcPts val="0"/>
+              </a:spcAft>
+              <a:buClrTx/>
+              <a:buSzTx/>
+              <a:buFontTx/>
+              <a:buNone/>
+              <a:tabLst/>
+              <a:defRPr/>
+            </a:pPr>
+            <a:endParaRPr kumimoji="0" lang="en-US" sz="1800" b="0" i="0" u="none" strike="noStrike" kern="0" cap="none" spc="0" normalizeH="0" baseline="0" noProof="0">
+              <a:ln>
+                <a:noFill/>
+              </a:ln>
+              <a:solidFill>
+                <a:srgbClr val="FFFFFF"/>
+              </a:solidFill>
+              <a:effectLst/>
+              <a:uLnTx/>
+              <a:uFillTx/>
+              <a:latin typeface="Arial"/>
+              <a:ea typeface="微软雅黑"/>
+              <a:cs typeface="+mn-cs"/>
+            </a:endParaRPr>
+          </a:p>
+        </p:txBody>
+      </p:sp>
+      <p:sp>
+        <p:nvSpPr>
+          <p:cNvPr id="14" name="Oval 13">
+            <a:extLst>
+              <a:ext uri="{FF2B5EF4-FFF2-40B4-BE49-F238E27FC236}">
+                <a16:creationId xmlns:a16="http://schemas.microsoft.com/office/drawing/2014/main" id="{5F3D0238-CF70-DA4E-B525-61FD761B0F1B}"/>
+              </a:ext>
+            </a:extLst>
+          </p:cNvPr>
+          <p:cNvSpPr/>
+          <p:nvPr/>
+        </p:nvSpPr>
+        <p:spPr>
+          <a:xfrm>
+            <a:off x="7603682" y="5075741"/>
+            <a:ext cx="90000" cy="90000"/>
+          </a:xfrm>
+          <a:prstGeom prst="ellipse">
+            <a:avLst/>
+          </a:prstGeom>
+          <a:solidFill>
+            <a:srgbClr val="0070C0"/>
+          </a:solidFill>
+          <a:ln w="12700" cap="flat" cmpd="sng" algn="ctr">
+            <a:solidFill>
+              <a:srgbClr val="D2A66C">
+                <a:shade val="50000"/>
+              </a:srgbClr>
+            </a:solidFill>
+            <a:prstDash val="solid"/>
+            <a:miter lim="800000"/>
+          </a:ln>
+          <a:effectLst/>
+        </p:spPr>
+        <p:txBody>
+          <a:bodyPr rtlCol="0" anchor="ctr"/>
+          <a:lstStyle/>
+          <a:p>
+            <a:pPr marL="0" marR="0" lvl="0" indent="0" algn="ctr" defTabSz="914377" eaLnBrk="1" fontAlgn="auto" latinLnBrk="0" hangingPunct="1">
+              <a:lnSpc>
+                <a:spcPct val="100000"/>
+              </a:lnSpc>
+              <a:spcBef>
+                <a:spcPts val="0"/>
+              </a:spcBef>
+              <a:spcAft>
+                <a:spcPts val="0"/>
+              </a:spcAft>
+              <a:buClrTx/>
+              <a:buSzTx/>
+              <a:buFontTx/>
+              <a:buNone/>
+              <a:tabLst/>
+              <a:defRPr/>
+            </a:pPr>
+            <a:endParaRPr kumimoji="0" lang="en-US" sz="1800" b="0" i="0" u="none" strike="noStrike" kern="0" cap="none" spc="0" normalizeH="0" baseline="0" noProof="0">
+              <a:ln>
+                <a:noFill/>
+              </a:ln>
+              <a:solidFill>
+                <a:srgbClr val="E73A1C"/>
+              </a:solidFill>
+              <a:effectLst/>
+              <a:uLnTx/>
+              <a:uFillTx/>
+              <a:latin typeface="Arial"/>
+              <a:ea typeface="微软雅黑"/>
+              <a:cs typeface="+mn-cs"/>
+            </a:endParaRPr>
+          </a:p>
+        </p:txBody>
+      </p:sp>
+      <p:sp>
+        <p:nvSpPr>
+          <p:cNvPr id="15" name="Oval 14">
+            <a:extLst>
+              <a:ext uri="{FF2B5EF4-FFF2-40B4-BE49-F238E27FC236}">
+                <a16:creationId xmlns:a16="http://schemas.microsoft.com/office/drawing/2014/main" id="{3CBAA5A6-8C40-4549-A7E9-235D35DF8D05}"/>
+              </a:ext>
+            </a:extLst>
+          </p:cNvPr>
+          <p:cNvSpPr/>
+          <p:nvPr/>
+        </p:nvSpPr>
+        <p:spPr>
+          <a:xfrm>
+            <a:off x="7821365" y="4938088"/>
+            <a:ext cx="90000" cy="90000"/>
+          </a:xfrm>
+          <a:prstGeom prst="ellipse">
+            <a:avLst/>
+          </a:prstGeom>
+          <a:solidFill>
+            <a:srgbClr val="0070C0"/>
+          </a:solidFill>
+          <a:ln w="12700" cap="flat" cmpd="sng" algn="ctr">
+            <a:solidFill>
+              <a:srgbClr val="D2A66C">
+                <a:shade val="50000"/>
+              </a:srgbClr>
+            </a:solidFill>
+            <a:prstDash val="solid"/>
+            <a:miter lim="800000"/>
+          </a:ln>
+          <a:effectLst/>
+        </p:spPr>
+        <p:txBody>
+          <a:bodyPr rtlCol="0" anchor="ctr"/>
+          <a:lstStyle/>
+          <a:p>
+            <a:pPr marL="0" marR="0" lvl="0" indent="0" algn="ctr" defTabSz="914377" eaLnBrk="1" fontAlgn="auto" latinLnBrk="0" hangingPunct="1">
+              <a:lnSpc>
+                <a:spcPct val="100000"/>
+              </a:lnSpc>
+              <a:spcBef>
+                <a:spcPts val="0"/>
+              </a:spcBef>
+              <a:spcAft>
+                <a:spcPts val="0"/>
+              </a:spcAft>
+              <a:buClrTx/>
+              <a:buSzTx/>
+              <a:buFontTx/>
+              <a:buNone/>
+              <a:tabLst/>
+              <a:defRPr/>
+            </a:pPr>
+            <a:endParaRPr kumimoji="0" lang="en-US" sz="1800" b="0" i="0" u="none" strike="noStrike" kern="0" cap="none" spc="0" normalizeH="0" baseline="0" noProof="0">
+              <a:ln>
+                <a:noFill/>
+              </a:ln>
+              <a:solidFill>
+                <a:srgbClr val="E73A1C"/>
+              </a:solidFill>
+              <a:effectLst/>
+              <a:uLnTx/>
+              <a:uFillTx/>
+              <a:latin typeface="Arial"/>
+              <a:ea typeface="微软雅黑"/>
+              <a:cs typeface="+mn-cs"/>
+            </a:endParaRPr>
+          </a:p>
+        </p:txBody>
+      </p:sp>
+      <p:sp>
+        <p:nvSpPr>
+          <p:cNvPr id="16" name="Oval 15">
+            <a:extLst>
+              <a:ext uri="{FF2B5EF4-FFF2-40B4-BE49-F238E27FC236}">
+                <a16:creationId xmlns:a16="http://schemas.microsoft.com/office/drawing/2014/main" id="{DA3F0583-62EE-A04C-AC76-0C2E82733DC9}"/>
+              </a:ext>
+            </a:extLst>
+          </p:cNvPr>
+          <p:cNvSpPr/>
+          <p:nvPr/>
+        </p:nvSpPr>
+        <p:spPr>
+          <a:xfrm>
+            <a:off x="7657682" y="5322412"/>
+            <a:ext cx="90000" cy="90000"/>
+          </a:xfrm>
+          <a:prstGeom prst="ellipse">
+            <a:avLst/>
+          </a:prstGeom>
+          <a:solidFill>
+            <a:srgbClr val="0070C0"/>
+          </a:solidFill>
+          <a:ln w="12700" cap="flat" cmpd="sng" algn="ctr">
+            <a:solidFill>
+              <a:srgbClr val="D2A66C">
+                <a:shade val="50000"/>
+              </a:srgbClr>
+            </a:solidFill>
+            <a:prstDash val="solid"/>
+            <a:miter lim="800000"/>
+          </a:ln>
+          <a:effectLst/>
+        </p:spPr>
+        <p:txBody>
+          <a:bodyPr rtlCol="0" anchor="ctr"/>
+          <a:lstStyle/>
+          <a:p>
+            <a:pPr marL="0" marR="0" lvl="0" indent="0" algn="ctr" defTabSz="914377" eaLnBrk="1" fontAlgn="auto" latinLnBrk="0" hangingPunct="1">
+              <a:lnSpc>
+                <a:spcPct val="100000"/>
+              </a:lnSpc>
+              <a:spcBef>
+                <a:spcPts val="0"/>
+              </a:spcBef>
+              <a:spcAft>
+                <a:spcPts val="0"/>
+              </a:spcAft>
+              <a:buClrTx/>
+              <a:buSzTx/>
+              <a:buFontTx/>
+              <a:buNone/>
+              <a:tabLst/>
+              <a:defRPr/>
+            </a:pPr>
+            <a:endParaRPr kumimoji="0" lang="en-US" sz="1800" b="0" i="0" u="none" strike="noStrike" kern="0" cap="none" spc="0" normalizeH="0" baseline="0" noProof="0">
+              <a:ln>
+                <a:noFill/>
+              </a:ln>
+              <a:solidFill>
+                <a:srgbClr val="E73A1C"/>
+              </a:solidFill>
+              <a:effectLst/>
+              <a:uLnTx/>
+              <a:uFillTx/>
+              <a:latin typeface="Arial"/>
+              <a:ea typeface="微软雅黑"/>
+              <a:cs typeface="+mn-cs"/>
+            </a:endParaRPr>
+          </a:p>
+        </p:txBody>
+      </p:sp>
+      <p:sp>
+        <p:nvSpPr>
+          <p:cNvPr id="17" name="Oval 16">
+            <a:extLst>
+              <a:ext uri="{FF2B5EF4-FFF2-40B4-BE49-F238E27FC236}">
+                <a16:creationId xmlns:a16="http://schemas.microsoft.com/office/drawing/2014/main" id="{277DC1BA-9557-5D45-BDAE-AB9F9884862A}"/>
+              </a:ext>
+            </a:extLst>
+          </p:cNvPr>
+          <p:cNvSpPr/>
+          <p:nvPr/>
+        </p:nvSpPr>
+        <p:spPr>
+          <a:xfrm>
+            <a:off x="8367485" y="4826859"/>
+            <a:ext cx="90000" cy="90000"/>
+          </a:xfrm>
+          <a:prstGeom prst="ellipse">
+            <a:avLst/>
+          </a:prstGeom>
+          <a:solidFill>
+            <a:srgbClr val="0070C0"/>
+          </a:solidFill>
+          <a:ln w="12700" cap="flat" cmpd="sng" algn="ctr">
+            <a:solidFill>
+              <a:srgbClr val="D2A66C">
+                <a:shade val="50000"/>
+              </a:srgbClr>
+            </a:solidFill>
+            <a:prstDash val="solid"/>
+            <a:miter lim="800000"/>
+          </a:ln>
+          <a:effectLst/>
+        </p:spPr>
+        <p:txBody>
+          <a:bodyPr rtlCol="0" anchor="ctr"/>
+          <a:lstStyle/>
+          <a:p>
+            <a:pPr marL="0" marR="0" lvl="0" indent="0" algn="ctr" defTabSz="914377" eaLnBrk="1" fontAlgn="auto" latinLnBrk="0" hangingPunct="1">
+              <a:lnSpc>
+                <a:spcPct val="100000"/>
+              </a:lnSpc>
+              <a:spcBef>
+                <a:spcPts val="0"/>
+              </a:spcBef>
+              <a:spcAft>
+                <a:spcPts val="0"/>
+              </a:spcAft>
+              <a:buClrTx/>
+              <a:buSzTx/>
+              <a:buFontTx/>
+              <a:buNone/>
+              <a:tabLst/>
+              <a:defRPr/>
+            </a:pPr>
+            <a:endParaRPr kumimoji="0" lang="en-US" sz="1800" b="0" i="0" u="none" strike="noStrike" kern="0" cap="none" spc="0" normalizeH="0" baseline="0" noProof="0">
+              <a:ln>
+                <a:noFill/>
+              </a:ln>
+              <a:solidFill>
+                <a:srgbClr val="E73A1C"/>
+              </a:solidFill>
+              <a:effectLst/>
+              <a:uLnTx/>
+              <a:uFillTx/>
+              <a:latin typeface="Arial"/>
+              <a:ea typeface="微软雅黑"/>
+              <a:cs typeface="+mn-cs"/>
+            </a:endParaRPr>
+          </a:p>
+        </p:txBody>
+      </p:sp>
+      <p:sp>
+        <p:nvSpPr>
+          <p:cNvPr id="18" name="Oval 17">
+            <a:extLst>
+              <a:ext uri="{FF2B5EF4-FFF2-40B4-BE49-F238E27FC236}">
+                <a16:creationId xmlns:a16="http://schemas.microsoft.com/office/drawing/2014/main" id="{48FC8E28-B048-C540-A049-FDB4010ED81A}"/>
+              </a:ext>
+            </a:extLst>
+          </p:cNvPr>
+          <p:cNvSpPr/>
+          <p:nvPr/>
+        </p:nvSpPr>
+        <p:spPr>
+          <a:xfrm>
+            <a:off x="8600686" y="4885563"/>
+            <a:ext cx="90000" cy="90000"/>
+          </a:xfrm>
+          <a:prstGeom prst="ellipse">
+            <a:avLst/>
+          </a:prstGeom>
+          <a:solidFill>
+            <a:srgbClr val="0070C0"/>
+          </a:solidFill>
+          <a:ln w="12700" cap="flat" cmpd="sng" algn="ctr">
+            <a:solidFill>
+              <a:srgbClr val="D2A66C">
+                <a:shade val="50000"/>
+              </a:srgbClr>
+            </a:solidFill>
+            <a:prstDash val="solid"/>
+            <a:miter lim="800000"/>
+          </a:ln>
+          <a:effectLst/>
+        </p:spPr>
+        <p:txBody>
+          <a:bodyPr rtlCol="0" anchor="ctr"/>
+          <a:lstStyle/>
+          <a:p>
+            <a:pPr marL="0" marR="0" lvl="0" indent="0" algn="ctr" defTabSz="914377" eaLnBrk="1" fontAlgn="auto" latinLnBrk="0" hangingPunct="1">
+              <a:lnSpc>
+                <a:spcPct val="100000"/>
+              </a:lnSpc>
+              <a:spcBef>
+                <a:spcPts val="0"/>
+              </a:spcBef>
+              <a:spcAft>
+                <a:spcPts val="0"/>
+              </a:spcAft>
+              <a:buClrTx/>
+              <a:buSzTx/>
+              <a:buFontTx/>
+              <a:buNone/>
+              <a:tabLst/>
+              <a:defRPr/>
+            </a:pPr>
+            <a:endParaRPr kumimoji="0" lang="en-US" sz="1800" b="0" i="0" u="none" strike="noStrike" kern="0" cap="none" spc="0" normalizeH="0" baseline="0" noProof="0">
+              <a:ln>
+                <a:noFill/>
+              </a:ln>
+              <a:solidFill>
+                <a:srgbClr val="E73A1C"/>
+              </a:solidFill>
+              <a:effectLst/>
+              <a:uLnTx/>
+              <a:uFillTx/>
+              <a:latin typeface="Arial"/>
+              <a:ea typeface="微软雅黑"/>
+              <a:cs typeface="+mn-cs"/>
+            </a:endParaRPr>
+          </a:p>
+        </p:txBody>
+      </p:sp>
+      <p:sp>
+        <p:nvSpPr>
+          <p:cNvPr id="19" name="Oval 18">
+            <a:extLst>
+              <a:ext uri="{FF2B5EF4-FFF2-40B4-BE49-F238E27FC236}">
+                <a16:creationId xmlns:a16="http://schemas.microsoft.com/office/drawing/2014/main" id="{6525213E-91B7-4B44-8928-5D17FCD93049}"/>
+              </a:ext>
+            </a:extLst>
+          </p:cNvPr>
+          <p:cNvSpPr/>
+          <p:nvPr/>
+        </p:nvSpPr>
+        <p:spPr>
+          <a:xfrm>
+            <a:off x="8182053" y="4695406"/>
+            <a:ext cx="90000" cy="90000"/>
+          </a:xfrm>
+          <a:prstGeom prst="ellipse">
+            <a:avLst/>
+          </a:prstGeom>
+          <a:solidFill>
+            <a:srgbClr val="0070C0"/>
+          </a:solidFill>
+          <a:ln w="12700" cap="flat" cmpd="sng" algn="ctr">
+            <a:solidFill>
+              <a:srgbClr val="D2A66C">
+                <a:shade val="50000"/>
+              </a:srgbClr>
+            </a:solidFill>
+            <a:prstDash val="solid"/>
+            <a:miter lim="800000"/>
+          </a:ln>
+          <a:effectLst/>
+        </p:spPr>
+        <p:txBody>
+          <a:bodyPr rtlCol="0" anchor="ctr"/>
+          <a:lstStyle/>
+          <a:p>
+            <a:pPr marL="0" marR="0" lvl="0" indent="0" algn="ctr" defTabSz="914377" eaLnBrk="1" fontAlgn="auto" latinLnBrk="0" hangingPunct="1">
+              <a:lnSpc>
+                <a:spcPct val="100000"/>
+              </a:lnSpc>
+              <a:spcBef>
+                <a:spcPts val="0"/>
+              </a:spcBef>
+              <a:spcAft>
+                <a:spcPts val="0"/>
+              </a:spcAft>
+              <a:buClrTx/>
+              <a:buSzTx/>
+              <a:buFontTx/>
+              <a:buNone/>
+              <a:tabLst/>
+              <a:defRPr/>
+            </a:pPr>
+            <a:endParaRPr kumimoji="0" lang="en-US" sz="1800" b="0" i="0" u="none" strike="noStrike" kern="0" cap="none" spc="0" normalizeH="0" baseline="0" noProof="0">
+              <a:ln>
+                <a:noFill/>
+              </a:ln>
+              <a:solidFill>
+                <a:srgbClr val="E73A1C"/>
+              </a:solidFill>
+              <a:effectLst/>
+              <a:uLnTx/>
+              <a:uFillTx/>
+              <a:latin typeface="Arial"/>
+              <a:ea typeface="微软雅黑"/>
+              <a:cs typeface="+mn-cs"/>
+            </a:endParaRPr>
+          </a:p>
+        </p:txBody>
+      </p:sp>
+      <p:sp>
+        <p:nvSpPr>
+          <p:cNvPr id="20" name="Oval 19">
+            <a:extLst>
+              <a:ext uri="{FF2B5EF4-FFF2-40B4-BE49-F238E27FC236}">
+                <a16:creationId xmlns:a16="http://schemas.microsoft.com/office/drawing/2014/main" id="{EDA20226-61D8-CC4C-B3AC-F22640B6F6EF}"/>
+              </a:ext>
+            </a:extLst>
+          </p:cNvPr>
+          <p:cNvSpPr/>
+          <p:nvPr/>
+        </p:nvSpPr>
+        <p:spPr>
+          <a:xfrm>
+            <a:off x="8111941" y="5075741"/>
+            <a:ext cx="90000" cy="90000"/>
+          </a:xfrm>
+          <a:prstGeom prst="ellipse">
+            <a:avLst/>
+          </a:prstGeom>
+          <a:solidFill>
+            <a:srgbClr val="0070C0"/>
+          </a:solidFill>
+          <a:ln w="12700" cap="flat" cmpd="sng" algn="ctr">
+            <a:solidFill>
+              <a:srgbClr val="D2A66C">
+                <a:shade val="50000"/>
+              </a:srgbClr>
+            </a:solidFill>
+            <a:prstDash val="solid"/>
+            <a:miter lim="800000"/>
+          </a:ln>
+          <a:effectLst/>
+        </p:spPr>
+        <p:txBody>
+          <a:bodyPr rtlCol="0" anchor="ctr"/>
+          <a:lstStyle/>
+          <a:p>
+            <a:pPr marL="0" marR="0" lvl="0" indent="0" algn="ctr" defTabSz="914377" eaLnBrk="1" fontAlgn="auto" latinLnBrk="0" hangingPunct="1">
+              <a:lnSpc>
+                <a:spcPct val="100000"/>
+              </a:lnSpc>
+              <a:spcBef>
+                <a:spcPts val="0"/>
+              </a:spcBef>
+              <a:spcAft>
+                <a:spcPts val="0"/>
+              </a:spcAft>
+              <a:buClrTx/>
+              <a:buSzTx/>
+              <a:buFontTx/>
+              <a:buNone/>
+              <a:tabLst/>
+              <a:defRPr/>
+            </a:pPr>
+            <a:endParaRPr kumimoji="0" lang="en-US" sz="1800" b="0" i="0" u="none" strike="noStrike" kern="0" cap="none" spc="0" normalizeH="0" baseline="0" noProof="0">
+              <a:ln>
+                <a:noFill/>
+              </a:ln>
+              <a:solidFill>
+                <a:srgbClr val="E73A1C"/>
+              </a:solidFill>
+              <a:effectLst/>
+              <a:uLnTx/>
+              <a:uFillTx/>
+              <a:latin typeface="Arial"/>
+              <a:ea typeface="微软雅黑"/>
+              <a:cs typeface="+mn-cs"/>
+            </a:endParaRPr>
+          </a:p>
+        </p:txBody>
+      </p:sp>
+      <p:sp>
+        <p:nvSpPr>
+          <p:cNvPr id="21" name="Oval 20">
+            <a:extLst>
+              <a:ext uri="{FF2B5EF4-FFF2-40B4-BE49-F238E27FC236}">
+                <a16:creationId xmlns:a16="http://schemas.microsoft.com/office/drawing/2014/main" id="{3D8E162B-22C2-F244-A44E-54ADAA54EE3D}"/>
+              </a:ext>
+            </a:extLst>
+          </p:cNvPr>
+          <p:cNvSpPr/>
+          <p:nvPr/>
+        </p:nvSpPr>
+        <p:spPr>
+          <a:xfrm>
+            <a:off x="7878741" y="5136819"/>
+            <a:ext cx="90000" cy="90000"/>
+          </a:xfrm>
+          <a:prstGeom prst="ellipse">
+            <a:avLst/>
+          </a:prstGeom>
+          <a:solidFill>
+            <a:srgbClr val="0070C0"/>
+          </a:solidFill>
+          <a:ln w="12700" cap="flat" cmpd="sng" algn="ctr">
+            <a:solidFill>
+              <a:srgbClr val="D2A66C">
+                <a:shade val="50000"/>
+              </a:srgbClr>
+            </a:solidFill>
+            <a:prstDash val="solid"/>
+            <a:miter lim="800000"/>
+          </a:ln>
+          <a:effectLst/>
+        </p:spPr>
+        <p:txBody>
+          <a:bodyPr rtlCol="0" anchor="ctr"/>
+          <a:lstStyle/>
+          <a:p>
+            <a:pPr marL="0" marR="0" lvl="0" indent="0" algn="ctr" defTabSz="914377" eaLnBrk="1" fontAlgn="auto" latinLnBrk="0" hangingPunct="1">
+              <a:lnSpc>
+                <a:spcPct val="100000"/>
+              </a:lnSpc>
+              <a:spcBef>
+                <a:spcPts val="0"/>
+              </a:spcBef>
+              <a:spcAft>
+                <a:spcPts val="0"/>
+              </a:spcAft>
+              <a:buClrTx/>
+              <a:buSzTx/>
+              <a:buFontTx/>
+              <a:buNone/>
+              <a:tabLst/>
+              <a:defRPr/>
+            </a:pPr>
+            <a:endParaRPr kumimoji="0" lang="en-US" sz="1800" b="0" i="0" u="none" strike="noStrike" kern="0" cap="none" spc="0" normalizeH="0" baseline="0" noProof="0">
+              <a:ln>
+                <a:noFill/>
+              </a:ln>
+              <a:solidFill>
+                <a:srgbClr val="E73A1C"/>
+              </a:solidFill>
+              <a:effectLst/>
+              <a:uLnTx/>
+              <a:uFillTx/>
+              <a:latin typeface="Arial"/>
+              <a:ea typeface="微软雅黑"/>
+              <a:cs typeface="+mn-cs"/>
+            </a:endParaRPr>
+          </a:p>
+        </p:txBody>
+      </p:sp>
+      <p:sp>
+        <p:nvSpPr>
+          <p:cNvPr id="22" name="Oval 21">
+            <a:extLst>
+              <a:ext uri="{FF2B5EF4-FFF2-40B4-BE49-F238E27FC236}">
+                <a16:creationId xmlns:a16="http://schemas.microsoft.com/office/drawing/2014/main" id="{9475A992-F950-FB45-B6B3-2C332334940E}"/>
+              </a:ext>
+            </a:extLst>
+          </p:cNvPr>
+          <p:cNvSpPr/>
+          <p:nvPr/>
+        </p:nvSpPr>
+        <p:spPr>
+          <a:xfrm>
+            <a:off x="8467674" y="4653200"/>
+            <a:ext cx="90000" cy="90000"/>
+          </a:xfrm>
+          <a:prstGeom prst="ellipse">
+            <a:avLst/>
+          </a:prstGeom>
+          <a:solidFill>
+            <a:srgbClr val="0070C0"/>
+          </a:solidFill>
+          <a:ln w="12700" cap="flat" cmpd="sng" algn="ctr">
+            <a:solidFill>
+              <a:srgbClr val="D2A66C">
+                <a:shade val="50000"/>
+              </a:srgbClr>
+            </a:solidFill>
+            <a:prstDash val="solid"/>
+            <a:miter lim="800000"/>
+          </a:ln>
+          <a:effectLst/>
+        </p:spPr>
+        <p:txBody>
+          <a:bodyPr rtlCol="0" anchor="ctr"/>
+          <a:lstStyle/>
+          <a:p>
+            <a:pPr marL="0" marR="0" lvl="0" indent="0" algn="ctr" defTabSz="914377" eaLnBrk="1" fontAlgn="auto" latinLnBrk="0" hangingPunct="1">
+              <a:lnSpc>
+                <a:spcPct val="100000"/>
+              </a:lnSpc>
+              <a:spcBef>
+                <a:spcPts val="0"/>
+              </a:spcBef>
+              <a:spcAft>
+                <a:spcPts val="0"/>
+              </a:spcAft>
+              <a:buClrTx/>
+              <a:buSzTx/>
+              <a:buFontTx/>
+              <a:buNone/>
+              <a:tabLst/>
+              <a:defRPr/>
+            </a:pPr>
+            <a:endParaRPr kumimoji="0" lang="en-US" sz="1800" b="0" i="0" u="none" strike="noStrike" kern="0" cap="none" spc="0" normalizeH="0" baseline="0" noProof="0">
+              <a:ln>
+                <a:noFill/>
+              </a:ln>
+              <a:solidFill>
+                <a:srgbClr val="E73A1C"/>
+              </a:solidFill>
+              <a:effectLst/>
+              <a:uLnTx/>
+              <a:uFillTx/>
+              <a:latin typeface="Arial"/>
+              <a:ea typeface="微软雅黑"/>
+              <a:cs typeface="+mn-cs"/>
+            </a:endParaRPr>
+          </a:p>
+        </p:txBody>
+      </p:sp>
+      <p:sp>
+        <p:nvSpPr>
+          <p:cNvPr id="23" name="Rectangle 22">
+            <a:extLst>
+              <a:ext uri="{FF2B5EF4-FFF2-40B4-BE49-F238E27FC236}">
+                <a16:creationId xmlns:a16="http://schemas.microsoft.com/office/drawing/2014/main" id="{EA4FBC34-5BB9-C34D-8BA9-E18CDEA76025}"/>
+              </a:ext>
+            </a:extLst>
+          </p:cNvPr>
+          <p:cNvSpPr/>
+          <p:nvPr/>
+        </p:nvSpPr>
+        <p:spPr>
+          <a:xfrm>
+            <a:off x="6846499" y="3029149"/>
+            <a:ext cx="385042" cy="369332"/>
+          </a:xfrm>
+          <a:prstGeom prst="rect">
+            <a:avLst/>
+          </a:prstGeom>
+          <a:noFill/>
+        </p:spPr>
+        <p:txBody>
+          <a:bodyPr wrap="none" lIns="91440" tIns="45720" rIns="91440" bIns="45720">
+            <a:spAutoFit/>
+          </a:bodyPr>
+          <a:lstStyle/>
+          <a:p>
+            <a:pPr algn="ctr" defTabSz="914377"/>
+            <a:r>
+              <a:rPr lang="en-US" dirty="0">
+                <a:ln w="0"/>
+                <a:solidFill>
+                  <a:srgbClr val="000000"/>
+                </a:solidFill>
+                <a:effectLst>
+                  <a:outerShdw blurRad="38100" dist="19050" dir="2700000" algn="tl" rotWithShape="0">
+                    <a:srgbClr val="000000">
+                      <a:alpha val="40000"/>
+                    </a:srgbClr>
+                  </a:outerShdw>
+                </a:effectLst>
+                <a:latin typeface="Arial"/>
+                <a:ea typeface="微软雅黑"/>
+              </a:rPr>
+              <a:t>x</a:t>
+            </a:r>
+            <a:r>
+              <a:rPr lang="en-US" baseline="-25000" dirty="0">
+                <a:ln w="0"/>
+                <a:solidFill>
+                  <a:srgbClr val="000000"/>
+                </a:solidFill>
+                <a:effectLst>
+                  <a:outerShdw blurRad="38100" dist="19050" dir="2700000" algn="tl" rotWithShape="0">
+                    <a:srgbClr val="000000">
+                      <a:alpha val="40000"/>
+                    </a:srgbClr>
+                  </a:outerShdw>
+                </a:effectLst>
+                <a:latin typeface="Arial"/>
+                <a:ea typeface="微软雅黑"/>
+              </a:rPr>
+              <a:t>2</a:t>
+            </a:r>
+            <a:endParaRPr lang="en-US" dirty="0">
+              <a:ln w="0"/>
+              <a:solidFill>
+                <a:srgbClr val="000000"/>
+              </a:solidFill>
+              <a:effectLst>
+                <a:outerShdw blurRad="38100" dist="19050" dir="2700000" algn="tl" rotWithShape="0">
+                  <a:srgbClr val="000000">
+                    <a:alpha val="40000"/>
+                  </a:srgbClr>
+                </a:outerShdw>
+              </a:effectLst>
+              <a:latin typeface="Arial"/>
+              <a:ea typeface="微软雅黑"/>
+            </a:endParaRPr>
+          </a:p>
+        </p:txBody>
+      </p:sp>
+      <p:sp>
+        <p:nvSpPr>
+          <p:cNvPr id="24" name="Oval 23">
+            <a:extLst>
+              <a:ext uri="{FF2B5EF4-FFF2-40B4-BE49-F238E27FC236}">
+                <a16:creationId xmlns:a16="http://schemas.microsoft.com/office/drawing/2014/main" id="{C2C2E79B-D449-3041-94A8-DC22706AE924}"/>
+              </a:ext>
+            </a:extLst>
+          </p:cNvPr>
+          <p:cNvSpPr/>
+          <p:nvPr/>
+        </p:nvSpPr>
+        <p:spPr>
+          <a:xfrm>
+            <a:off x="7756082" y="4012660"/>
+            <a:ext cx="90000" cy="90000"/>
+          </a:xfrm>
+          <a:prstGeom prst="ellipse">
+            <a:avLst/>
+          </a:prstGeom>
+          <a:solidFill>
+            <a:srgbClr val="0070C0"/>
+          </a:solidFill>
+          <a:ln w="12700" cap="flat" cmpd="sng" algn="ctr">
+            <a:solidFill>
+              <a:srgbClr val="D2A66C">
+                <a:shade val="50000"/>
+              </a:srgbClr>
+            </a:solidFill>
+            <a:prstDash val="solid"/>
+            <a:miter lim="800000"/>
+          </a:ln>
+          <a:effectLst/>
+        </p:spPr>
+        <p:txBody>
+          <a:bodyPr rtlCol="0" anchor="ctr"/>
+          <a:lstStyle/>
+          <a:p>
+            <a:pPr marL="0" marR="0" lvl="0" indent="0" algn="ctr" defTabSz="914377" eaLnBrk="1" fontAlgn="auto" latinLnBrk="0" hangingPunct="1">
+              <a:lnSpc>
+                <a:spcPct val="100000"/>
+              </a:lnSpc>
+              <a:spcBef>
+                <a:spcPts val="0"/>
+              </a:spcBef>
+              <a:spcAft>
+                <a:spcPts val="0"/>
+              </a:spcAft>
+              <a:buClrTx/>
+              <a:buSzTx/>
+              <a:buFontTx/>
+              <a:buNone/>
+              <a:tabLst/>
+              <a:defRPr/>
+            </a:pPr>
+            <a:endParaRPr kumimoji="0" lang="en-US" sz="1800" b="0" i="0" u="none" strike="noStrike" kern="0" cap="none" spc="0" normalizeH="0" baseline="0" noProof="0">
+              <a:ln>
+                <a:noFill/>
+              </a:ln>
+              <a:solidFill>
+                <a:srgbClr val="E73A1C"/>
+              </a:solidFill>
+              <a:effectLst/>
+              <a:uLnTx/>
+              <a:uFillTx/>
+              <a:latin typeface="Arial"/>
+              <a:ea typeface="微软雅黑"/>
+              <a:cs typeface="+mn-cs"/>
+            </a:endParaRPr>
+          </a:p>
+        </p:txBody>
+      </p:sp>
+      <p:sp>
+        <p:nvSpPr>
+          <p:cNvPr id="25" name="Oval 24">
+            <a:extLst>
+              <a:ext uri="{FF2B5EF4-FFF2-40B4-BE49-F238E27FC236}">
+                <a16:creationId xmlns:a16="http://schemas.microsoft.com/office/drawing/2014/main" id="{1B9A80CB-817E-5D46-9963-9EC74826735F}"/>
+              </a:ext>
+            </a:extLst>
+          </p:cNvPr>
+          <p:cNvSpPr/>
+          <p:nvPr/>
+        </p:nvSpPr>
+        <p:spPr>
+          <a:xfrm>
+            <a:off x="7973765" y="3875007"/>
+            <a:ext cx="90000" cy="90000"/>
+          </a:xfrm>
+          <a:prstGeom prst="ellipse">
+            <a:avLst/>
+          </a:prstGeom>
+          <a:solidFill>
+            <a:srgbClr val="0070C0"/>
+          </a:solidFill>
+          <a:ln w="12700" cap="flat" cmpd="sng" algn="ctr">
+            <a:solidFill>
+              <a:srgbClr val="D2A66C">
+                <a:shade val="50000"/>
+              </a:srgbClr>
+            </a:solidFill>
+            <a:prstDash val="solid"/>
+            <a:miter lim="800000"/>
+          </a:ln>
+          <a:effectLst/>
+        </p:spPr>
+        <p:txBody>
+          <a:bodyPr rtlCol="0" anchor="ctr"/>
+          <a:lstStyle/>
+          <a:p>
+            <a:pPr marL="0" marR="0" lvl="0" indent="0" algn="ctr" defTabSz="914377" eaLnBrk="1" fontAlgn="auto" latinLnBrk="0" hangingPunct="1">
+              <a:lnSpc>
+                <a:spcPct val="100000"/>
+              </a:lnSpc>
+              <a:spcBef>
+                <a:spcPts val="0"/>
+              </a:spcBef>
+              <a:spcAft>
+                <a:spcPts val="0"/>
+              </a:spcAft>
+              <a:buClrTx/>
+              <a:buSzTx/>
+              <a:buFontTx/>
+              <a:buNone/>
+              <a:tabLst/>
+              <a:defRPr/>
+            </a:pPr>
+            <a:endParaRPr kumimoji="0" lang="en-US" sz="1800" b="0" i="0" u="none" strike="noStrike" kern="0" cap="none" spc="0" normalizeH="0" baseline="0" noProof="0">
+              <a:ln>
+                <a:noFill/>
+              </a:ln>
+              <a:solidFill>
+                <a:srgbClr val="E73A1C"/>
+              </a:solidFill>
+              <a:effectLst/>
+              <a:uLnTx/>
+              <a:uFillTx/>
+              <a:latin typeface="Arial"/>
+              <a:ea typeface="微软雅黑"/>
+              <a:cs typeface="+mn-cs"/>
+            </a:endParaRPr>
+          </a:p>
+        </p:txBody>
+      </p:sp>
+      <p:sp>
+        <p:nvSpPr>
+          <p:cNvPr id="26" name="Oval 25">
+            <a:extLst>
+              <a:ext uri="{FF2B5EF4-FFF2-40B4-BE49-F238E27FC236}">
+                <a16:creationId xmlns:a16="http://schemas.microsoft.com/office/drawing/2014/main" id="{6DDA65E1-9A72-7D49-9350-08229657D43B}"/>
+              </a:ext>
+            </a:extLst>
+          </p:cNvPr>
+          <p:cNvSpPr/>
+          <p:nvPr/>
+        </p:nvSpPr>
+        <p:spPr>
+          <a:xfrm>
+            <a:off x="7810082" y="4259331"/>
+            <a:ext cx="90000" cy="90000"/>
+          </a:xfrm>
+          <a:prstGeom prst="ellipse">
+            <a:avLst/>
+          </a:prstGeom>
+          <a:solidFill>
+            <a:srgbClr val="0070C0"/>
+          </a:solidFill>
+          <a:ln w="12700" cap="flat" cmpd="sng" algn="ctr">
+            <a:solidFill>
+              <a:srgbClr val="D2A66C">
+                <a:shade val="50000"/>
+              </a:srgbClr>
+            </a:solidFill>
+            <a:prstDash val="solid"/>
+            <a:miter lim="800000"/>
+          </a:ln>
+          <a:effectLst/>
+        </p:spPr>
+        <p:txBody>
+          <a:bodyPr rtlCol="0" anchor="ctr"/>
+          <a:lstStyle/>
+          <a:p>
+            <a:pPr marL="0" marR="0" lvl="0" indent="0" algn="ctr" defTabSz="914377" eaLnBrk="1" fontAlgn="auto" latinLnBrk="0" hangingPunct="1">
+              <a:lnSpc>
+                <a:spcPct val="100000"/>
+              </a:lnSpc>
+              <a:spcBef>
+                <a:spcPts val="0"/>
+              </a:spcBef>
+              <a:spcAft>
+                <a:spcPts val="0"/>
+              </a:spcAft>
+              <a:buClrTx/>
+              <a:buSzTx/>
+              <a:buFontTx/>
+              <a:buNone/>
+              <a:tabLst/>
+              <a:defRPr/>
+            </a:pPr>
+            <a:endParaRPr kumimoji="0" lang="en-US" sz="1800" b="0" i="0" u="none" strike="noStrike" kern="0" cap="none" spc="0" normalizeH="0" baseline="0" noProof="0">
+              <a:ln>
+                <a:noFill/>
+              </a:ln>
+              <a:solidFill>
+                <a:srgbClr val="E73A1C"/>
+              </a:solidFill>
+              <a:effectLst/>
+              <a:uLnTx/>
+              <a:uFillTx/>
+              <a:latin typeface="Arial"/>
+              <a:ea typeface="微软雅黑"/>
+              <a:cs typeface="+mn-cs"/>
+            </a:endParaRPr>
+          </a:p>
+        </p:txBody>
+      </p:sp>
+      <p:sp>
+        <p:nvSpPr>
+          <p:cNvPr id="27" name="Oval 26">
+            <a:extLst>
+              <a:ext uri="{FF2B5EF4-FFF2-40B4-BE49-F238E27FC236}">
+                <a16:creationId xmlns:a16="http://schemas.microsoft.com/office/drawing/2014/main" id="{4E0D7D85-808F-B54D-ADE4-F57B920B28EB}"/>
+              </a:ext>
+            </a:extLst>
+          </p:cNvPr>
+          <p:cNvSpPr/>
+          <p:nvPr/>
+        </p:nvSpPr>
+        <p:spPr>
+          <a:xfrm>
+            <a:off x="8519885" y="3763778"/>
+            <a:ext cx="90000" cy="90000"/>
+          </a:xfrm>
+          <a:prstGeom prst="ellipse">
+            <a:avLst/>
+          </a:prstGeom>
+          <a:solidFill>
+            <a:srgbClr val="0070C0"/>
+          </a:solidFill>
+          <a:ln w="12700" cap="flat" cmpd="sng" algn="ctr">
+            <a:solidFill>
+              <a:srgbClr val="D2A66C">
+                <a:shade val="50000"/>
+              </a:srgbClr>
+            </a:solidFill>
+            <a:prstDash val="solid"/>
+            <a:miter lim="800000"/>
+          </a:ln>
+          <a:effectLst/>
+        </p:spPr>
+        <p:txBody>
+          <a:bodyPr rtlCol="0" anchor="ctr"/>
+          <a:lstStyle/>
+          <a:p>
+            <a:pPr marL="0" marR="0" lvl="0" indent="0" algn="ctr" defTabSz="914377" eaLnBrk="1" fontAlgn="auto" latinLnBrk="0" hangingPunct="1">
+              <a:lnSpc>
+                <a:spcPct val="100000"/>
+              </a:lnSpc>
+              <a:spcBef>
+                <a:spcPts val="0"/>
+              </a:spcBef>
+              <a:spcAft>
+                <a:spcPts val="0"/>
+              </a:spcAft>
+              <a:buClrTx/>
+              <a:buSzTx/>
+              <a:buFontTx/>
+              <a:buNone/>
+              <a:tabLst/>
+              <a:defRPr/>
+            </a:pPr>
+            <a:endParaRPr kumimoji="0" lang="en-US" sz="1800" b="0" i="0" u="none" strike="noStrike" kern="0" cap="none" spc="0" normalizeH="0" baseline="0" noProof="0">
+              <a:ln>
+                <a:noFill/>
+              </a:ln>
+              <a:solidFill>
+                <a:srgbClr val="E73A1C"/>
+              </a:solidFill>
+              <a:effectLst/>
+              <a:uLnTx/>
+              <a:uFillTx/>
+              <a:latin typeface="Arial"/>
+              <a:ea typeface="微软雅黑"/>
+              <a:cs typeface="+mn-cs"/>
+            </a:endParaRPr>
+          </a:p>
+        </p:txBody>
+      </p:sp>
+      <p:sp>
+        <p:nvSpPr>
+          <p:cNvPr id="28" name="Oval 27">
+            <a:extLst>
+              <a:ext uri="{FF2B5EF4-FFF2-40B4-BE49-F238E27FC236}">
+                <a16:creationId xmlns:a16="http://schemas.microsoft.com/office/drawing/2014/main" id="{5BE5FDBE-381E-8C42-83B3-2E42509633B0}"/>
+              </a:ext>
+            </a:extLst>
+          </p:cNvPr>
+          <p:cNvSpPr/>
+          <p:nvPr/>
+        </p:nvSpPr>
+        <p:spPr>
+          <a:xfrm>
+            <a:off x="8334453" y="3632325"/>
+            <a:ext cx="90000" cy="90000"/>
+          </a:xfrm>
+          <a:prstGeom prst="ellipse">
+            <a:avLst/>
+          </a:prstGeom>
+          <a:solidFill>
+            <a:srgbClr val="0070C0"/>
+          </a:solidFill>
+          <a:ln w="12700" cap="flat" cmpd="sng" algn="ctr">
+            <a:solidFill>
+              <a:srgbClr val="D2A66C">
+                <a:shade val="50000"/>
+              </a:srgbClr>
+            </a:solidFill>
+            <a:prstDash val="solid"/>
+            <a:miter lim="800000"/>
+          </a:ln>
+          <a:effectLst/>
+        </p:spPr>
+        <p:txBody>
+          <a:bodyPr rtlCol="0" anchor="ctr"/>
+          <a:lstStyle/>
+          <a:p>
+            <a:pPr marL="0" marR="0" lvl="0" indent="0" algn="ctr" defTabSz="914377" eaLnBrk="1" fontAlgn="auto" latinLnBrk="0" hangingPunct="1">
+              <a:lnSpc>
+                <a:spcPct val="100000"/>
+              </a:lnSpc>
+              <a:spcBef>
+                <a:spcPts val="0"/>
+              </a:spcBef>
+              <a:spcAft>
+                <a:spcPts val="0"/>
+              </a:spcAft>
+              <a:buClrTx/>
+              <a:buSzTx/>
+              <a:buFontTx/>
+              <a:buNone/>
+              <a:tabLst/>
+              <a:defRPr/>
+            </a:pPr>
+            <a:endParaRPr kumimoji="0" lang="en-US" sz="1800" b="0" i="0" u="none" strike="noStrike" kern="0" cap="none" spc="0" normalizeH="0" baseline="0" noProof="0">
+              <a:ln>
+                <a:noFill/>
+              </a:ln>
+              <a:solidFill>
+                <a:srgbClr val="E73A1C"/>
+              </a:solidFill>
+              <a:effectLst/>
+              <a:uLnTx/>
+              <a:uFillTx/>
+              <a:latin typeface="Arial"/>
+              <a:ea typeface="微软雅黑"/>
+              <a:cs typeface="+mn-cs"/>
+            </a:endParaRPr>
+          </a:p>
+        </p:txBody>
+      </p:sp>
+      <p:sp>
+        <p:nvSpPr>
+          <p:cNvPr id="29" name="Oval 28">
+            <a:extLst>
+              <a:ext uri="{FF2B5EF4-FFF2-40B4-BE49-F238E27FC236}">
+                <a16:creationId xmlns:a16="http://schemas.microsoft.com/office/drawing/2014/main" id="{8BFC5AD7-CBCD-364E-A68E-84BD4EE8CFE3}"/>
+              </a:ext>
+            </a:extLst>
+          </p:cNvPr>
+          <p:cNvSpPr/>
+          <p:nvPr/>
+        </p:nvSpPr>
+        <p:spPr>
+          <a:xfrm>
+            <a:off x="8264341" y="4012660"/>
+            <a:ext cx="90000" cy="90000"/>
+          </a:xfrm>
+          <a:prstGeom prst="ellipse">
+            <a:avLst/>
+          </a:prstGeom>
+          <a:solidFill>
+            <a:srgbClr val="0070C0"/>
+          </a:solidFill>
+          <a:ln w="12700" cap="flat" cmpd="sng" algn="ctr">
+            <a:solidFill>
+              <a:srgbClr val="D2A66C">
+                <a:shade val="50000"/>
+              </a:srgbClr>
+            </a:solidFill>
+            <a:prstDash val="solid"/>
+            <a:miter lim="800000"/>
+          </a:ln>
+          <a:effectLst/>
+        </p:spPr>
+        <p:txBody>
+          <a:bodyPr rtlCol="0" anchor="ctr"/>
+          <a:lstStyle/>
+          <a:p>
+            <a:pPr marL="0" marR="0" lvl="0" indent="0" algn="ctr" defTabSz="914377" eaLnBrk="1" fontAlgn="auto" latinLnBrk="0" hangingPunct="1">
+              <a:lnSpc>
+                <a:spcPct val="100000"/>
+              </a:lnSpc>
+              <a:spcBef>
+                <a:spcPts val="0"/>
+              </a:spcBef>
+              <a:spcAft>
+                <a:spcPts val="0"/>
+              </a:spcAft>
+              <a:buClrTx/>
+              <a:buSzTx/>
+              <a:buFontTx/>
+              <a:buNone/>
+              <a:tabLst/>
+              <a:defRPr/>
+            </a:pPr>
+            <a:endParaRPr kumimoji="0" lang="en-US" sz="1800" b="0" i="0" u="none" strike="noStrike" kern="0" cap="none" spc="0" normalizeH="0" baseline="0" noProof="0">
+              <a:ln>
+                <a:noFill/>
+              </a:ln>
+              <a:solidFill>
+                <a:srgbClr val="E73A1C"/>
+              </a:solidFill>
+              <a:effectLst/>
+              <a:uLnTx/>
+              <a:uFillTx/>
+              <a:latin typeface="Arial"/>
+              <a:ea typeface="微软雅黑"/>
+              <a:cs typeface="+mn-cs"/>
+            </a:endParaRPr>
+          </a:p>
+        </p:txBody>
+      </p:sp>
+      <p:sp>
+        <p:nvSpPr>
+          <p:cNvPr id="30" name="Oval 29">
+            <a:extLst>
+              <a:ext uri="{FF2B5EF4-FFF2-40B4-BE49-F238E27FC236}">
+                <a16:creationId xmlns:a16="http://schemas.microsoft.com/office/drawing/2014/main" id="{969967C3-9EDF-0C46-A14F-BE843B86D84B}"/>
+              </a:ext>
+            </a:extLst>
+          </p:cNvPr>
+          <p:cNvSpPr/>
+          <p:nvPr/>
+        </p:nvSpPr>
+        <p:spPr>
+          <a:xfrm>
+            <a:off x="8031141" y="4073738"/>
+            <a:ext cx="90000" cy="90000"/>
+          </a:xfrm>
+          <a:prstGeom prst="ellipse">
+            <a:avLst/>
+          </a:prstGeom>
+          <a:solidFill>
+            <a:srgbClr val="0070C0"/>
+          </a:solidFill>
+          <a:ln w="12700" cap="flat" cmpd="sng" algn="ctr">
+            <a:solidFill>
+              <a:srgbClr val="D2A66C">
+                <a:shade val="50000"/>
+              </a:srgbClr>
+            </a:solidFill>
+            <a:prstDash val="solid"/>
+            <a:miter lim="800000"/>
+          </a:ln>
+          <a:effectLst/>
+        </p:spPr>
+        <p:txBody>
+          <a:bodyPr rtlCol="0" anchor="ctr"/>
+          <a:lstStyle/>
+          <a:p>
+            <a:pPr marL="0" marR="0" lvl="0" indent="0" algn="ctr" defTabSz="914377" eaLnBrk="1" fontAlgn="auto" latinLnBrk="0" hangingPunct="1">
+              <a:lnSpc>
+                <a:spcPct val="100000"/>
+              </a:lnSpc>
+              <a:spcBef>
+                <a:spcPts val="0"/>
+              </a:spcBef>
+              <a:spcAft>
+                <a:spcPts val="0"/>
+              </a:spcAft>
+              <a:buClrTx/>
+              <a:buSzTx/>
+              <a:buFontTx/>
+              <a:buNone/>
+              <a:tabLst/>
+              <a:defRPr/>
+            </a:pPr>
+            <a:endParaRPr kumimoji="0" lang="en-US" sz="1800" b="0" i="0" u="none" strike="noStrike" kern="0" cap="none" spc="0" normalizeH="0" baseline="0" noProof="0">
+              <a:ln>
+                <a:noFill/>
+              </a:ln>
+              <a:solidFill>
+                <a:srgbClr val="E73A1C"/>
+              </a:solidFill>
+              <a:effectLst/>
+              <a:uLnTx/>
+              <a:uFillTx/>
+              <a:latin typeface="Arial"/>
+              <a:ea typeface="微软雅黑"/>
+              <a:cs typeface="+mn-cs"/>
+            </a:endParaRPr>
+          </a:p>
+        </p:txBody>
+      </p:sp>
+      <p:sp>
+        <p:nvSpPr>
+          <p:cNvPr id="31" name="Oval 30">
+            <a:extLst>
+              <a:ext uri="{FF2B5EF4-FFF2-40B4-BE49-F238E27FC236}">
+                <a16:creationId xmlns:a16="http://schemas.microsoft.com/office/drawing/2014/main" id="{5CAB784A-C54B-0E49-B42D-D510AAC61BBE}"/>
+              </a:ext>
+            </a:extLst>
+          </p:cNvPr>
+          <p:cNvSpPr/>
+          <p:nvPr/>
+        </p:nvSpPr>
+        <p:spPr>
+          <a:xfrm>
+            <a:off x="7756082" y="5228141"/>
+            <a:ext cx="90000" cy="90000"/>
+          </a:xfrm>
+          <a:prstGeom prst="ellipse">
+            <a:avLst/>
+          </a:prstGeom>
+          <a:solidFill>
+            <a:srgbClr val="0070C0"/>
+          </a:solidFill>
+          <a:ln w="12700" cap="flat" cmpd="sng" algn="ctr">
+            <a:solidFill>
+              <a:srgbClr val="D2A66C">
+                <a:shade val="50000"/>
+              </a:srgbClr>
+            </a:solidFill>
+            <a:prstDash val="solid"/>
+            <a:miter lim="800000"/>
+          </a:ln>
+          <a:effectLst/>
+        </p:spPr>
+        <p:txBody>
+          <a:bodyPr rtlCol="0" anchor="ctr"/>
+          <a:lstStyle/>
+          <a:p>
+            <a:pPr marL="0" marR="0" lvl="0" indent="0" algn="ctr" defTabSz="914377" eaLnBrk="1" fontAlgn="auto" latinLnBrk="0" hangingPunct="1">
+              <a:lnSpc>
+                <a:spcPct val="100000"/>
+              </a:lnSpc>
+              <a:spcBef>
+                <a:spcPts val="0"/>
+              </a:spcBef>
+              <a:spcAft>
+                <a:spcPts val="0"/>
+              </a:spcAft>
+              <a:buClrTx/>
+              <a:buSzTx/>
+              <a:buFontTx/>
+              <a:buNone/>
+              <a:tabLst/>
+              <a:defRPr/>
+            </a:pPr>
+            <a:endParaRPr kumimoji="0" lang="en-US" sz="1800" b="0" i="0" u="none" strike="noStrike" kern="0" cap="none" spc="0" normalizeH="0" baseline="0" noProof="0">
+              <a:ln>
+                <a:noFill/>
+              </a:ln>
+              <a:solidFill>
+                <a:srgbClr val="E73A1C"/>
+              </a:solidFill>
+              <a:effectLst/>
+              <a:uLnTx/>
+              <a:uFillTx/>
+              <a:latin typeface="Arial"/>
+              <a:ea typeface="微软雅黑"/>
+              <a:cs typeface="+mn-cs"/>
+            </a:endParaRPr>
+          </a:p>
+        </p:txBody>
+      </p:sp>
+      <p:sp>
+        <p:nvSpPr>
+          <p:cNvPr id="32" name="Oval 31">
+            <a:extLst>
+              <a:ext uri="{FF2B5EF4-FFF2-40B4-BE49-F238E27FC236}">
+                <a16:creationId xmlns:a16="http://schemas.microsoft.com/office/drawing/2014/main" id="{D4950246-6A41-B54E-A857-33405881E7E8}"/>
+              </a:ext>
+            </a:extLst>
+          </p:cNvPr>
+          <p:cNvSpPr/>
+          <p:nvPr/>
+        </p:nvSpPr>
+        <p:spPr>
+          <a:xfrm>
+            <a:off x="7973765" y="5090488"/>
+            <a:ext cx="90000" cy="90000"/>
+          </a:xfrm>
+          <a:prstGeom prst="ellipse">
+            <a:avLst/>
+          </a:prstGeom>
+          <a:solidFill>
+            <a:srgbClr val="0070C0"/>
+          </a:solidFill>
+          <a:ln w="12700" cap="flat" cmpd="sng" algn="ctr">
+            <a:solidFill>
+              <a:srgbClr val="D2A66C">
+                <a:shade val="50000"/>
+              </a:srgbClr>
+            </a:solidFill>
+            <a:prstDash val="solid"/>
+            <a:miter lim="800000"/>
+          </a:ln>
+          <a:effectLst/>
+        </p:spPr>
+        <p:txBody>
+          <a:bodyPr rtlCol="0" anchor="ctr"/>
+          <a:lstStyle/>
+          <a:p>
+            <a:pPr marL="0" marR="0" lvl="0" indent="0" algn="ctr" defTabSz="914377" eaLnBrk="1" fontAlgn="auto" latinLnBrk="0" hangingPunct="1">
+              <a:lnSpc>
+                <a:spcPct val="100000"/>
+              </a:lnSpc>
+              <a:spcBef>
+                <a:spcPts val="0"/>
+              </a:spcBef>
+              <a:spcAft>
+                <a:spcPts val="0"/>
+              </a:spcAft>
+              <a:buClrTx/>
+              <a:buSzTx/>
+              <a:buFontTx/>
+              <a:buNone/>
+              <a:tabLst/>
+              <a:defRPr/>
+            </a:pPr>
+            <a:endParaRPr kumimoji="0" lang="en-US" sz="1800" b="0" i="0" u="none" strike="noStrike" kern="0" cap="none" spc="0" normalizeH="0" baseline="0" noProof="0">
+              <a:ln>
+                <a:noFill/>
+              </a:ln>
+              <a:solidFill>
+                <a:srgbClr val="E73A1C"/>
+              </a:solidFill>
+              <a:effectLst/>
+              <a:uLnTx/>
+              <a:uFillTx/>
+              <a:latin typeface="Arial"/>
+              <a:ea typeface="微软雅黑"/>
+              <a:cs typeface="+mn-cs"/>
+            </a:endParaRPr>
+          </a:p>
+        </p:txBody>
+      </p:sp>
+      <p:sp>
+        <p:nvSpPr>
+          <p:cNvPr id="33" name="Oval 32">
+            <a:extLst>
+              <a:ext uri="{FF2B5EF4-FFF2-40B4-BE49-F238E27FC236}">
+                <a16:creationId xmlns:a16="http://schemas.microsoft.com/office/drawing/2014/main" id="{EF596264-8452-484F-BD98-CC908A964E21}"/>
+              </a:ext>
+            </a:extLst>
+          </p:cNvPr>
+          <p:cNvSpPr/>
+          <p:nvPr/>
+        </p:nvSpPr>
+        <p:spPr>
+          <a:xfrm>
+            <a:off x="7810082" y="5474812"/>
+            <a:ext cx="90000" cy="90000"/>
+          </a:xfrm>
+          <a:prstGeom prst="ellipse">
+            <a:avLst/>
+          </a:prstGeom>
+          <a:solidFill>
+            <a:srgbClr val="0070C0"/>
+          </a:solidFill>
+          <a:ln w="12700" cap="flat" cmpd="sng" algn="ctr">
+            <a:solidFill>
+              <a:srgbClr val="D2A66C">
+                <a:shade val="50000"/>
+              </a:srgbClr>
+            </a:solidFill>
+            <a:prstDash val="solid"/>
+            <a:miter lim="800000"/>
+          </a:ln>
+          <a:effectLst/>
+        </p:spPr>
+        <p:txBody>
+          <a:bodyPr rtlCol="0" anchor="ctr"/>
+          <a:lstStyle/>
+          <a:p>
+            <a:pPr marL="0" marR="0" lvl="0" indent="0" algn="ctr" defTabSz="914377" eaLnBrk="1" fontAlgn="auto" latinLnBrk="0" hangingPunct="1">
+              <a:lnSpc>
+                <a:spcPct val="100000"/>
+              </a:lnSpc>
+              <a:spcBef>
+                <a:spcPts val="0"/>
+              </a:spcBef>
+              <a:spcAft>
+                <a:spcPts val="0"/>
+              </a:spcAft>
+              <a:buClrTx/>
+              <a:buSzTx/>
+              <a:buFontTx/>
+              <a:buNone/>
+              <a:tabLst/>
+              <a:defRPr/>
+            </a:pPr>
+            <a:endParaRPr kumimoji="0" lang="en-US" sz="1800" b="0" i="0" u="none" strike="noStrike" kern="0" cap="none" spc="0" normalizeH="0" baseline="0" noProof="0">
+              <a:ln>
+                <a:noFill/>
+              </a:ln>
+              <a:solidFill>
+                <a:srgbClr val="E73A1C"/>
+              </a:solidFill>
+              <a:effectLst/>
+              <a:uLnTx/>
+              <a:uFillTx/>
+              <a:latin typeface="Arial"/>
+              <a:ea typeface="微软雅黑"/>
+              <a:cs typeface="+mn-cs"/>
+            </a:endParaRPr>
+          </a:p>
+        </p:txBody>
+      </p:sp>
+      <p:sp>
+        <p:nvSpPr>
+          <p:cNvPr id="34" name="Oval 33">
+            <a:extLst>
+              <a:ext uri="{FF2B5EF4-FFF2-40B4-BE49-F238E27FC236}">
+                <a16:creationId xmlns:a16="http://schemas.microsoft.com/office/drawing/2014/main" id="{87891932-1E5A-044B-AF30-EE77A6BB37DA}"/>
+              </a:ext>
+            </a:extLst>
+          </p:cNvPr>
+          <p:cNvSpPr/>
+          <p:nvPr/>
+        </p:nvSpPr>
+        <p:spPr>
+          <a:xfrm>
+            <a:off x="8519885" y="4979259"/>
+            <a:ext cx="90000" cy="90000"/>
+          </a:xfrm>
+          <a:prstGeom prst="ellipse">
+            <a:avLst/>
+          </a:prstGeom>
+          <a:solidFill>
+            <a:srgbClr val="0070C0"/>
+          </a:solidFill>
+          <a:ln w="12700" cap="flat" cmpd="sng" algn="ctr">
+            <a:solidFill>
+              <a:srgbClr val="D2A66C">
+                <a:shade val="50000"/>
+              </a:srgbClr>
+            </a:solidFill>
+            <a:prstDash val="solid"/>
+            <a:miter lim="800000"/>
+          </a:ln>
+          <a:effectLst/>
+        </p:spPr>
+        <p:txBody>
+          <a:bodyPr rtlCol="0" anchor="ctr"/>
+          <a:lstStyle/>
+          <a:p>
+            <a:pPr marL="0" marR="0" lvl="0" indent="0" algn="ctr" defTabSz="914377" eaLnBrk="1" fontAlgn="auto" latinLnBrk="0" hangingPunct="1">
+              <a:lnSpc>
+                <a:spcPct val="100000"/>
+              </a:lnSpc>
+              <a:spcBef>
+                <a:spcPts val="0"/>
+              </a:spcBef>
+              <a:spcAft>
+                <a:spcPts val="0"/>
+              </a:spcAft>
+              <a:buClrTx/>
+              <a:buSzTx/>
+              <a:buFontTx/>
+              <a:buNone/>
+              <a:tabLst/>
+              <a:defRPr/>
+            </a:pPr>
+            <a:endParaRPr kumimoji="0" lang="en-US" sz="1800" b="0" i="0" u="none" strike="noStrike" kern="0" cap="none" spc="0" normalizeH="0" baseline="0" noProof="0">
+              <a:ln>
+                <a:noFill/>
+              </a:ln>
+              <a:solidFill>
+                <a:srgbClr val="E73A1C"/>
+              </a:solidFill>
+              <a:effectLst/>
+              <a:uLnTx/>
+              <a:uFillTx/>
+              <a:latin typeface="Arial"/>
+              <a:ea typeface="微软雅黑"/>
+              <a:cs typeface="+mn-cs"/>
+            </a:endParaRPr>
+          </a:p>
+        </p:txBody>
+      </p:sp>
+      <p:sp>
+        <p:nvSpPr>
+          <p:cNvPr id="35" name="Oval 34">
+            <a:extLst>
+              <a:ext uri="{FF2B5EF4-FFF2-40B4-BE49-F238E27FC236}">
+                <a16:creationId xmlns:a16="http://schemas.microsoft.com/office/drawing/2014/main" id="{99004A32-C690-0146-BE0F-E446A7F6F118}"/>
+              </a:ext>
+            </a:extLst>
+          </p:cNvPr>
+          <p:cNvSpPr/>
+          <p:nvPr/>
+        </p:nvSpPr>
+        <p:spPr>
+          <a:xfrm>
+            <a:off x="8334453" y="4847806"/>
+            <a:ext cx="90000" cy="90000"/>
+          </a:xfrm>
+          <a:prstGeom prst="ellipse">
+            <a:avLst/>
+          </a:prstGeom>
+          <a:solidFill>
+            <a:srgbClr val="0070C0"/>
+          </a:solidFill>
+          <a:ln w="12700" cap="flat" cmpd="sng" algn="ctr">
+            <a:solidFill>
+              <a:srgbClr val="D2A66C">
+                <a:shade val="50000"/>
+              </a:srgbClr>
+            </a:solidFill>
+            <a:prstDash val="solid"/>
+            <a:miter lim="800000"/>
+          </a:ln>
+          <a:effectLst/>
+        </p:spPr>
+        <p:txBody>
+          <a:bodyPr rtlCol="0" anchor="ctr"/>
+          <a:lstStyle/>
+          <a:p>
+            <a:pPr marL="0" marR="0" lvl="0" indent="0" algn="ctr" defTabSz="914377" eaLnBrk="1" fontAlgn="auto" latinLnBrk="0" hangingPunct="1">
+              <a:lnSpc>
+                <a:spcPct val="100000"/>
+              </a:lnSpc>
+              <a:spcBef>
+                <a:spcPts val="0"/>
+              </a:spcBef>
+              <a:spcAft>
+                <a:spcPts val="0"/>
+              </a:spcAft>
+              <a:buClrTx/>
+              <a:buSzTx/>
+              <a:buFontTx/>
+              <a:buNone/>
+              <a:tabLst/>
+              <a:defRPr/>
+            </a:pPr>
+            <a:endParaRPr kumimoji="0" lang="en-US" sz="1800" b="0" i="0" u="none" strike="noStrike" kern="0" cap="none" spc="0" normalizeH="0" baseline="0" noProof="0">
+              <a:ln>
+                <a:noFill/>
+              </a:ln>
+              <a:solidFill>
+                <a:srgbClr val="E73A1C"/>
+              </a:solidFill>
+              <a:effectLst/>
+              <a:uLnTx/>
+              <a:uFillTx/>
+              <a:latin typeface="Arial"/>
+              <a:ea typeface="微软雅黑"/>
+              <a:cs typeface="+mn-cs"/>
+            </a:endParaRPr>
+          </a:p>
+        </p:txBody>
+      </p:sp>
+      <p:sp>
+        <p:nvSpPr>
+          <p:cNvPr id="36" name="Oval 35">
+            <a:extLst>
+              <a:ext uri="{FF2B5EF4-FFF2-40B4-BE49-F238E27FC236}">
+                <a16:creationId xmlns:a16="http://schemas.microsoft.com/office/drawing/2014/main" id="{2661F40E-CFD5-4E48-A013-C8EA58A209F8}"/>
+              </a:ext>
+            </a:extLst>
+          </p:cNvPr>
+          <p:cNvSpPr/>
+          <p:nvPr/>
+        </p:nvSpPr>
+        <p:spPr>
+          <a:xfrm>
+            <a:off x="8264341" y="5228141"/>
+            <a:ext cx="90000" cy="90000"/>
+          </a:xfrm>
+          <a:prstGeom prst="ellipse">
+            <a:avLst/>
+          </a:prstGeom>
+          <a:solidFill>
+            <a:srgbClr val="0070C0"/>
+          </a:solidFill>
+          <a:ln w="12700" cap="flat" cmpd="sng" algn="ctr">
+            <a:solidFill>
+              <a:srgbClr val="D2A66C">
+                <a:shade val="50000"/>
+              </a:srgbClr>
+            </a:solidFill>
+            <a:prstDash val="solid"/>
+            <a:miter lim="800000"/>
+          </a:ln>
+          <a:effectLst/>
+        </p:spPr>
+        <p:txBody>
+          <a:bodyPr rtlCol="0" anchor="ctr"/>
+          <a:lstStyle/>
+          <a:p>
+            <a:pPr marL="0" marR="0" lvl="0" indent="0" algn="ctr" defTabSz="914377" eaLnBrk="1" fontAlgn="auto" latinLnBrk="0" hangingPunct="1">
+              <a:lnSpc>
+                <a:spcPct val="100000"/>
+              </a:lnSpc>
+              <a:spcBef>
+                <a:spcPts val="0"/>
+              </a:spcBef>
+              <a:spcAft>
+                <a:spcPts val="0"/>
+              </a:spcAft>
+              <a:buClrTx/>
+              <a:buSzTx/>
+              <a:buFontTx/>
+              <a:buNone/>
+              <a:tabLst/>
+              <a:defRPr/>
+            </a:pPr>
+            <a:endParaRPr kumimoji="0" lang="en-US" sz="1800" b="0" i="0" u="none" strike="noStrike" kern="0" cap="none" spc="0" normalizeH="0" baseline="0" noProof="0">
+              <a:ln>
+                <a:noFill/>
+              </a:ln>
+              <a:solidFill>
+                <a:srgbClr val="E73A1C"/>
+              </a:solidFill>
+              <a:effectLst/>
+              <a:uLnTx/>
+              <a:uFillTx/>
+              <a:latin typeface="Arial"/>
+              <a:ea typeface="微软雅黑"/>
+              <a:cs typeface="+mn-cs"/>
+            </a:endParaRPr>
+          </a:p>
+        </p:txBody>
+      </p:sp>
+      <p:sp>
+        <p:nvSpPr>
+          <p:cNvPr id="37" name="Oval 36">
+            <a:extLst>
+              <a:ext uri="{FF2B5EF4-FFF2-40B4-BE49-F238E27FC236}">
+                <a16:creationId xmlns:a16="http://schemas.microsoft.com/office/drawing/2014/main" id="{629EDB89-28A1-1A4B-9BA0-DC72853A9CFA}"/>
+              </a:ext>
+            </a:extLst>
+          </p:cNvPr>
+          <p:cNvSpPr/>
+          <p:nvPr/>
+        </p:nvSpPr>
+        <p:spPr>
+          <a:xfrm>
+            <a:off x="8031141" y="5289219"/>
+            <a:ext cx="90000" cy="90000"/>
+          </a:xfrm>
+          <a:prstGeom prst="ellipse">
+            <a:avLst/>
+          </a:prstGeom>
+          <a:solidFill>
+            <a:srgbClr val="0070C0"/>
+          </a:solidFill>
+          <a:ln w="12700" cap="flat" cmpd="sng" algn="ctr">
+            <a:solidFill>
+              <a:srgbClr val="D2A66C">
+                <a:shade val="50000"/>
+              </a:srgbClr>
+            </a:solidFill>
+            <a:prstDash val="solid"/>
+            <a:miter lim="800000"/>
+          </a:ln>
+          <a:effectLst/>
+        </p:spPr>
+        <p:txBody>
+          <a:bodyPr rtlCol="0" anchor="ctr"/>
+          <a:lstStyle/>
+          <a:p>
+            <a:pPr marL="0" marR="0" lvl="0" indent="0" algn="ctr" defTabSz="914377" eaLnBrk="1" fontAlgn="auto" latinLnBrk="0" hangingPunct="1">
+              <a:lnSpc>
+                <a:spcPct val="100000"/>
+              </a:lnSpc>
+              <a:spcBef>
+                <a:spcPts val="0"/>
+              </a:spcBef>
+              <a:spcAft>
+                <a:spcPts val="0"/>
+              </a:spcAft>
+              <a:buClrTx/>
+              <a:buSzTx/>
+              <a:buFontTx/>
+              <a:buNone/>
+              <a:tabLst/>
+              <a:defRPr/>
+            </a:pPr>
+            <a:endParaRPr kumimoji="0" lang="en-US" sz="1800" b="0" i="0" u="none" strike="noStrike" kern="0" cap="none" spc="0" normalizeH="0" baseline="0" noProof="0">
+              <a:ln>
+                <a:noFill/>
+              </a:ln>
+              <a:solidFill>
+                <a:srgbClr val="E73A1C"/>
+              </a:solidFill>
+              <a:effectLst/>
+              <a:uLnTx/>
+              <a:uFillTx/>
+              <a:latin typeface="Arial"/>
+              <a:ea typeface="微软雅黑"/>
+              <a:cs typeface="+mn-cs"/>
+            </a:endParaRPr>
+          </a:p>
+        </p:txBody>
+      </p:sp>
+      <p:sp>
+        <p:nvSpPr>
+          <p:cNvPr id="38" name="Oval 37">
+            <a:extLst>
+              <a:ext uri="{FF2B5EF4-FFF2-40B4-BE49-F238E27FC236}">
+                <a16:creationId xmlns:a16="http://schemas.microsoft.com/office/drawing/2014/main" id="{98B27713-21E3-8B4B-B7E9-A2ED6B3E6C7C}"/>
+              </a:ext>
+            </a:extLst>
+          </p:cNvPr>
+          <p:cNvSpPr/>
+          <p:nvPr/>
+        </p:nvSpPr>
+        <p:spPr>
+          <a:xfrm>
+            <a:off x="9023604" y="5235578"/>
+            <a:ext cx="90000" cy="90000"/>
+          </a:xfrm>
+          <a:prstGeom prst="ellipse">
+            <a:avLst/>
+          </a:prstGeom>
+          <a:solidFill>
+            <a:srgbClr val="0070C0"/>
+          </a:solidFill>
+          <a:ln w="12700" cap="flat" cmpd="sng" algn="ctr">
+            <a:solidFill>
+              <a:srgbClr val="D2A66C">
+                <a:shade val="50000"/>
+              </a:srgbClr>
+            </a:solidFill>
+            <a:prstDash val="solid"/>
+            <a:miter lim="800000"/>
+          </a:ln>
+          <a:effectLst/>
+        </p:spPr>
+        <p:txBody>
+          <a:bodyPr rtlCol="0" anchor="ctr"/>
+          <a:lstStyle/>
+          <a:p>
+            <a:pPr marL="0" marR="0" lvl="0" indent="0" algn="ctr" defTabSz="914377" eaLnBrk="1" fontAlgn="auto" latinLnBrk="0" hangingPunct="1">
+              <a:lnSpc>
+                <a:spcPct val="100000"/>
+              </a:lnSpc>
+              <a:spcBef>
+                <a:spcPts val="0"/>
+              </a:spcBef>
+              <a:spcAft>
+                <a:spcPts val="0"/>
+              </a:spcAft>
+              <a:buClrTx/>
+              <a:buSzTx/>
+              <a:buFontTx/>
+              <a:buNone/>
+              <a:tabLst/>
+              <a:defRPr/>
+            </a:pPr>
+            <a:endParaRPr kumimoji="0" lang="en-US" sz="1800" b="0" i="0" u="none" strike="noStrike" kern="0" cap="none" spc="0" normalizeH="0" baseline="0" noProof="0">
+              <a:ln>
+                <a:noFill/>
+              </a:ln>
+              <a:solidFill>
+                <a:srgbClr val="E73A1C"/>
+              </a:solidFill>
+              <a:effectLst/>
+              <a:uLnTx/>
+              <a:uFillTx/>
+              <a:latin typeface="Arial"/>
+              <a:ea typeface="微软雅黑"/>
+              <a:cs typeface="+mn-cs"/>
+            </a:endParaRPr>
+          </a:p>
+        </p:txBody>
+      </p:sp>
+      <p:sp>
+        <p:nvSpPr>
+          <p:cNvPr id="39" name="Oval 38">
+            <a:extLst>
+              <a:ext uri="{FF2B5EF4-FFF2-40B4-BE49-F238E27FC236}">
+                <a16:creationId xmlns:a16="http://schemas.microsoft.com/office/drawing/2014/main" id="{1FBFEDAB-7D4A-B34F-AE5F-9BED63AC570E}"/>
+              </a:ext>
+            </a:extLst>
+          </p:cNvPr>
+          <p:cNvSpPr/>
+          <p:nvPr/>
+        </p:nvSpPr>
+        <p:spPr>
+          <a:xfrm>
+            <a:off x="9241287" y="5097925"/>
+            <a:ext cx="90000" cy="90000"/>
+          </a:xfrm>
+          <a:prstGeom prst="ellipse">
+            <a:avLst/>
+          </a:prstGeom>
+          <a:solidFill>
+            <a:srgbClr val="0070C0"/>
+          </a:solidFill>
+          <a:ln w="12700" cap="flat" cmpd="sng" algn="ctr">
+            <a:solidFill>
+              <a:srgbClr val="D2A66C">
+                <a:shade val="50000"/>
+              </a:srgbClr>
+            </a:solidFill>
+            <a:prstDash val="solid"/>
+            <a:miter lim="800000"/>
+          </a:ln>
+          <a:effectLst/>
+        </p:spPr>
+        <p:txBody>
+          <a:bodyPr rtlCol="0" anchor="ctr"/>
+          <a:lstStyle/>
+          <a:p>
+            <a:pPr marL="0" marR="0" lvl="0" indent="0" algn="ctr" defTabSz="914377" eaLnBrk="1" fontAlgn="auto" latinLnBrk="0" hangingPunct="1">
+              <a:lnSpc>
+                <a:spcPct val="100000"/>
+              </a:lnSpc>
+              <a:spcBef>
+                <a:spcPts val="0"/>
+              </a:spcBef>
+              <a:spcAft>
+                <a:spcPts val="0"/>
+              </a:spcAft>
+              <a:buClrTx/>
+              <a:buSzTx/>
+              <a:buFontTx/>
+              <a:buNone/>
+              <a:tabLst/>
+              <a:defRPr/>
+            </a:pPr>
+            <a:endParaRPr kumimoji="0" lang="en-US" sz="1800" b="0" i="0" u="none" strike="noStrike" kern="0" cap="none" spc="0" normalizeH="0" baseline="0" noProof="0">
+              <a:ln>
+                <a:noFill/>
+              </a:ln>
+              <a:solidFill>
+                <a:srgbClr val="E73A1C"/>
+              </a:solidFill>
+              <a:effectLst/>
+              <a:uLnTx/>
+              <a:uFillTx/>
+              <a:latin typeface="Arial"/>
+              <a:ea typeface="微软雅黑"/>
+              <a:cs typeface="+mn-cs"/>
+            </a:endParaRPr>
+          </a:p>
+        </p:txBody>
+      </p:sp>
+      <p:sp>
+        <p:nvSpPr>
+          <p:cNvPr id="40" name="Oval 39">
+            <a:extLst>
+              <a:ext uri="{FF2B5EF4-FFF2-40B4-BE49-F238E27FC236}">
+                <a16:creationId xmlns:a16="http://schemas.microsoft.com/office/drawing/2014/main" id="{ED86CF35-C968-6845-A140-B84CC12AC94C}"/>
+              </a:ext>
+            </a:extLst>
+          </p:cNvPr>
+          <p:cNvSpPr/>
+          <p:nvPr/>
+        </p:nvSpPr>
+        <p:spPr>
+          <a:xfrm>
+            <a:off x="9077604" y="5482249"/>
+            <a:ext cx="90000" cy="90000"/>
+          </a:xfrm>
+          <a:prstGeom prst="ellipse">
+            <a:avLst/>
+          </a:prstGeom>
+          <a:solidFill>
+            <a:srgbClr val="0070C0"/>
+          </a:solidFill>
+          <a:ln w="12700" cap="flat" cmpd="sng" algn="ctr">
+            <a:solidFill>
+              <a:srgbClr val="D2A66C">
+                <a:shade val="50000"/>
+              </a:srgbClr>
+            </a:solidFill>
+            <a:prstDash val="solid"/>
+            <a:miter lim="800000"/>
+          </a:ln>
+          <a:effectLst/>
+        </p:spPr>
+        <p:txBody>
+          <a:bodyPr rtlCol="0" anchor="ctr"/>
+          <a:lstStyle/>
+          <a:p>
+            <a:pPr marL="0" marR="0" lvl="0" indent="0" algn="ctr" defTabSz="914377" eaLnBrk="1" fontAlgn="auto" latinLnBrk="0" hangingPunct="1">
+              <a:lnSpc>
+                <a:spcPct val="100000"/>
+              </a:lnSpc>
+              <a:spcBef>
+                <a:spcPts val="0"/>
+              </a:spcBef>
+              <a:spcAft>
+                <a:spcPts val="0"/>
+              </a:spcAft>
+              <a:buClrTx/>
+              <a:buSzTx/>
+              <a:buFontTx/>
+              <a:buNone/>
+              <a:tabLst/>
+              <a:defRPr/>
+            </a:pPr>
+            <a:endParaRPr kumimoji="0" lang="en-US" sz="1800" b="0" i="0" u="none" strike="noStrike" kern="0" cap="none" spc="0" normalizeH="0" baseline="0" noProof="0">
+              <a:ln>
+                <a:noFill/>
+              </a:ln>
+              <a:solidFill>
+                <a:srgbClr val="E73A1C"/>
+              </a:solidFill>
+              <a:effectLst/>
+              <a:uLnTx/>
+              <a:uFillTx/>
+              <a:latin typeface="Arial"/>
+              <a:ea typeface="微软雅黑"/>
+              <a:cs typeface="+mn-cs"/>
+            </a:endParaRPr>
+          </a:p>
+        </p:txBody>
+      </p:sp>
+      <p:sp>
+        <p:nvSpPr>
+          <p:cNvPr id="41" name="Oval 40">
+            <a:extLst>
+              <a:ext uri="{FF2B5EF4-FFF2-40B4-BE49-F238E27FC236}">
+                <a16:creationId xmlns:a16="http://schemas.microsoft.com/office/drawing/2014/main" id="{062B3F55-54B4-8149-817D-C1A7D8398CEB}"/>
+              </a:ext>
+            </a:extLst>
+          </p:cNvPr>
+          <p:cNvSpPr/>
+          <p:nvPr/>
+        </p:nvSpPr>
+        <p:spPr>
+          <a:xfrm>
+            <a:off x="9787407" y="4986696"/>
+            <a:ext cx="90000" cy="90000"/>
+          </a:xfrm>
+          <a:prstGeom prst="ellipse">
+            <a:avLst/>
+          </a:prstGeom>
+          <a:solidFill>
+            <a:srgbClr val="0070C0"/>
+          </a:solidFill>
+          <a:ln w="12700" cap="flat" cmpd="sng" algn="ctr">
+            <a:solidFill>
+              <a:srgbClr val="D2A66C">
+                <a:shade val="50000"/>
+              </a:srgbClr>
+            </a:solidFill>
+            <a:prstDash val="solid"/>
+            <a:miter lim="800000"/>
+          </a:ln>
+          <a:effectLst/>
+        </p:spPr>
+        <p:txBody>
+          <a:bodyPr rtlCol="0" anchor="ctr"/>
+          <a:lstStyle/>
+          <a:p>
+            <a:pPr marL="0" marR="0" lvl="0" indent="0" algn="ctr" defTabSz="914377" eaLnBrk="1" fontAlgn="auto" latinLnBrk="0" hangingPunct="1">
+              <a:lnSpc>
+                <a:spcPct val="100000"/>
+              </a:lnSpc>
+              <a:spcBef>
+                <a:spcPts val="0"/>
+              </a:spcBef>
+              <a:spcAft>
+                <a:spcPts val="0"/>
+              </a:spcAft>
+              <a:buClrTx/>
+              <a:buSzTx/>
+              <a:buFontTx/>
+              <a:buNone/>
+              <a:tabLst/>
+              <a:defRPr/>
+            </a:pPr>
+            <a:endParaRPr kumimoji="0" lang="en-US" sz="1800" b="0" i="0" u="none" strike="noStrike" kern="0" cap="none" spc="0" normalizeH="0" baseline="0" noProof="0">
+              <a:ln>
+                <a:noFill/>
+              </a:ln>
+              <a:solidFill>
+                <a:srgbClr val="E73A1C"/>
+              </a:solidFill>
+              <a:effectLst/>
+              <a:uLnTx/>
+              <a:uFillTx/>
+              <a:latin typeface="Arial"/>
+              <a:ea typeface="微软雅黑"/>
+              <a:cs typeface="+mn-cs"/>
+            </a:endParaRPr>
+          </a:p>
+        </p:txBody>
+      </p:sp>
+      <p:sp>
+        <p:nvSpPr>
+          <p:cNvPr id="42" name="Oval 41">
+            <a:extLst>
+              <a:ext uri="{FF2B5EF4-FFF2-40B4-BE49-F238E27FC236}">
+                <a16:creationId xmlns:a16="http://schemas.microsoft.com/office/drawing/2014/main" id="{44C83725-4F6F-2B40-BD3E-FBAA97830388}"/>
+              </a:ext>
+            </a:extLst>
+          </p:cNvPr>
+          <p:cNvSpPr/>
+          <p:nvPr/>
+        </p:nvSpPr>
+        <p:spPr>
+          <a:xfrm>
+            <a:off x="9601975" y="4855243"/>
+            <a:ext cx="90000" cy="90000"/>
+          </a:xfrm>
+          <a:prstGeom prst="ellipse">
+            <a:avLst/>
+          </a:prstGeom>
+          <a:solidFill>
+            <a:srgbClr val="0070C0"/>
+          </a:solidFill>
+          <a:ln w="12700" cap="flat" cmpd="sng" algn="ctr">
+            <a:solidFill>
+              <a:srgbClr val="D2A66C">
+                <a:shade val="50000"/>
+              </a:srgbClr>
+            </a:solidFill>
+            <a:prstDash val="solid"/>
+            <a:miter lim="800000"/>
+          </a:ln>
+          <a:effectLst/>
+        </p:spPr>
+        <p:txBody>
+          <a:bodyPr rtlCol="0" anchor="ctr"/>
+          <a:lstStyle/>
+          <a:p>
+            <a:pPr marL="0" marR="0" lvl="0" indent="0" algn="ctr" defTabSz="914377" eaLnBrk="1" fontAlgn="auto" latinLnBrk="0" hangingPunct="1">
+              <a:lnSpc>
+                <a:spcPct val="100000"/>
+              </a:lnSpc>
+              <a:spcBef>
+                <a:spcPts val="0"/>
+              </a:spcBef>
+              <a:spcAft>
+                <a:spcPts val="0"/>
+              </a:spcAft>
+              <a:buClrTx/>
+              <a:buSzTx/>
+              <a:buFontTx/>
+              <a:buNone/>
+              <a:tabLst/>
+              <a:defRPr/>
+            </a:pPr>
+            <a:endParaRPr kumimoji="0" lang="en-US" sz="1800" b="0" i="0" u="none" strike="noStrike" kern="0" cap="none" spc="0" normalizeH="0" baseline="0" noProof="0">
+              <a:ln>
+                <a:noFill/>
+              </a:ln>
+              <a:solidFill>
+                <a:srgbClr val="E73A1C"/>
+              </a:solidFill>
+              <a:effectLst/>
+              <a:uLnTx/>
+              <a:uFillTx/>
+              <a:latin typeface="Arial"/>
+              <a:ea typeface="微软雅黑"/>
+              <a:cs typeface="+mn-cs"/>
+            </a:endParaRPr>
+          </a:p>
+        </p:txBody>
+      </p:sp>
+      <p:sp>
+        <p:nvSpPr>
+          <p:cNvPr id="43" name="Oval 42">
+            <a:extLst>
+              <a:ext uri="{FF2B5EF4-FFF2-40B4-BE49-F238E27FC236}">
+                <a16:creationId xmlns:a16="http://schemas.microsoft.com/office/drawing/2014/main" id="{5A55A66C-24A6-B244-8557-87FD71A2955B}"/>
+              </a:ext>
+            </a:extLst>
+          </p:cNvPr>
+          <p:cNvSpPr/>
+          <p:nvPr/>
+        </p:nvSpPr>
+        <p:spPr>
+          <a:xfrm>
+            <a:off x="9531863" y="5235578"/>
+            <a:ext cx="90000" cy="90000"/>
+          </a:xfrm>
+          <a:prstGeom prst="ellipse">
+            <a:avLst/>
+          </a:prstGeom>
+          <a:solidFill>
+            <a:srgbClr val="0070C0"/>
+          </a:solidFill>
+          <a:ln w="12700" cap="flat" cmpd="sng" algn="ctr">
+            <a:solidFill>
+              <a:srgbClr val="D2A66C">
+                <a:shade val="50000"/>
+              </a:srgbClr>
+            </a:solidFill>
+            <a:prstDash val="solid"/>
+            <a:miter lim="800000"/>
+          </a:ln>
+          <a:effectLst/>
+        </p:spPr>
+        <p:txBody>
+          <a:bodyPr rtlCol="0" anchor="ctr"/>
+          <a:lstStyle/>
+          <a:p>
+            <a:pPr marL="0" marR="0" lvl="0" indent="0" algn="ctr" defTabSz="914377" eaLnBrk="1" fontAlgn="auto" latinLnBrk="0" hangingPunct="1">
+              <a:lnSpc>
+                <a:spcPct val="100000"/>
+              </a:lnSpc>
+              <a:spcBef>
+                <a:spcPts val="0"/>
+              </a:spcBef>
+              <a:spcAft>
+                <a:spcPts val="0"/>
+              </a:spcAft>
+              <a:buClrTx/>
+              <a:buSzTx/>
+              <a:buFontTx/>
+              <a:buNone/>
+              <a:tabLst/>
+              <a:defRPr/>
+            </a:pPr>
+            <a:endParaRPr kumimoji="0" lang="en-US" sz="1800" b="0" i="0" u="none" strike="noStrike" kern="0" cap="none" spc="0" normalizeH="0" baseline="0" noProof="0">
+              <a:ln>
+                <a:noFill/>
+              </a:ln>
+              <a:solidFill>
+                <a:srgbClr val="E73A1C"/>
+              </a:solidFill>
+              <a:effectLst/>
+              <a:uLnTx/>
+              <a:uFillTx/>
+              <a:latin typeface="Arial"/>
+              <a:ea typeface="微软雅黑"/>
+              <a:cs typeface="+mn-cs"/>
+            </a:endParaRPr>
+          </a:p>
+        </p:txBody>
+      </p:sp>
+      <p:sp>
+        <p:nvSpPr>
+          <p:cNvPr id="44" name="Oval 43">
+            <a:extLst>
+              <a:ext uri="{FF2B5EF4-FFF2-40B4-BE49-F238E27FC236}">
+                <a16:creationId xmlns:a16="http://schemas.microsoft.com/office/drawing/2014/main" id="{384011C5-16D6-4D47-89B7-83F66A9F04A2}"/>
+              </a:ext>
+            </a:extLst>
+          </p:cNvPr>
+          <p:cNvSpPr/>
+          <p:nvPr/>
+        </p:nvSpPr>
+        <p:spPr>
+          <a:xfrm>
+            <a:off x="9298663" y="5296656"/>
+            <a:ext cx="90000" cy="90000"/>
+          </a:xfrm>
+          <a:prstGeom prst="ellipse">
+            <a:avLst/>
+          </a:prstGeom>
+          <a:solidFill>
+            <a:srgbClr val="0070C0"/>
+          </a:solidFill>
+          <a:ln w="12700" cap="flat" cmpd="sng" algn="ctr">
+            <a:solidFill>
+              <a:srgbClr val="D2A66C">
+                <a:shade val="50000"/>
+              </a:srgbClr>
+            </a:solidFill>
+            <a:prstDash val="solid"/>
+            <a:miter lim="800000"/>
+          </a:ln>
+          <a:effectLst/>
+        </p:spPr>
+        <p:txBody>
+          <a:bodyPr rtlCol="0" anchor="ctr"/>
+          <a:lstStyle/>
+          <a:p>
+            <a:pPr marL="0" marR="0" lvl="0" indent="0" algn="ctr" defTabSz="914377" eaLnBrk="1" fontAlgn="auto" latinLnBrk="0" hangingPunct="1">
+              <a:lnSpc>
+                <a:spcPct val="100000"/>
+              </a:lnSpc>
+              <a:spcBef>
+                <a:spcPts val="0"/>
+              </a:spcBef>
+              <a:spcAft>
+                <a:spcPts val="0"/>
+              </a:spcAft>
+              <a:buClrTx/>
+              <a:buSzTx/>
+              <a:buFontTx/>
+              <a:buNone/>
+              <a:tabLst/>
+              <a:defRPr/>
+            </a:pPr>
+            <a:endParaRPr kumimoji="0" lang="en-US" sz="1800" b="0" i="0" u="none" strike="noStrike" kern="0" cap="none" spc="0" normalizeH="0" baseline="0" noProof="0">
+              <a:ln>
+                <a:noFill/>
+              </a:ln>
+              <a:solidFill>
+                <a:srgbClr val="E73A1C"/>
+              </a:solidFill>
+              <a:effectLst/>
+              <a:uLnTx/>
+              <a:uFillTx/>
+              <a:latin typeface="Arial"/>
+              <a:ea typeface="微软雅黑"/>
+              <a:cs typeface="+mn-cs"/>
+            </a:endParaRPr>
+          </a:p>
+        </p:txBody>
+      </p:sp>
+      <p:cxnSp>
+        <p:nvCxnSpPr>
+          <p:cNvPr id="45" name="Straight Connector 44">
+            <a:extLst>
+              <a:ext uri="{FF2B5EF4-FFF2-40B4-BE49-F238E27FC236}">
+                <a16:creationId xmlns:a16="http://schemas.microsoft.com/office/drawing/2014/main" id="{1195364B-45B5-4046-8B13-78434F8A3584}"/>
+              </a:ext>
+            </a:extLst>
+          </p:cNvPr>
+          <p:cNvCxnSpPr>
+            <a:cxnSpLocks/>
+          </p:cNvCxnSpPr>
+          <p:nvPr/>
+        </p:nvCxnSpPr>
+        <p:spPr>
+          <a:xfrm>
+            <a:off x="8354341" y="4574637"/>
+            <a:ext cx="0" cy="1102497"/>
+          </a:xfrm>
+          <a:prstGeom prst="line">
+            <a:avLst/>
+          </a:prstGeom>
+          <a:noFill/>
+          <a:ln w="15875" cap="flat" cmpd="sng" algn="ctr">
+            <a:solidFill>
+              <a:srgbClr val="E73A1C"/>
+            </a:solidFill>
+            <a:prstDash val="lgDash"/>
+            <a:miter lim="800000"/>
+          </a:ln>
+          <a:effectLst/>
+        </p:spPr>
+      </p:cxnSp>
+      <p:cxnSp>
+        <p:nvCxnSpPr>
+          <p:cNvPr id="46" name="Straight Connector 45">
+            <a:extLst>
+              <a:ext uri="{FF2B5EF4-FFF2-40B4-BE49-F238E27FC236}">
+                <a16:creationId xmlns:a16="http://schemas.microsoft.com/office/drawing/2014/main" id="{A1B7628F-8030-8D47-8B25-926978A3794E}"/>
+              </a:ext>
+            </a:extLst>
+          </p:cNvPr>
+          <p:cNvCxnSpPr>
+            <a:cxnSpLocks/>
+          </p:cNvCxnSpPr>
+          <p:nvPr/>
+        </p:nvCxnSpPr>
+        <p:spPr>
+          <a:xfrm>
+            <a:off x="9009574" y="4573451"/>
+            <a:ext cx="0" cy="1099137"/>
+          </a:xfrm>
+          <a:prstGeom prst="line">
+            <a:avLst/>
+          </a:prstGeom>
+          <a:noFill/>
+          <a:ln w="15875" cap="flat" cmpd="sng" algn="ctr">
+            <a:solidFill>
+              <a:srgbClr val="E73A1C"/>
+            </a:solidFill>
+            <a:prstDash val="lgDash"/>
+            <a:miter lim="800000"/>
+          </a:ln>
+          <a:effectLst/>
+        </p:spPr>
+      </p:cxnSp>
+      <p:cxnSp>
+        <p:nvCxnSpPr>
+          <p:cNvPr id="47" name="Straight Connector 46">
+            <a:extLst>
+              <a:ext uri="{FF2B5EF4-FFF2-40B4-BE49-F238E27FC236}">
+                <a16:creationId xmlns:a16="http://schemas.microsoft.com/office/drawing/2014/main" id="{D822C9D7-D5F4-0F44-809A-7CDB6F18CE3E}"/>
+              </a:ext>
+            </a:extLst>
+          </p:cNvPr>
+          <p:cNvCxnSpPr>
+            <a:cxnSpLocks/>
+          </p:cNvCxnSpPr>
+          <p:nvPr/>
+        </p:nvCxnSpPr>
+        <p:spPr>
+          <a:xfrm flipH="1">
+            <a:off x="7059216" y="4582238"/>
+            <a:ext cx="3010335" cy="2364"/>
+          </a:xfrm>
+          <a:prstGeom prst="line">
+            <a:avLst/>
+          </a:prstGeom>
+          <a:noFill/>
+          <a:ln w="15875" cap="flat" cmpd="sng" algn="ctr">
+            <a:solidFill>
+              <a:srgbClr val="E73A1C"/>
+            </a:solidFill>
+            <a:prstDash val="lgDash"/>
+            <a:miter lim="800000"/>
+          </a:ln>
+          <a:effectLst/>
+        </p:spPr>
+      </p:cxnSp>
+      <p:cxnSp>
+        <p:nvCxnSpPr>
+          <p:cNvPr id="48" name="Straight Connector 47">
+            <a:extLst>
+              <a:ext uri="{FF2B5EF4-FFF2-40B4-BE49-F238E27FC236}">
+                <a16:creationId xmlns:a16="http://schemas.microsoft.com/office/drawing/2014/main" id="{948D7B86-6586-DC49-A730-61BB18DFB41C}"/>
+              </a:ext>
+            </a:extLst>
+          </p:cNvPr>
+          <p:cNvCxnSpPr>
+            <a:cxnSpLocks/>
+          </p:cNvCxnSpPr>
+          <p:nvPr/>
+        </p:nvCxnSpPr>
+        <p:spPr>
+          <a:xfrm>
+            <a:off x="8655198" y="3473555"/>
+            <a:ext cx="0" cy="1102497"/>
+          </a:xfrm>
+          <a:prstGeom prst="line">
+            <a:avLst/>
+          </a:prstGeom>
+          <a:noFill/>
+          <a:ln w="15875" cap="flat" cmpd="sng" algn="ctr">
+            <a:solidFill>
+              <a:srgbClr val="E73A1C"/>
+            </a:solidFill>
+            <a:prstDash val="lgDash"/>
+            <a:miter lim="800000"/>
+          </a:ln>
+          <a:effectLst/>
+        </p:spPr>
+      </p:cxnSp>
+      <p:cxnSp>
+        <p:nvCxnSpPr>
+          <p:cNvPr id="49" name="Straight Connector 48">
+            <a:extLst>
+              <a:ext uri="{FF2B5EF4-FFF2-40B4-BE49-F238E27FC236}">
+                <a16:creationId xmlns:a16="http://schemas.microsoft.com/office/drawing/2014/main" id="{0410536F-6A94-6748-A3DA-60C987FA01CF}"/>
+              </a:ext>
+            </a:extLst>
+          </p:cNvPr>
+          <p:cNvCxnSpPr>
+            <a:cxnSpLocks/>
+          </p:cNvCxnSpPr>
+          <p:nvPr/>
+        </p:nvCxnSpPr>
+        <p:spPr>
+          <a:xfrm flipV="1">
+            <a:off x="10069551" y="3515235"/>
+            <a:ext cx="1" cy="2187373"/>
+          </a:xfrm>
+          <a:prstGeom prst="line">
+            <a:avLst/>
+          </a:prstGeom>
+          <a:noFill/>
+          <a:ln w="15875" cap="flat" cmpd="sng" algn="ctr">
+            <a:solidFill>
+              <a:srgbClr val="E73A1C"/>
+            </a:solidFill>
+            <a:prstDash val="lgDash"/>
+            <a:miter lim="800000"/>
+          </a:ln>
+          <a:effectLst/>
+        </p:spPr>
+      </p:cxnSp>
+    </p:spTree>
+    <p:extLst>
+      <p:ext uri="{BB962C8B-B14F-4D97-AF65-F5344CB8AC3E}">
+        <p14:creationId xmlns:p14="http://schemas.microsoft.com/office/powerpoint/2010/main" val="1445732142"/>
+      </p:ext>
+    </p:extLst>
+  </p:cSld>
+  <p:clrMapOvr>
+    <a:masterClrMapping/>
+  </p:clrMapOvr>
+</p:sld>
+</file>
+
+<file path=ppt/slides/slide9.xml><?xml version="1.0" encoding="utf-8"?>
+<p:sld xmlns:a="http://schemas.openxmlformats.org/drawingml/2006/main" xmlns:r="http://schemas.openxmlformats.org/officeDocument/2006/relationships" xmlns:p="http://schemas.openxmlformats.org/presentationml/2006/main">
+  <p:cSld>
+    <p:spTree>
+      <p:nvGrpSpPr>
+        <p:cNvPr id="1" name=""/>
+        <p:cNvGrpSpPr/>
+        <p:nvPr/>
+      </p:nvGrpSpPr>
+      <p:grpSpPr>
+        <a:xfrm>
+          <a:off x="0" y="0"/>
+          <a:ext cx="0" cy="0"/>
+          <a:chOff x="0" y="0"/>
+          <a:chExt cx="0" cy="0"/>
+        </a:xfrm>
+      </p:grpSpPr>
+      <p:sp>
+        <p:nvSpPr>
+          <p:cNvPr id="2" name="Rectangle 1">
+            <a:extLst>
+              <a:ext uri="{FF2B5EF4-FFF2-40B4-BE49-F238E27FC236}">
+                <a16:creationId xmlns:a16="http://schemas.microsoft.com/office/drawing/2014/main" id="{8A74829E-430D-F943-8AEB-90F0AE9A62B0}"/>
+              </a:ext>
+            </a:extLst>
+          </p:cNvPr>
+          <p:cNvSpPr/>
+          <p:nvPr/>
+        </p:nvSpPr>
+        <p:spPr>
+          <a:xfrm>
+            <a:off x="2729933" y="2825821"/>
+            <a:ext cx="2452916" cy="506292"/>
+          </a:xfrm>
+          <a:prstGeom prst="rect">
+            <a:avLst/>
+          </a:prstGeom>
+        </p:spPr>
+        <p:txBody>
+          <a:bodyPr wrap="none">
+            <a:spAutoFit/>
+          </a:bodyPr>
+          <a:lstStyle/>
+          <a:p>
+            <a:pPr indent="-285750">
+              <a:lnSpc>
+                <a:spcPct val="150000"/>
+              </a:lnSpc>
+              <a:buFont typeface="Arial" panose="020B0604020202020204" pitchFamily="34" charset="0"/>
+              <a:buChar char="•"/>
+            </a:pPr>
+            <a:r>
+              <a:rPr lang="en-US" sz="2000" kern="0" dirty="0">
+                <a:solidFill>
+                  <a:srgbClr val="595959"/>
+                </a:solidFill>
+                <a:cs typeface="Arial"/>
+              </a:rPr>
+              <a:t>Mean Square Error</a:t>
+            </a:r>
+          </a:p>
+        </p:txBody>
+      </p:sp>
+      <p:pic>
+        <p:nvPicPr>
+          <p:cNvPr id="3" name="Picture 6" descr="Image for post">
+            <a:extLst>
+              <a:ext uri="{FF2B5EF4-FFF2-40B4-BE49-F238E27FC236}">
+                <a16:creationId xmlns:a16="http://schemas.microsoft.com/office/drawing/2014/main" id="{FBFD33E5-4E3C-8B40-97F4-712920191A4B}"/>
+              </a:ext>
+            </a:extLst>
+          </p:cNvPr>
+          <p:cNvPicPr>
+            <a:picLocks noChangeAspect="1" noChangeArrowheads="1"/>
+          </p:cNvPicPr>
+          <p:nvPr/>
+        </p:nvPicPr>
+        <p:blipFill>
+          <a:blip r:embed="rId2">
+            <a:extLst>
+              <a:ext uri="{28A0092B-C50C-407E-A947-70E740481C1C}">
+                <a14:useLocalDpi xmlns:a14="http://schemas.microsoft.com/office/drawing/2010/main" val="0"/>
+              </a:ext>
+            </a:extLst>
+          </a:blip>
+          <a:srcRect/>
+          <a:stretch>
+            <a:fillRect/>
+          </a:stretch>
+        </p:blipFill>
+        <p:spPr bwMode="auto">
+          <a:xfrm>
+            <a:off x="2476841" y="3483354"/>
+            <a:ext cx="2959100" cy="927100"/>
+          </a:xfrm>
+          <a:prstGeom prst="rect">
+            <a:avLst/>
+          </a:prstGeom>
+          <a:noFill/>
+          <a:extLst>
+            <a:ext uri="{909E8E84-426E-40DD-AFC4-6F175D3DCCD1}">
+              <a14:hiddenFill xmlns:a14="http://schemas.microsoft.com/office/drawing/2010/main">
+                <a:solidFill>
+                  <a:srgbClr val="FFFFFF"/>
+                </a:solidFill>
+              </a14:hiddenFill>
+            </a:ext>
+          </a:extLst>
+        </p:spPr>
+      </p:pic>
+      <p:pic>
+        <p:nvPicPr>
+          <p:cNvPr id="4" name="Picture 8" descr="Image for post">
+            <a:extLst>
+              <a:ext uri="{FF2B5EF4-FFF2-40B4-BE49-F238E27FC236}">
+                <a16:creationId xmlns:a16="http://schemas.microsoft.com/office/drawing/2014/main" id="{7B66BAFA-2E87-8B48-BF74-6EA8C7BB34CB}"/>
+              </a:ext>
+            </a:extLst>
+          </p:cNvPr>
+          <p:cNvPicPr>
+            <a:picLocks noChangeAspect="1" noChangeArrowheads="1"/>
+          </p:cNvPicPr>
+          <p:nvPr/>
+        </p:nvPicPr>
+        <p:blipFill>
+          <a:blip r:embed="rId3">
+            <a:extLst>
+              <a:ext uri="{28A0092B-C50C-407E-A947-70E740481C1C}">
+                <a14:useLocalDpi xmlns:a14="http://schemas.microsoft.com/office/drawing/2010/main" val="0"/>
+              </a:ext>
+            </a:extLst>
+          </a:blip>
+          <a:srcRect/>
+          <a:stretch>
+            <a:fillRect/>
+          </a:stretch>
+        </p:blipFill>
+        <p:spPr bwMode="auto">
+          <a:xfrm>
+            <a:off x="6646289" y="3483354"/>
+            <a:ext cx="2654300" cy="927100"/>
+          </a:xfrm>
+          <a:prstGeom prst="rect">
+            <a:avLst/>
+          </a:prstGeom>
+          <a:noFill/>
+          <a:extLst>
+            <a:ext uri="{909E8E84-426E-40DD-AFC4-6F175D3DCCD1}">
+              <a14:hiddenFill xmlns:a14="http://schemas.microsoft.com/office/drawing/2010/main">
+                <a:solidFill>
+                  <a:srgbClr val="FFFFFF"/>
+                </a:solidFill>
+              </a14:hiddenFill>
+            </a:ext>
+          </a:extLst>
+        </p:spPr>
+      </p:pic>
+      <p:sp>
+        <p:nvSpPr>
+          <p:cNvPr id="5" name="Rectangle 4">
+            <a:extLst>
+              <a:ext uri="{FF2B5EF4-FFF2-40B4-BE49-F238E27FC236}">
+                <a16:creationId xmlns:a16="http://schemas.microsoft.com/office/drawing/2014/main" id="{9F7C326A-827C-8549-A2F6-9A6366138D01}"/>
+              </a:ext>
+            </a:extLst>
+          </p:cNvPr>
+          <p:cNvSpPr/>
+          <p:nvPr/>
+        </p:nvSpPr>
+        <p:spPr>
+          <a:xfrm>
+            <a:off x="6757401" y="2822323"/>
+            <a:ext cx="2432076" cy="464871"/>
+          </a:xfrm>
+          <a:prstGeom prst="rect">
+            <a:avLst/>
+          </a:prstGeom>
+        </p:spPr>
+        <p:txBody>
+          <a:bodyPr wrap="none">
+            <a:spAutoFit/>
+          </a:bodyPr>
+          <a:lstStyle/>
+          <a:p>
+            <a:pPr indent="-285750">
+              <a:lnSpc>
+                <a:spcPct val="150000"/>
+              </a:lnSpc>
+              <a:buFont typeface="Arial" panose="020B0604020202020204" pitchFamily="34" charset="0"/>
+              <a:buChar char="•"/>
+            </a:pPr>
+            <a:r>
+              <a:rPr lang="en-US" kern="0" dirty="0">
+                <a:solidFill>
+                  <a:srgbClr val="595959"/>
+                </a:solidFill>
+                <a:cs typeface="Arial"/>
+              </a:rPr>
+              <a:t>Mean Absolute Error</a:t>
+            </a:r>
+          </a:p>
+        </p:txBody>
+      </p:sp>
+    </p:spTree>
+    <p:extLst>
+      <p:ext uri="{BB962C8B-B14F-4D97-AF65-F5344CB8AC3E}">
+        <p14:creationId xmlns:p14="http://schemas.microsoft.com/office/powerpoint/2010/main" val="1798513286"/>
       </p:ext>
     </p:extLst>
   </p:cSld>
